--- a/0-PRESENTATION_POWERPOINT/presentation_secu_wordpress.pptx
+++ b/0-PRESENTATION_POWERPOINT/presentation_secu_wordpress.pptx
@@ -5,16 +5,21 @@
     <p:sldMasterId id="2147483923" r:id="rId1"/>
   </p:sldMasterIdLst>
   <p:notesMasterIdLst>
-    <p:notesMasterId r:id="rId9"/>
+    <p:notesMasterId r:id="rId14"/>
   </p:notesMasterIdLst>
   <p:sldIdLst>
     <p:sldId id="256" r:id="rId2"/>
     <p:sldId id="257" r:id="rId3"/>
     <p:sldId id="284" r:id="rId4"/>
-    <p:sldId id="285" r:id="rId5"/>
-    <p:sldId id="319" r:id="rId6"/>
-    <p:sldId id="309" r:id="rId7"/>
-    <p:sldId id="310" r:id="rId8"/>
+    <p:sldId id="320" r:id="rId5"/>
+    <p:sldId id="321" r:id="rId6"/>
+    <p:sldId id="322" r:id="rId7"/>
+    <p:sldId id="323" r:id="rId8"/>
+    <p:sldId id="285" r:id="rId9"/>
+    <p:sldId id="324" r:id="rId10"/>
+    <p:sldId id="319" r:id="rId11"/>
+    <p:sldId id="309" r:id="rId12"/>
+    <p:sldId id="310" r:id="rId13"/>
   </p:sldIdLst>
   <p:sldSz cx="12192000" cy="6858000"/>
   <p:notesSz cx="6858000" cy="9144000"/>
@@ -1070,7 +1075,7 @@
               <a:latin typeface="Arial" panose="020B0604020202020204" pitchFamily="34" charset="0"/>
               <a:cs typeface="Arial" panose="020B0604020202020204" pitchFamily="34" charset="0"/>
             </a:rPr>
-            <a:t>Question</a:t>
+            <a:t>Questions</a:t>
           </a:r>
           <a:endParaRPr lang="fr-FR" dirty="0"/>
         </a:p>
@@ -1098,6 +1103,29 @@
         </a:p>
       </dgm:t>
     </dgm:pt>
+    <dgm:pt modelId="{574B2D8E-62F9-4D03-B916-0306C86B6D46}">
+      <dgm:prSet phldrT="[Texte]"/>
+      <dgm:spPr/>
+      <dgm:t>
+        <a:bodyPr/>
+        <a:lstStyle/>
+        <a:p>
+          <a:r>
+            <a:rPr lang="fr-FR"/>
+            <a:t>Bilan / Recommandations</a:t>
+          </a:r>
+          <a:endParaRPr lang="fr-FR" dirty="0"/>
+        </a:p>
+      </dgm:t>
+    </dgm:pt>
+    <dgm:pt modelId="{29580141-CEE8-499B-8F51-ECB1CD90EF04}" type="parTrans" cxnId="{3135B807-A82D-4324-B36C-6959901AD1B9}">
+      <dgm:prSet/>
+      <dgm:spPr/>
+    </dgm:pt>
+    <dgm:pt modelId="{F69EFE1A-844A-4AAB-ABFB-6D5E57DE5B18}" type="sibTrans" cxnId="{3135B807-A82D-4324-B36C-6959901AD1B9}">
+      <dgm:prSet/>
+      <dgm:spPr/>
+    </dgm:pt>
     <dgm:pt modelId="{62D2C340-0C92-49E5-965B-5997A69F75DA}" type="pres">
       <dgm:prSet presAssocID="{CAF58717-2CA2-4946-96FA-E6F594FD428A}" presName="Name0" presStyleCnt="0">
         <dgm:presLayoutVars>
@@ -1117,7 +1145,7 @@
       <dgm:spPr/>
     </dgm:pt>
     <dgm:pt modelId="{9377D85C-1950-4E52-857E-36DDC919B3C3}" type="pres">
-      <dgm:prSet presAssocID="{CAF58717-2CA2-4946-96FA-E6F594FD428A}" presName="srcNode" presStyleLbl="node1" presStyleIdx="0" presStyleCnt="5"/>
+      <dgm:prSet presAssocID="{CAF58717-2CA2-4946-96FA-E6F594FD428A}" presName="srcNode" presStyleLbl="node1" presStyleIdx="0" presStyleCnt="6"/>
       <dgm:spPr/>
     </dgm:pt>
     <dgm:pt modelId="{55BDC51A-ADDA-4CF5-B880-4FF9929CBE77}" type="pres">
@@ -1125,15 +1153,15 @@
       <dgm:spPr/>
     </dgm:pt>
     <dgm:pt modelId="{50B90D1B-F7D9-4FC9-927C-8C08301F561E}" type="pres">
-      <dgm:prSet presAssocID="{CAF58717-2CA2-4946-96FA-E6F594FD428A}" presName="extraNode" presStyleLbl="node1" presStyleIdx="0" presStyleCnt="5"/>
+      <dgm:prSet presAssocID="{CAF58717-2CA2-4946-96FA-E6F594FD428A}" presName="extraNode" presStyleLbl="node1" presStyleIdx="0" presStyleCnt="6"/>
       <dgm:spPr/>
     </dgm:pt>
     <dgm:pt modelId="{BA713EF7-C5CD-4E77-A7DF-95D3BB7C732B}" type="pres">
-      <dgm:prSet presAssocID="{CAF58717-2CA2-4946-96FA-E6F594FD428A}" presName="dstNode" presStyleLbl="node1" presStyleIdx="0" presStyleCnt="5"/>
+      <dgm:prSet presAssocID="{CAF58717-2CA2-4946-96FA-E6F594FD428A}" presName="dstNode" presStyleLbl="node1" presStyleIdx="0" presStyleCnt="6"/>
       <dgm:spPr/>
     </dgm:pt>
     <dgm:pt modelId="{E093BE16-1D22-479B-8037-0A5ED29AB5C3}" type="pres">
-      <dgm:prSet presAssocID="{0F402DF0-6E05-4A40-8507-1E4684EA8C93}" presName="text_1" presStyleLbl="node1" presStyleIdx="0" presStyleCnt="5">
+      <dgm:prSet presAssocID="{0F402DF0-6E05-4A40-8507-1E4684EA8C93}" presName="text_1" presStyleLbl="node1" presStyleIdx="0" presStyleCnt="6">
         <dgm:presLayoutVars>
           <dgm:bulletEnabled val="1"/>
         </dgm:presLayoutVars>
@@ -1145,87 +1173,105 @@
       <dgm:spPr/>
     </dgm:pt>
     <dgm:pt modelId="{53FB057A-5CFB-4F7C-B81F-6C59DEAFF1B8}" type="pres">
-      <dgm:prSet presAssocID="{0F402DF0-6E05-4A40-8507-1E4684EA8C93}" presName="accentRepeatNode" presStyleLbl="solidFgAcc1" presStyleIdx="0" presStyleCnt="5"/>
+      <dgm:prSet presAssocID="{0F402DF0-6E05-4A40-8507-1E4684EA8C93}" presName="accentRepeatNode" presStyleLbl="solidFgAcc1" presStyleIdx="0" presStyleCnt="6"/>
       <dgm:spPr/>
     </dgm:pt>
-    <dgm:pt modelId="{207F21DA-3CF9-447A-94BC-F18EC1B2E79F}" type="pres">
-      <dgm:prSet presAssocID="{E94ADFC6-24F5-496A-9D00-728511D24714}" presName="text_2" presStyleLbl="node1" presStyleIdx="1" presStyleCnt="5">
+    <dgm:pt modelId="{5CC804D0-309C-450C-A17A-6D493802CC2A}" type="pres">
+      <dgm:prSet presAssocID="{574B2D8E-62F9-4D03-B916-0306C86B6D46}" presName="text_2" presStyleLbl="node1" presStyleIdx="1" presStyleCnt="6">
         <dgm:presLayoutVars>
           <dgm:bulletEnabled val="1"/>
         </dgm:presLayoutVars>
       </dgm:prSet>
       <dgm:spPr/>
     </dgm:pt>
-    <dgm:pt modelId="{B03DE790-061E-4376-9219-ECEF56D4FE21}" type="pres">
-      <dgm:prSet presAssocID="{E94ADFC6-24F5-496A-9D00-728511D24714}" presName="accent_2" presStyleCnt="0"/>
+    <dgm:pt modelId="{A4A06ACF-19F9-43A4-AC58-73B7C27E8ACF}" type="pres">
+      <dgm:prSet presAssocID="{574B2D8E-62F9-4D03-B916-0306C86B6D46}" presName="accent_2" presStyleCnt="0"/>
       <dgm:spPr/>
     </dgm:pt>
-    <dgm:pt modelId="{880304A3-6645-4649-9ABF-AADA5F7D5FE8}" type="pres">
-      <dgm:prSet presAssocID="{E94ADFC6-24F5-496A-9D00-728511D24714}" presName="accentRepeatNode" presStyleLbl="solidFgAcc1" presStyleIdx="1" presStyleCnt="5"/>
+    <dgm:pt modelId="{F8F069C1-9645-4833-8743-347D1C543769}" type="pres">
+      <dgm:prSet presAssocID="{574B2D8E-62F9-4D03-B916-0306C86B6D46}" presName="accentRepeatNode" presStyleLbl="solidFgAcc1" presStyleIdx="1" presStyleCnt="6"/>
       <dgm:spPr/>
     </dgm:pt>
-    <dgm:pt modelId="{A4A3854E-CA93-4EEF-A655-5E7789573705}" type="pres">
-      <dgm:prSet presAssocID="{9A6C50A2-E466-4631-9273-704CA0DC0A71}" presName="text_3" presStyleLbl="node1" presStyleIdx="2" presStyleCnt="5" custLinFactNeighborX="40" custLinFactNeighborY="-858">
+    <dgm:pt modelId="{FF1B63BB-292F-404F-8A70-9961DFDEA820}" type="pres">
+      <dgm:prSet presAssocID="{E94ADFC6-24F5-496A-9D00-728511D24714}" presName="text_3" presStyleLbl="node1" presStyleIdx="2" presStyleCnt="6">
         <dgm:presLayoutVars>
           <dgm:bulletEnabled val="1"/>
         </dgm:presLayoutVars>
       </dgm:prSet>
       <dgm:spPr/>
     </dgm:pt>
-    <dgm:pt modelId="{DEECD47D-EFFE-4511-9193-D2577DFD816F}" type="pres">
-      <dgm:prSet presAssocID="{9A6C50A2-E466-4631-9273-704CA0DC0A71}" presName="accent_3" presStyleCnt="0"/>
+    <dgm:pt modelId="{A0BAE13B-776F-4BD8-9FB0-183469486A2A}" type="pres">
+      <dgm:prSet presAssocID="{E94ADFC6-24F5-496A-9D00-728511D24714}" presName="accent_3" presStyleCnt="0"/>
       <dgm:spPr/>
     </dgm:pt>
-    <dgm:pt modelId="{E769AB44-8BA8-4694-9B86-BD37730473DF}" type="pres">
-      <dgm:prSet presAssocID="{9A6C50A2-E466-4631-9273-704CA0DC0A71}" presName="accentRepeatNode" presStyleLbl="solidFgAcc1" presStyleIdx="2" presStyleCnt="5"/>
+    <dgm:pt modelId="{880304A3-6645-4649-9ABF-AADA5F7D5FE8}" type="pres">
+      <dgm:prSet presAssocID="{E94ADFC6-24F5-496A-9D00-728511D24714}" presName="accentRepeatNode" presStyleLbl="solidFgAcc1" presStyleIdx="2" presStyleCnt="6"/>
       <dgm:spPr/>
     </dgm:pt>
-    <dgm:pt modelId="{3D5BE587-7128-435E-B0CC-7A187B01C111}" type="pres">
-      <dgm:prSet presAssocID="{7F009EA4-B1C9-4A03-8D5A-95706CA1ACCA}" presName="text_4" presStyleLbl="node1" presStyleIdx="3" presStyleCnt="5">
+    <dgm:pt modelId="{CBDD1FB5-0A40-430D-BEB0-F7EED382143F}" type="pres">
+      <dgm:prSet presAssocID="{9A6C50A2-E466-4631-9273-704CA0DC0A71}" presName="text_4" presStyleLbl="node1" presStyleIdx="3" presStyleCnt="6">
         <dgm:presLayoutVars>
           <dgm:bulletEnabled val="1"/>
         </dgm:presLayoutVars>
       </dgm:prSet>
       <dgm:spPr/>
     </dgm:pt>
-    <dgm:pt modelId="{72E40F51-3BB6-4DD3-A1B8-8E3F8EEF7D2C}" type="pres">
-      <dgm:prSet presAssocID="{7F009EA4-B1C9-4A03-8D5A-95706CA1ACCA}" presName="accent_4" presStyleCnt="0"/>
+    <dgm:pt modelId="{F20E871E-2B42-446C-936B-1D054018DF5C}" type="pres">
+      <dgm:prSet presAssocID="{9A6C50A2-E466-4631-9273-704CA0DC0A71}" presName="accent_4" presStyleCnt="0"/>
       <dgm:spPr/>
     </dgm:pt>
-    <dgm:pt modelId="{DB0A1E19-0F50-4825-AE05-5274795BA579}" type="pres">
-      <dgm:prSet presAssocID="{7F009EA4-B1C9-4A03-8D5A-95706CA1ACCA}" presName="accentRepeatNode" presStyleLbl="solidFgAcc1" presStyleIdx="3" presStyleCnt="5"/>
+    <dgm:pt modelId="{E769AB44-8BA8-4694-9B86-BD37730473DF}" type="pres">
+      <dgm:prSet presAssocID="{9A6C50A2-E466-4631-9273-704CA0DC0A71}" presName="accentRepeatNode" presStyleLbl="solidFgAcc1" presStyleIdx="3" presStyleCnt="6"/>
       <dgm:spPr/>
     </dgm:pt>
-    <dgm:pt modelId="{966999D7-DD6B-4B01-9B45-802FE1A3E336}" type="pres">
-      <dgm:prSet presAssocID="{81819CFE-BBD3-40ED-834D-DEE8AAA61C06}" presName="text_5" presStyleLbl="node1" presStyleIdx="4" presStyleCnt="5">
+    <dgm:pt modelId="{D2AB782D-5307-49BB-9966-3F6C1D1FCC19}" type="pres">
+      <dgm:prSet presAssocID="{7F009EA4-B1C9-4A03-8D5A-95706CA1ACCA}" presName="text_5" presStyleLbl="node1" presStyleIdx="4" presStyleCnt="6">
         <dgm:presLayoutVars>
           <dgm:bulletEnabled val="1"/>
         </dgm:presLayoutVars>
       </dgm:prSet>
       <dgm:spPr/>
     </dgm:pt>
-    <dgm:pt modelId="{7C49E097-19FE-4752-B569-E95F7BF3B7D8}" type="pres">
-      <dgm:prSet presAssocID="{81819CFE-BBD3-40ED-834D-DEE8AAA61C06}" presName="accent_5" presStyleCnt="0"/>
+    <dgm:pt modelId="{3568D048-F9EE-42E0-B363-EB2E1900991A}" type="pres">
+      <dgm:prSet presAssocID="{7F009EA4-B1C9-4A03-8D5A-95706CA1ACCA}" presName="accent_5" presStyleCnt="0"/>
+      <dgm:spPr/>
+    </dgm:pt>
+    <dgm:pt modelId="{DB0A1E19-0F50-4825-AE05-5274795BA579}" type="pres">
+      <dgm:prSet presAssocID="{7F009EA4-B1C9-4A03-8D5A-95706CA1ACCA}" presName="accentRepeatNode" presStyleLbl="solidFgAcc1" presStyleIdx="4" presStyleCnt="6"/>
+      <dgm:spPr/>
+    </dgm:pt>
+    <dgm:pt modelId="{76DEF4BD-9935-4BE1-ADF6-B70438FA7984}" type="pres">
+      <dgm:prSet presAssocID="{81819CFE-BBD3-40ED-834D-DEE8AAA61C06}" presName="text_6" presStyleLbl="node1" presStyleIdx="5" presStyleCnt="6">
+        <dgm:presLayoutVars>
+          <dgm:bulletEnabled val="1"/>
+        </dgm:presLayoutVars>
+      </dgm:prSet>
+      <dgm:spPr/>
+    </dgm:pt>
+    <dgm:pt modelId="{CCB6B7CC-E74C-40C6-9CD9-BD4FD8C3A74C}" type="pres">
+      <dgm:prSet presAssocID="{81819CFE-BBD3-40ED-834D-DEE8AAA61C06}" presName="accent_6" presStyleCnt="0"/>
       <dgm:spPr/>
     </dgm:pt>
     <dgm:pt modelId="{FD86333B-4FFF-43B4-8174-3BEB42F31D87}" type="pres">
-      <dgm:prSet presAssocID="{81819CFE-BBD3-40ED-834D-DEE8AAA61C06}" presName="accentRepeatNode" presStyleLbl="solidFgAcc1" presStyleIdx="4" presStyleCnt="5"/>
+      <dgm:prSet presAssocID="{81819CFE-BBD3-40ED-834D-DEE8AAA61C06}" presName="accentRepeatNode" presStyleLbl="solidFgAcc1" presStyleIdx="5" presStyleCnt="6"/>
       <dgm:spPr/>
     </dgm:pt>
   </dgm:ptLst>
   <dgm:cxnLst>
+    <dgm:cxn modelId="{3135B807-A82D-4324-B36C-6959901AD1B9}" srcId="{CAF58717-2CA2-4946-96FA-E6F594FD428A}" destId="{574B2D8E-62F9-4D03-B916-0306C86B6D46}" srcOrd="1" destOrd="0" parTransId="{29580141-CEE8-499B-8F51-ECB1CD90EF04}" sibTransId="{F69EFE1A-844A-4AAB-ABFB-6D5E57DE5B18}"/>
+    <dgm:cxn modelId="{BD5E8A0B-328C-4DEE-AF29-0AEE15B98059}" type="presOf" srcId="{81819CFE-BBD3-40ED-834D-DEE8AAA61C06}" destId="{76DEF4BD-9935-4BE1-ADF6-B70438FA7984}" srcOrd="0" destOrd="0" presId="urn:microsoft.com/office/officeart/2008/layout/VerticalCurvedList"/>
     <dgm:cxn modelId="{F4464A20-5480-4123-BA5C-36F77B08F12F}" type="presOf" srcId="{CAF58717-2CA2-4946-96FA-E6F594FD428A}" destId="{62D2C340-0C92-49E5-965B-5997A69F75DA}" srcOrd="0" destOrd="0" presId="urn:microsoft.com/office/officeart/2008/layout/VerticalCurvedList"/>
-    <dgm:cxn modelId="{16757C22-C525-4CDF-A48D-C8FCA7B4CD44}" srcId="{CAF58717-2CA2-4946-96FA-E6F594FD428A}" destId="{7F009EA4-B1C9-4A03-8D5A-95706CA1ACCA}" srcOrd="3" destOrd="0" parTransId="{DAA62F6A-0D4D-4FA4-A39C-86A386313982}" sibTransId="{9BF82615-7507-420C-8FC9-8224A5EF905D}"/>
+    <dgm:cxn modelId="{16757C22-C525-4CDF-A48D-C8FCA7B4CD44}" srcId="{CAF58717-2CA2-4946-96FA-E6F594FD428A}" destId="{7F009EA4-B1C9-4A03-8D5A-95706CA1ACCA}" srcOrd="4" destOrd="0" parTransId="{DAA62F6A-0D4D-4FA4-A39C-86A386313982}" sibTransId="{9BF82615-7507-420C-8FC9-8224A5EF905D}"/>
     <dgm:cxn modelId="{DB1F7661-21C6-4654-A28D-BFA73518E0E5}" type="presOf" srcId="{BA6BBDE9-5B85-440E-B745-26A22107782E}" destId="{55BDC51A-ADDA-4CF5-B880-4FF9929CBE77}" srcOrd="0" destOrd="0" presId="urn:microsoft.com/office/officeart/2008/layout/VerticalCurvedList"/>
-    <dgm:cxn modelId="{37700470-8F4B-4D73-B272-3147084BED00}" type="presOf" srcId="{81819CFE-BBD3-40ED-834D-DEE8AAA61C06}" destId="{966999D7-DD6B-4B01-9B45-802FE1A3E336}" srcOrd="0" destOrd="0" presId="urn:microsoft.com/office/officeart/2008/layout/VerticalCurvedList"/>
-    <dgm:cxn modelId="{2C437453-1AA9-4DA6-9155-74F139BFBA32}" srcId="{CAF58717-2CA2-4946-96FA-E6F594FD428A}" destId="{9A6C50A2-E466-4631-9273-704CA0DC0A71}" srcOrd="2" destOrd="0" parTransId="{4A7AAADF-E91D-4F8E-8B9E-5E170C8D3F7D}" sibTransId="{ECE3D972-9AD4-4E9B-B9E4-0DEB0B5AE92C}"/>
-    <dgm:cxn modelId="{4EA4EB80-4FC1-42BA-9FD3-90E8D828F536}" type="presOf" srcId="{E94ADFC6-24F5-496A-9D00-728511D24714}" destId="{207F21DA-3CF9-447A-94BC-F18EC1B2E79F}" srcOrd="0" destOrd="0" presId="urn:microsoft.com/office/officeart/2008/layout/VerticalCurvedList"/>
-    <dgm:cxn modelId="{98A26992-B641-470A-A8CE-C9E54B11ED09}" srcId="{CAF58717-2CA2-4946-96FA-E6F594FD428A}" destId="{E94ADFC6-24F5-496A-9D00-728511D24714}" srcOrd="1" destOrd="0" parTransId="{D74DE341-E2FB-41CE-877F-2484BD77B968}" sibTransId="{3899DC3C-5B45-466A-A854-7DE45A4D9362}"/>
+    <dgm:cxn modelId="{2C437453-1AA9-4DA6-9155-74F139BFBA32}" srcId="{CAF58717-2CA2-4946-96FA-E6F594FD428A}" destId="{9A6C50A2-E466-4631-9273-704CA0DC0A71}" srcOrd="3" destOrd="0" parTransId="{4A7AAADF-E91D-4F8E-8B9E-5E170C8D3F7D}" sibTransId="{ECE3D972-9AD4-4E9B-B9E4-0DEB0B5AE92C}"/>
+    <dgm:cxn modelId="{98A26992-B641-470A-A8CE-C9E54B11ED09}" srcId="{CAF58717-2CA2-4946-96FA-E6F594FD428A}" destId="{E94ADFC6-24F5-496A-9D00-728511D24714}" srcOrd="2" destOrd="0" parTransId="{D74DE341-E2FB-41CE-877F-2484BD77B968}" sibTransId="{3899DC3C-5B45-466A-A854-7DE45A4D9362}"/>
+    <dgm:cxn modelId="{A1CE3DAD-97A9-4B1D-A8F2-FBC48CB297D0}" type="presOf" srcId="{9A6C50A2-E466-4631-9273-704CA0DC0A71}" destId="{CBDD1FB5-0A40-430D-BEB0-F7EED382143F}" srcOrd="0" destOrd="0" presId="urn:microsoft.com/office/officeart/2008/layout/VerticalCurvedList"/>
     <dgm:cxn modelId="{8FE0A7BC-9638-42ED-B22D-EA3FBA18CC1B}" type="presOf" srcId="{0F402DF0-6E05-4A40-8507-1E4684EA8C93}" destId="{E093BE16-1D22-479B-8037-0A5ED29AB5C3}" srcOrd="0" destOrd="0" presId="urn:microsoft.com/office/officeart/2008/layout/VerticalCurvedList"/>
-    <dgm:cxn modelId="{7BAA6FC1-073C-4E46-BC05-9F7D6CB5AA69}" type="presOf" srcId="{9A6C50A2-E466-4631-9273-704CA0DC0A71}" destId="{A4A3854E-CA93-4EEF-A655-5E7789573705}" srcOrd="0" destOrd="0" presId="urn:microsoft.com/office/officeart/2008/layout/VerticalCurvedList"/>
-    <dgm:cxn modelId="{3E8851E4-BC4C-4AA3-A72F-320BD7A6C488}" srcId="{CAF58717-2CA2-4946-96FA-E6F594FD428A}" destId="{81819CFE-BBD3-40ED-834D-DEE8AAA61C06}" srcOrd="4" destOrd="0" parTransId="{F0071653-9273-471C-BFAD-695EEE650064}" sibTransId="{32AAFDAF-1B09-423F-98D6-D761DCA817A6}"/>
+    <dgm:cxn modelId="{63F202DF-8BF7-47FF-B02E-3D3EF3EC7126}" type="presOf" srcId="{E94ADFC6-24F5-496A-9D00-728511D24714}" destId="{FF1B63BB-292F-404F-8A70-9961DFDEA820}" srcOrd="0" destOrd="0" presId="urn:microsoft.com/office/officeart/2008/layout/VerticalCurvedList"/>
+    <dgm:cxn modelId="{3E8851E4-BC4C-4AA3-A72F-320BD7A6C488}" srcId="{CAF58717-2CA2-4946-96FA-E6F594FD428A}" destId="{81819CFE-BBD3-40ED-834D-DEE8AAA61C06}" srcOrd="5" destOrd="0" parTransId="{F0071653-9273-471C-BFAD-695EEE650064}" sibTransId="{32AAFDAF-1B09-423F-98D6-D761DCA817A6}"/>
+    <dgm:cxn modelId="{698C96EA-FFC0-4E4B-8F72-56899FDB7E44}" type="presOf" srcId="{574B2D8E-62F9-4D03-B916-0306C86B6D46}" destId="{5CC804D0-309C-450C-A17A-6D493802CC2A}" srcOrd="0" destOrd="0" presId="urn:microsoft.com/office/officeart/2008/layout/VerticalCurvedList"/>
     <dgm:cxn modelId="{6DF823EE-A884-4E35-81B1-0C308B205026}" srcId="{CAF58717-2CA2-4946-96FA-E6F594FD428A}" destId="{0F402DF0-6E05-4A40-8507-1E4684EA8C93}" srcOrd="0" destOrd="0" parTransId="{D5EB46A1-6F4E-4A20-B076-1DC56A6E1577}" sibTransId="{BA6BBDE9-5B85-440E-B745-26A22107782E}"/>
-    <dgm:cxn modelId="{7ECE11F5-BDEC-456D-86C7-473EFC862EF6}" type="presOf" srcId="{7F009EA4-B1C9-4A03-8D5A-95706CA1ACCA}" destId="{3D5BE587-7128-435E-B0CC-7A187B01C111}" srcOrd="0" destOrd="0" presId="urn:microsoft.com/office/officeart/2008/layout/VerticalCurvedList"/>
+    <dgm:cxn modelId="{414302F6-86B8-4EFE-BB93-62E31CDE84DF}" type="presOf" srcId="{7F009EA4-B1C9-4A03-8D5A-95706CA1ACCA}" destId="{D2AB782D-5307-49BB-9966-3F6C1D1FCC19}" srcOrd="0" destOrd="0" presId="urn:microsoft.com/office/officeart/2008/layout/VerticalCurvedList"/>
     <dgm:cxn modelId="{6622FB32-3287-4619-9822-80403A39169A}" type="presParOf" srcId="{62D2C340-0C92-49E5-965B-5997A69F75DA}" destId="{00E2524D-362F-4E7E-9CAA-ECF79B7D84BA}" srcOrd="0" destOrd="0" presId="urn:microsoft.com/office/officeart/2008/layout/VerticalCurvedList"/>
     <dgm:cxn modelId="{D0D483A6-A06C-4C7A-A82F-6F5298C068AF}" type="presParOf" srcId="{00E2524D-362F-4E7E-9CAA-ECF79B7D84BA}" destId="{247BCBED-C14F-49A8-B6F1-58648EC8E6B3}" srcOrd="0" destOrd="0" presId="urn:microsoft.com/office/officeart/2008/layout/VerticalCurvedList"/>
     <dgm:cxn modelId="{032A7562-7ECE-48DC-85F6-3AAE3597F6C4}" type="presParOf" srcId="{247BCBED-C14F-49A8-B6F1-58648EC8E6B3}" destId="{9377D85C-1950-4E52-857E-36DDC919B3C3}" srcOrd="0" destOrd="0" presId="urn:microsoft.com/office/officeart/2008/layout/VerticalCurvedList"/>
@@ -1235,18 +1281,21 @@
     <dgm:cxn modelId="{C5683BE0-2B22-4E3A-A5C3-B9DA99611AB9}" type="presParOf" srcId="{00E2524D-362F-4E7E-9CAA-ECF79B7D84BA}" destId="{E093BE16-1D22-479B-8037-0A5ED29AB5C3}" srcOrd="1" destOrd="0" presId="urn:microsoft.com/office/officeart/2008/layout/VerticalCurvedList"/>
     <dgm:cxn modelId="{E001FBBB-012C-4374-8726-6F9C41A6B3DA}" type="presParOf" srcId="{00E2524D-362F-4E7E-9CAA-ECF79B7D84BA}" destId="{29FE2EAB-202D-4122-905B-7A288BAAB1A5}" srcOrd="2" destOrd="0" presId="urn:microsoft.com/office/officeart/2008/layout/VerticalCurvedList"/>
     <dgm:cxn modelId="{588E6694-1E00-4F41-A41C-6FA88178BAF4}" type="presParOf" srcId="{29FE2EAB-202D-4122-905B-7A288BAAB1A5}" destId="{53FB057A-5CFB-4F7C-B81F-6C59DEAFF1B8}" srcOrd="0" destOrd="0" presId="urn:microsoft.com/office/officeart/2008/layout/VerticalCurvedList"/>
-    <dgm:cxn modelId="{5DE8CD4E-17E8-4502-8F04-62102A9C867A}" type="presParOf" srcId="{00E2524D-362F-4E7E-9CAA-ECF79B7D84BA}" destId="{207F21DA-3CF9-447A-94BC-F18EC1B2E79F}" srcOrd="3" destOrd="0" presId="urn:microsoft.com/office/officeart/2008/layout/VerticalCurvedList"/>
-    <dgm:cxn modelId="{A3AE3620-4271-4DF2-A5F5-EEC705BC8723}" type="presParOf" srcId="{00E2524D-362F-4E7E-9CAA-ECF79B7D84BA}" destId="{B03DE790-061E-4376-9219-ECEF56D4FE21}" srcOrd="4" destOrd="0" presId="urn:microsoft.com/office/officeart/2008/layout/VerticalCurvedList"/>
-    <dgm:cxn modelId="{EC4AACD9-68D7-418C-99C1-883EBCE25A1C}" type="presParOf" srcId="{B03DE790-061E-4376-9219-ECEF56D4FE21}" destId="{880304A3-6645-4649-9ABF-AADA5F7D5FE8}" srcOrd="0" destOrd="0" presId="urn:microsoft.com/office/officeart/2008/layout/VerticalCurvedList"/>
-    <dgm:cxn modelId="{95316AF8-689B-41F4-AEBA-0CDC53EBE1F9}" type="presParOf" srcId="{00E2524D-362F-4E7E-9CAA-ECF79B7D84BA}" destId="{A4A3854E-CA93-4EEF-A655-5E7789573705}" srcOrd="5" destOrd="0" presId="urn:microsoft.com/office/officeart/2008/layout/VerticalCurvedList"/>
-    <dgm:cxn modelId="{7ED258DE-A86C-40A6-90AE-8F925D0B477A}" type="presParOf" srcId="{00E2524D-362F-4E7E-9CAA-ECF79B7D84BA}" destId="{DEECD47D-EFFE-4511-9193-D2577DFD816F}" srcOrd="6" destOrd="0" presId="urn:microsoft.com/office/officeart/2008/layout/VerticalCurvedList"/>
-    <dgm:cxn modelId="{EC50C5BC-816D-4050-A76D-1268C2B71F6E}" type="presParOf" srcId="{DEECD47D-EFFE-4511-9193-D2577DFD816F}" destId="{E769AB44-8BA8-4694-9B86-BD37730473DF}" srcOrd="0" destOrd="0" presId="urn:microsoft.com/office/officeart/2008/layout/VerticalCurvedList"/>
-    <dgm:cxn modelId="{F57810E8-4896-4F91-8728-2332DCFACB6B}" type="presParOf" srcId="{00E2524D-362F-4E7E-9CAA-ECF79B7D84BA}" destId="{3D5BE587-7128-435E-B0CC-7A187B01C111}" srcOrd="7" destOrd="0" presId="urn:microsoft.com/office/officeart/2008/layout/VerticalCurvedList"/>
-    <dgm:cxn modelId="{4352EDD1-7066-4171-871C-CEC83A49A271}" type="presParOf" srcId="{00E2524D-362F-4E7E-9CAA-ECF79B7D84BA}" destId="{72E40F51-3BB6-4DD3-A1B8-8E3F8EEF7D2C}" srcOrd="8" destOrd="0" presId="urn:microsoft.com/office/officeart/2008/layout/VerticalCurvedList"/>
-    <dgm:cxn modelId="{C00D51C4-005D-4FA2-8F39-6CF502E97F9F}" type="presParOf" srcId="{72E40F51-3BB6-4DD3-A1B8-8E3F8EEF7D2C}" destId="{DB0A1E19-0F50-4825-AE05-5274795BA579}" srcOrd="0" destOrd="0" presId="urn:microsoft.com/office/officeart/2008/layout/VerticalCurvedList"/>
-    <dgm:cxn modelId="{EB0EF82F-D0F3-4ACF-BDBC-179FCD34CCD3}" type="presParOf" srcId="{00E2524D-362F-4E7E-9CAA-ECF79B7D84BA}" destId="{966999D7-DD6B-4B01-9B45-802FE1A3E336}" srcOrd="9" destOrd="0" presId="urn:microsoft.com/office/officeart/2008/layout/VerticalCurvedList"/>
-    <dgm:cxn modelId="{57FACCA7-DF1E-4F04-AB5F-E89C989D4D61}" type="presParOf" srcId="{00E2524D-362F-4E7E-9CAA-ECF79B7D84BA}" destId="{7C49E097-19FE-4752-B569-E95F7BF3B7D8}" srcOrd="10" destOrd="0" presId="urn:microsoft.com/office/officeart/2008/layout/VerticalCurvedList"/>
-    <dgm:cxn modelId="{064D5103-D904-4CF7-A8EB-07E0B7DCDE92}" type="presParOf" srcId="{7C49E097-19FE-4752-B569-E95F7BF3B7D8}" destId="{FD86333B-4FFF-43B4-8174-3BEB42F31D87}" srcOrd="0" destOrd="0" presId="urn:microsoft.com/office/officeart/2008/layout/VerticalCurvedList"/>
+    <dgm:cxn modelId="{81E595CB-D11F-4EF3-809B-D34401AD06F3}" type="presParOf" srcId="{00E2524D-362F-4E7E-9CAA-ECF79B7D84BA}" destId="{5CC804D0-309C-450C-A17A-6D493802CC2A}" srcOrd="3" destOrd="0" presId="urn:microsoft.com/office/officeart/2008/layout/VerticalCurvedList"/>
+    <dgm:cxn modelId="{785199D1-D202-41C0-AD2E-1837C6F8743A}" type="presParOf" srcId="{00E2524D-362F-4E7E-9CAA-ECF79B7D84BA}" destId="{A4A06ACF-19F9-43A4-AC58-73B7C27E8ACF}" srcOrd="4" destOrd="0" presId="urn:microsoft.com/office/officeart/2008/layout/VerticalCurvedList"/>
+    <dgm:cxn modelId="{85124CB1-20FB-4DD8-BFE1-777AD607E9C0}" type="presParOf" srcId="{A4A06ACF-19F9-43A4-AC58-73B7C27E8ACF}" destId="{F8F069C1-9645-4833-8743-347D1C543769}" srcOrd="0" destOrd="0" presId="urn:microsoft.com/office/officeart/2008/layout/VerticalCurvedList"/>
+    <dgm:cxn modelId="{D5AC59CE-3E2D-4EE7-904E-B7C5E352C94D}" type="presParOf" srcId="{00E2524D-362F-4E7E-9CAA-ECF79B7D84BA}" destId="{FF1B63BB-292F-404F-8A70-9961DFDEA820}" srcOrd="5" destOrd="0" presId="urn:microsoft.com/office/officeart/2008/layout/VerticalCurvedList"/>
+    <dgm:cxn modelId="{58A58DA0-C53B-41AA-B171-FD4056E3D4AC}" type="presParOf" srcId="{00E2524D-362F-4E7E-9CAA-ECF79B7D84BA}" destId="{A0BAE13B-776F-4BD8-9FB0-183469486A2A}" srcOrd="6" destOrd="0" presId="urn:microsoft.com/office/officeart/2008/layout/VerticalCurvedList"/>
+    <dgm:cxn modelId="{B7C72F3E-3408-43B5-B8E1-0DB82F42CC26}" type="presParOf" srcId="{A0BAE13B-776F-4BD8-9FB0-183469486A2A}" destId="{880304A3-6645-4649-9ABF-AADA5F7D5FE8}" srcOrd="0" destOrd="0" presId="urn:microsoft.com/office/officeart/2008/layout/VerticalCurvedList"/>
+    <dgm:cxn modelId="{002C7EF2-2060-4830-A261-A182175F4F7C}" type="presParOf" srcId="{00E2524D-362F-4E7E-9CAA-ECF79B7D84BA}" destId="{CBDD1FB5-0A40-430D-BEB0-F7EED382143F}" srcOrd="7" destOrd="0" presId="urn:microsoft.com/office/officeart/2008/layout/VerticalCurvedList"/>
+    <dgm:cxn modelId="{491073F2-31D7-4930-90F5-899CA45ACEBD}" type="presParOf" srcId="{00E2524D-362F-4E7E-9CAA-ECF79B7D84BA}" destId="{F20E871E-2B42-446C-936B-1D054018DF5C}" srcOrd="8" destOrd="0" presId="urn:microsoft.com/office/officeart/2008/layout/VerticalCurvedList"/>
+    <dgm:cxn modelId="{A4BED9D0-5974-409E-8492-D3DB88CA1FDD}" type="presParOf" srcId="{F20E871E-2B42-446C-936B-1D054018DF5C}" destId="{E769AB44-8BA8-4694-9B86-BD37730473DF}" srcOrd="0" destOrd="0" presId="urn:microsoft.com/office/officeart/2008/layout/VerticalCurvedList"/>
+    <dgm:cxn modelId="{9EE36D4D-CA4F-4F37-A706-DB2E5D60BDE3}" type="presParOf" srcId="{00E2524D-362F-4E7E-9CAA-ECF79B7D84BA}" destId="{D2AB782D-5307-49BB-9966-3F6C1D1FCC19}" srcOrd="9" destOrd="0" presId="urn:microsoft.com/office/officeart/2008/layout/VerticalCurvedList"/>
+    <dgm:cxn modelId="{21123B4F-F101-413C-BD1B-742358B3237E}" type="presParOf" srcId="{00E2524D-362F-4E7E-9CAA-ECF79B7D84BA}" destId="{3568D048-F9EE-42E0-B363-EB2E1900991A}" srcOrd="10" destOrd="0" presId="urn:microsoft.com/office/officeart/2008/layout/VerticalCurvedList"/>
+    <dgm:cxn modelId="{397402F3-60E5-4612-B70E-32F7F8D32D58}" type="presParOf" srcId="{3568D048-F9EE-42E0-B363-EB2E1900991A}" destId="{DB0A1E19-0F50-4825-AE05-5274795BA579}" srcOrd="0" destOrd="0" presId="urn:microsoft.com/office/officeart/2008/layout/VerticalCurvedList"/>
+    <dgm:cxn modelId="{91D4000E-6BED-4CBB-ACE3-37BCEF075261}" type="presParOf" srcId="{00E2524D-362F-4E7E-9CAA-ECF79B7D84BA}" destId="{76DEF4BD-9935-4BE1-ADF6-B70438FA7984}" srcOrd="11" destOrd="0" presId="urn:microsoft.com/office/officeart/2008/layout/VerticalCurvedList"/>
+    <dgm:cxn modelId="{147B9CC8-D215-4C44-9A0B-FB101CEA575E}" type="presParOf" srcId="{00E2524D-362F-4E7E-9CAA-ECF79B7D84BA}" destId="{CCB6B7CC-E74C-40C6-9CD9-BD4FD8C3A74C}" srcOrd="12" destOrd="0" presId="urn:microsoft.com/office/officeart/2008/layout/VerticalCurvedList"/>
+    <dgm:cxn modelId="{06FBDF89-59D9-4D15-80FB-69BB5B4586C8}" type="presParOf" srcId="{CCB6B7CC-E74C-40C6-9CD9-BD4FD8C3A74C}" destId="{FD86333B-4FFF-43B4-8174-3BEB42F31D87}" srcOrd="0" destOrd="0" presId="urn:microsoft.com/office/officeart/2008/layout/VerticalCurvedList"/>
   </dgm:cxnLst>
   <dgm:bg/>
   <dgm:whole/>
@@ -1322,8 +1371,8 @@
       </dsp:nvSpPr>
       <dsp:spPr>
         <a:xfrm>
-          <a:off x="394275" y="260502"/>
-          <a:ext cx="6998889" cy="521338"/>
+          <a:off x="336321" y="219559"/>
+          <a:ext cx="7056844" cy="438951"/>
         </a:xfrm>
         <a:prstGeom prst="rect">
           <a:avLst/>
@@ -1392,12 +1441,12 @@
         </a:fontRef>
       </dsp:style>
       <dsp:txBody>
-        <a:bodyPr spcFirstLastPara="0" vert="horz" wrap="square" lIns="413812" tIns="68580" rIns="68580" bIns="68580" numCol="1" spcCol="1270" anchor="ctr" anchorCtr="0">
+        <a:bodyPr spcFirstLastPara="0" vert="horz" wrap="square" lIns="348418" tIns="58420" rIns="58420" bIns="58420" numCol="1" spcCol="1270" anchor="ctr" anchorCtr="0">
           <a:noAutofit/>
         </a:bodyPr>
         <a:lstStyle/>
         <a:p>
-          <a:pPr marL="0" lvl="0" indent="0" algn="l" defTabSz="1200150">
+          <a:pPr marL="0" lvl="0" indent="0" algn="l" defTabSz="1022350">
             <a:lnSpc>
               <a:spcPct val="90000"/>
             </a:lnSpc>
@@ -1410,18 +1459,18 @@
             <a:buNone/>
           </a:pPr>
           <a:r>
-            <a:rPr lang="fr-FR" sz="2700" kern="1200" dirty="0">
+            <a:rPr lang="fr-FR" sz="2300" kern="1200" dirty="0">
               <a:latin typeface="Arial" panose="020B0604020202020204" pitchFamily="34" charset="0"/>
               <a:cs typeface="Arial" panose="020B0604020202020204" pitchFamily="34" charset="0"/>
             </a:rPr>
             <a:t>Présentation de l’activité</a:t>
           </a:r>
-          <a:endParaRPr lang="fr-FR" sz="2700" kern="1200" dirty="0"/>
+          <a:endParaRPr lang="fr-FR" sz="2300" kern="1200" dirty="0"/>
         </a:p>
       </dsp:txBody>
       <dsp:txXfrm>
-        <a:off x="394275" y="260502"/>
-        <a:ext cx="6998889" cy="521338"/>
+        <a:off x="336321" y="219559"/>
+        <a:ext cx="7056844" cy="438951"/>
       </dsp:txXfrm>
     </dsp:sp>
     <dsp:sp modelId="{53FB057A-5CFB-4F7C-B81F-6C59DEAFF1B8}">
@@ -1431,8 +1480,8 @@
       </dsp:nvSpPr>
       <dsp:spPr>
         <a:xfrm>
-          <a:off x="68438" y="195335"/>
-          <a:ext cx="651672" cy="651672"/>
+          <a:off x="61976" y="164690"/>
+          <a:ext cx="548689" cy="548689"/>
         </a:xfrm>
         <a:prstGeom prst="ellipse">
           <a:avLst/>
@@ -1472,15 +1521,15 @@
         <a:fontRef idx="minor"/>
       </dsp:style>
     </dsp:sp>
-    <dsp:sp modelId="{207F21DA-3CF9-447A-94BC-F18EC1B2E79F}">
+    <dsp:sp modelId="{5CC804D0-309C-450C-A17A-6D493802CC2A}">
       <dsp:nvSpPr>
         <dsp:cNvPr id="0" name=""/>
         <dsp:cNvSpPr/>
       </dsp:nvSpPr>
       <dsp:spPr>
         <a:xfrm>
-          <a:off x="767851" y="1042259"/>
-          <a:ext cx="6625314" cy="521338"/>
+          <a:off x="697388" y="877903"/>
+          <a:ext cx="6695776" cy="438951"/>
         </a:xfrm>
         <a:prstGeom prst="rect">
           <a:avLst/>
@@ -1549,12 +1598,12 @@
         </a:fontRef>
       </dsp:style>
       <dsp:txBody>
-        <a:bodyPr spcFirstLastPara="0" vert="horz" wrap="square" lIns="413812" tIns="68580" rIns="68580" bIns="68580" numCol="1" spcCol="1270" anchor="ctr" anchorCtr="0">
+        <a:bodyPr spcFirstLastPara="0" vert="horz" wrap="square" lIns="348418" tIns="58420" rIns="58420" bIns="58420" numCol="1" spcCol="1270" anchor="ctr" anchorCtr="0">
           <a:noAutofit/>
         </a:bodyPr>
         <a:lstStyle/>
         <a:p>
-          <a:pPr marL="0" lvl="0" indent="0" algn="l" defTabSz="1200150">
+          <a:pPr marL="0" lvl="0" indent="0" algn="l" defTabSz="1022350">
             <a:lnSpc>
               <a:spcPct val="90000"/>
             </a:lnSpc>
@@ -1567,29 +1616,26 @@
             <a:buNone/>
           </a:pPr>
           <a:r>
-            <a:rPr lang="fr-FR" sz="2700" kern="1200" dirty="0">
-              <a:latin typeface="Arial" panose="020B0604020202020204" pitchFamily="34" charset="0"/>
-              <a:cs typeface="Arial" panose="020B0604020202020204" pitchFamily="34" charset="0"/>
-            </a:rPr>
-            <a:t>Tableau de criticité</a:t>
+            <a:rPr lang="fr-FR" sz="2300" kern="1200"/>
+            <a:t>Bilan / Recommandations</a:t>
           </a:r>
-          <a:endParaRPr lang="fr-FR" sz="2700" kern="1200" dirty="0"/>
+          <a:endParaRPr lang="fr-FR" sz="2300" kern="1200" dirty="0"/>
         </a:p>
       </dsp:txBody>
       <dsp:txXfrm>
-        <a:off x="767851" y="1042259"/>
-        <a:ext cx="6625314" cy="521338"/>
+        <a:off x="697388" y="877903"/>
+        <a:ext cx="6695776" cy="438951"/>
       </dsp:txXfrm>
     </dsp:sp>
-    <dsp:sp modelId="{880304A3-6645-4649-9ABF-AADA5F7D5FE8}">
+    <dsp:sp modelId="{F8F069C1-9645-4833-8743-347D1C543769}">
       <dsp:nvSpPr>
         <dsp:cNvPr id="0" name=""/>
         <dsp:cNvSpPr/>
       </dsp:nvSpPr>
       <dsp:spPr>
         <a:xfrm>
-          <a:off x="442014" y="977092"/>
-          <a:ext cx="651672" cy="651672"/>
+          <a:off x="423044" y="823034"/>
+          <a:ext cx="548689" cy="548689"/>
         </a:xfrm>
         <a:prstGeom prst="ellipse">
           <a:avLst/>
@@ -1629,15 +1675,15 @@
         <a:fontRef idx="minor"/>
       </dsp:style>
     </dsp:sp>
-    <dsp:sp modelId="{A4A3854E-CA93-4EEF-A655-5E7789573705}">
+    <dsp:sp modelId="{FF1B63BB-292F-404F-8A70-9961DFDEA820}">
       <dsp:nvSpPr>
         <dsp:cNvPr id="0" name=""/>
         <dsp:cNvSpPr/>
       </dsp:nvSpPr>
       <dsp:spPr>
         <a:xfrm>
-          <a:off x="885113" y="1819544"/>
-          <a:ext cx="6510656" cy="521338"/>
+          <a:off x="862495" y="1536247"/>
+          <a:ext cx="6530669" cy="438951"/>
         </a:xfrm>
         <a:prstGeom prst="rect">
           <a:avLst/>
@@ -1706,12 +1752,12 @@
         </a:fontRef>
       </dsp:style>
       <dsp:txBody>
-        <a:bodyPr spcFirstLastPara="0" vert="horz" wrap="square" lIns="413812" tIns="68580" rIns="68580" bIns="68580" numCol="1" spcCol="1270" anchor="ctr" anchorCtr="0">
+        <a:bodyPr spcFirstLastPara="0" vert="horz" wrap="square" lIns="348418" tIns="58420" rIns="58420" bIns="58420" numCol="1" spcCol="1270" anchor="ctr" anchorCtr="0">
           <a:noAutofit/>
         </a:bodyPr>
         <a:lstStyle/>
         <a:p>
-          <a:pPr marL="0" lvl="0" indent="0" algn="l" defTabSz="1200150">
+          <a:pPr marL="0" lvl="0" indent="0" algn="l" defTabSz="1022350">
             <a:lnSpc>
               <a:spcPct val="90000"/>
             </a:lnSpc>
@@ -1724,29 +1770,29 @@
             <a:buNone/>
           </a:pPr>
           <a:r>
-            <a:rPr lang="fr-FR" sz="2700" kern="1200" dirty="0">
+            <a:rPr lang="fr-FR" sz="2300" kern="1200" dirty="0">
               <a:latin typeface="Arial" panose="020B0604020202020204" pitchFamily="34" charset="0"/>
               <a:cs typeface="Arial" panose="020B0604020202020204" pitchFamily="34" charset="0"/>
             </a:rPr>
-            <a:t>Sujet de veille</a:t>
+            <a:t>Tableau de criticité</a:t>
           </a:r>
-          <a:endParaRPr lang="fr-FR" sz="2700" kern="1200" dirty="0"/>
+          <a:endParaRPr lang="fr-FR" sz="2300" kern="1200" dirty="0"/>
         </a:p>
       </dsp:txBody>
       <dsp:txXfrm>
-        <a:off x="885113" y="1819544"/>
-        <a:ext cx="6510656" cy="521338"/>
+        <a:off x="862495" y="1536247"/>
+        <a:ext cx="6530669" cy="438951"/>
       </dsp:txXfrm>
     </dsp:sp>
-    <dsp:sp modelId="{E769AB44-8BA8-4694-9B86-BD37730473DF}">
+    <dsp:sp modelId="{880304A3-6645-4649-9ABF-AADA5F7D5FE8}">
       <dsp:nvSpPr>
         <dsp:cNvPr id="0" name=""/>
         <dsp:cNvSpPr/>
       </dsp:nvSpPr>
       <dsp:spPr>
         <a:xfrm>
-          <a:off x="556672" y="1758850"/>
-          <a:ext cx="651672" cy="651672"/>
+          <a:off x="588151" y="1481378"/>
+          <a:ext cx="548689" cy="548689"/>
         </a:xfrm>
         <a:prstGeom prst="ellipse">
           <a:avLst/>
@@ -1786,15 +1832,15 @@
         <a:fontRef idx="minor"/>
       </dsp:style>
     </dsp:sp>
-    <dsp:sp modelId="{3D5BE587-7128-435E-B0CC-7A187B01C111}">
+    <dsp:sp modelId="{CBDD1FB5-0A40-430D-BEB0-F7EED382143F}">
       <dsp:nvSpPr>
         <dsp:cNvPr id="0" name=""/>
         <dsp:cNvSpPr/>
       </dsp:nvSpPr>
       <dsp:spPr>
         <a:xfrm>
-          <a:off x="767851" y="2605774"/>
-          <a:ext cx="6625314" cy="521338"/>
+          <a:off x="862495" y="2194174"/>
+          <a:ext cx="6530669" cy="438951"/>
         </a:xfrm>
         <a:prstGeom prst="rect">
           <a:avLst/>
@@ -1863,12 +1909,12 @@
         </a:fontRef>
       </dsp:style>
       <dsp:txBody>
-        <a:bodyPr spcFirstLastPara="0" vert="horz" wrap="square" lIns="413812" tIns="68580" rIns="68580" bIns="68580" numCol="1" spcCol="1270" anchor="ctr" anchorCtr="0">
+        <a:bodyPr spcFirstLastPara="0" vert="horz" wrap="square" lIns="348418" tIns="58420" rIns="58420" bIns="58420" numCol="1" spcCol="1270" anchor="ctr" anchorCtr="0">
           <a:noAutofit/>
         </a:bodyPr>
         <a:lstStyle/>
         <a:p>
-          <a:pPr marL="0" lvl="0" indent="0" algn="l" defTabSz="1200150">
+          <a:pPr marL="0" lvl="0" indent="0" algn="l" defTabSz="1022350">
             <a:lnSpc>
               <a:spcPct val="90000"/>
             </a:lnSpc>
@@ -1881,29 +1927,29 @@
             <a:buNone/>
           </a:pPr>
           <a:r>
-            <a:rPr lang="fr-FR" sz="2700" kern="1200" dirty="0">
+            <a:rPr lang="fr-FR" sz="2300" kern="1200" dirty="0">
               <a:latin typeface="Arial" panose="020B0604020202020204" pitchFamily="34" charset="0"/>
               <a:cs typeface="Arial" panose="020B0604020202020204" pitchFamily="34" charset="0"/>
             </a:rPr>
-            <a:t>Référentiel</a:t>
+            <a:t>Sujet de veille</a:t>
           </a:r>
-          <a:endParaRPr lang="fr-FR" sz="2700" kern="1200" dirty="0"/>
+          <a:endParaRPr lang="fr-FR" sz="2300" kern="1200" dirty="0"/>
         </a:p>
       </dsp:txBody>
       <dsp:txXfrm>
-        <a:off x="767851" y="2605774"/>
-        <a:ext cx="6625314" cy="521338"/>
+        <a:off x="862495" y="2194174"/>
+        <a:ext cx="6530669" cy="438951"/>
       </dsp:txXfrm>
     </dsp:sp>
-    <dsp:sp modelId="{DB0A1E19-0F50-4825-AE05-5274795BA579}">
+    <dsp:sp modelId="{E769AB44-8BA8-4694-9B86-BD37730473DF}">
       <dsp:nvSpPr>
         <dsp:cNvPr id="0" name=""/>
         <dsp:cNvSpPr/>
       </dsp:nvSpPr>
       <dsp:spPr>
         <a:xfrm>
-          <a:off x="442014" y="2540607"/>
-          <a:ext cx="651672" cy="651672"/>
+          <a:off x="588151" y="2139305"/>
+          <a:ext cx="548689" cy="548689"/>
         </a:xfrm>
         <a:prstGeom prst="ellipse">
           <a:avLst/>
@@ -1943,15 +1989,15 @@
         <a:fontRef idx="minor"/>
       </dsp:style>
     </dsp:sp>
-    <dsp:sp modelId="{966999D7-DD6B-4B01-9B45-802FE1A3E336}">
+    <dsp:sp modelId="{D2AB782D-5307-49BB-9966-3F6C1D1FCC19}">
       <dsp:nvSpPr>
         <dsp:cNvPr id="0" name=""/>
         <dsp:cNvSpPr/>
       </dsp:nvSpPr>
       <dsp:spPr>
         <a:xfrm>
-          <a:off x="394275" y="3387532"/>
-          <a:ext cx="6998889" cy="521338"/>
+          <a:off x="697388" y="2852518"/>
+          <a:ext cx="6695776" cy="438951"/>
         </a:xfrm>
         <a:prstGeom prst="rect">
           <a:avLst/>
@@ -2020,12 +2066,12 @@
         </a:fontRef>
       </dsp:style>
       <dsp:txBody>
-        <a:bodyPr spcFirstLastPara="0" vert="horz" wrap="square" lIns="413812" tIns="68580" rIns="68580" bIns="68580" numCol="1" spcCol="1270" anchor="ctr" anchorCtr="0">
+        <a:bodyPr spcFirstLastPara="0" vert="horz" wrap="square" lIns="348418" tIns="58420" rIns="58420" bIns="58420" numCol="1" spcCol="1270" anchor="ctr" anchorCtr="0">
           <a:noAutofit/>
         </a:bodyPr>
         <a:lstStyle/>
         <a:p>
-          <a:pPr marL="0" lvl="0" indent="0" algn="l" defTabSz="1200150">
+          <a:pPr marL="0" lvl="0" indent="0" algn="l" defTabSz="1022350">
             <a:lnSpc>
               <a:spcPct val="90000"/>
             </a:lnSpc>
@@ -2038,18 +2084,175 @@
             <a:buNone/>
           </a:pPr>
           <a:r>
-            <a:rPr lang="fr-FR" sz="2700" kern="1200" dirty="0">
+            <a:rPr lang="fr-FR" sz="2300" kern="1200" dirty="0">
               <a:latin typeface="Arial" panose="020B0604020202020204" pitchFamily="34" charset="0"/>
               <a:cs typeface="Arial" panose="020B0604020202020204" pitchFamily="34" charset="0"/>
             </a:rPr>
-            <a:t>Question</a:t>
+            <a:t>Référentiel</a:t>
           </a:r>
-          <a:endParaRPr lang="fr-FR" sz="2700" kern="1200" dirty="0"/>
+          <a:endParaRPr lang="fr-FR" sz="2300" kern="1200" dirty="0"/>
         </a:p>
       </dsp:txBody>
       <dsp:txXfrm>
-        <a:off x="394275" y="3387532"/>
-        <a:ext cx="6998889" cy="521338"/>
+        <a:off x="697388" y="2852518"/>
+        <a:ext cx="6695776" cy="438951"/>
+      </dsp:txXfrm>
+    </dsp:sp>
+    <dsp:sp modelId="{DB0A1E19-0F50-4825-AE05-5274795BA579}">
+      <dsp:nvSpPr>
+        <dsp:cNvPr id="0" name=""/>
+        <dsp:cNvSpPr/>
+      </dsp:nvSpPr>
+      <dsp:spPr>
+        <a:xfrm>
+          <a:off x="423044" y="2797649"/>
+          <a:ext cx="548689" cy="548689"/>
+        </a:xfrm>
+        <a:prstGeom prst="ellipse">
+          <a:avLst/>
+        </a:prstGeom>
+        <a:solidFill>
+          <a:schemeClr val="lt2">
+            <a:hueOff val="0"/>
+            <a:satOff val="0"/>
+            <a:lumOff val="0"/>
+            <a:alphaOff val="0"/>
+          </a:schemeClr>
+        </a:solidFill>
+        <a:ln w="6350" cap="flat" cmpd="sng" algn="ctr">
+          <a:solidFill>
+            <a:schemeClr val="dk2">
+              <a:hueOff val="0"/>
+              <a:satOff val="0"/>
+              <a:lumOff val="0"/>
+              <a:alphaOff val="0"/>
+            </a:schemeClr>
+          </a:solidFill>
+          <a:prstDash val="solid"/>
+          <a:miter lim="800000"/>
+        </a:ln>
+        <a:effectLst/>
+      </dsp:spPr>
+      <dsp:style>
+        <a:lnRef idx="1">
+          <a:scrgbClr r="0" g="0" b="0"/>
+        </a:lnRef>
+        <a:fillRef idx="1">
+          <a:scrgbClr r="0" g="0" b="0"/>
+        </a:fillRef>
+        <a:effectRef idx="2">
+          <a:scrgbClr r="0" g="0" b="0"/>
+        </a:effectRef>
+        <a:fontRef idx="minor"/>
+      </dsp:style>
+    </dsp:sp>
+    <dsp:sp modelId="{76DEF4BD-9935-4BE1-ADF6-B70438FA7984}">
+      <dsp:nvSpPr>
+        <dsp:cNvPr id="0" name=""/>
+        <dsp:cNvSpPr/>
+      </dsp:nvSpPr>
+      <dsp:spPr>
+        <a:xfrm>
+          <a:off x="336321" y="3510862"/>
+          <a:ext cx="7056844" cy="438951"/>
+        </a:xfrm>
+        <a:prstGeom prst="rect">
+          <a:avLst/>
+        </a:prstGeom>
+        <a:gradFill rotWithShape="0">
+          <a:gsLst>
+            <a:gs pos="0">
+              <a:schemeClr val="dk2">
+                <a:hueOff val="0"/>
+                <a:satOff val="0"/>
+                <a:lumOff val="0"/>
+                <a:alphaOff val="0"/>
+                <a:satMod val="103000"/>
+                <a:lumMod val="102000"/>
+                <a:tint val="94000"/>
+              </a:schemeClr>
+            </a:gs>
+            <a:gs pos="50000">
+              <a:schemeClr val="dk2">
+                <a:hueOff val="0"/>
+                <a:satOff val="0"/>
+                <a:lumOff val="0"/>
+                <a:alphaOff val="0"/>
+                <a:satMod val="110000"/>
+                <a:lumMod val="100000"/>
+                <a:shade val="100000"/>
+              </a:schemeClr>
+            </a:gs>
+            <a:gs pos="100000">
+              <a:schemeClr val="dk2">
+                <a:hueOff val="0"/>
+                <a:satOff val="0"/>
+                <a:lumOff val="0"/>
+                <a:alphaOff val="0"/>
+                <a:lumMod val="99000"/>
+                <a:satMod val="120000"/>
+                <a:shade val="78000"/>
+              </a:schemeClr>
+            </a:gs>
+          </a:gsLst>
+          <a:lin ang="5400000" scaled="0"/>
+        </a:gradFill>
+        <a:ln>
+          <a:noFill/>
+        </a:ln>
+        <a:effectLst>
+          <a:outerShdw blurRad="57150" dist="19050" dir="5400000" algn="ctr" rotWithShape="0">
+            <a:srgbClr val="000000">
+              <a:alpha val="63000"/>
+            </a:srgbClr>
+          </a:outerShdw>
+        </a:effectLst>
+      </dsp:spPr>
+      <dsp:style>
+        <a:lnRef idx="0">
+          <a:scrgbClr r="0" g="0" b="0"/>
+        </a:lnRef>
+        <a:fillRef idx="3">
+          <a:scrgbClr r="0" g="0" b="0"/>
+        </a:fillRef>
+        <a:effectRef idx="3">
+          <a:scrgbClr r="0" g="0" b="0"/>
+        </a:effectRef>
+        <a:fontRef idx="minor">
+          <a:schemeClr val="lt1"/>
+        </a:fontRef>
+      </dsp:style>
+      <dsp:txBody>
+        <a:bodyPr spcFirstLastPara="0" vert="horz" wrap="square" lIns="348418" tIns="58420" rIns="58420" bIns="58420" numCol="1" spcCol="1270" anchor="ctr" anchorCtr="0">
+          <a:noAutofit/>
+        </a:bodyPr>
+        <a:lstStyle/>
+        <a:p>
+          <a:pPr marL="0" lvl="0" indent="0" algn="l" defTabSz="1022350">
+            <a:lnSpc>
+              <a:spcPct val="90000"/>
+            </a:lnSpc>
+            <a:spcBef>
+              <a:spcPct val="0"/>
+            </a:spcBef>
+            <a:spcAft>
+              <a:spcPct val="35000"/>
+            </a:spcAft>
+            <a:buNone/>
+          </a:pPr>
+          <a:r>
+            <a:rPr lang="fr-FR" sz="2300" kern="1200" dirty="0">
+              <a:latin typeface="Arial" panose="020B0604020202020204" pitchFamily="34" charset="0"/>
+              <a:cs typeface="Arial" panose="020B0604020202020204" pitchFamily="34" charset="0"/>
+            </a:rPr>
+            <a:t>Questions</a:t>
+          </a:r>
+          <a:endParaRPr lang="fr-FR" sz="2300" kern="1200" dirty="0"/>
+        </a:p>
+      </dsp:txBody>
+      <dsp:txXfrm>
+        <a:off x="336321" y="3510862"/>
+        <a:ext cx="7056844" cy="438951"/>
       </dsp:txXfrm>
     </dsp:sp>
     <dsp:sp modelId="{FD86333B-4FFF-43B4-8174-3BEB42F31D87}">
@@ -2059,8 +2262,8 @@
       </dsp:nvSpPr>
       <dsp:spPr>
         <a:xfrm>
-          <a:off x="68438" y="3322364"/>
-          <a:ext cx="651672" cy="651672"/>
+          <a:off x="61976" y="3455993"/>
+          <a:ext cx="548689" cy="548689"/>
         </a:xfrm>
         <a:prstGeom prst="ellipse">
           <a:avLst/>
@@ -4498,7 +4701,7 @@
           <a:p>
             <a:fld id="{7886AB2E-2EFC-4550-951D-79679443F946}" type="datetimeFigureOut">
               <a:rPr lang="fr-RE" smtClean="0"/>
-              <a:t>27/12/2021</a:t>
+              <a:t>03/01/2022</a:t>
             </a:fld>
             <a:endParaRPr lang="fr-RE"/>
           </a:p>
@@ -4937,6 +5140,306 @@
 </p:notes>
 </file>
 
+<file path=ppt/notesSlides/notesSlide10.xml><?xml version="1.0" encoding="utf-8"?>
+<p:notes xmlns:a="http://schemas.openxmlformats.org/drawingml/2006/main" xmlns:r="http://schemas.openxmlformats.org/officeDocument/2006/relationships" xmlns:p="http://schemas.openxmlformats.org/presentationml/2006/main">
+  <p:cSld>
+    <p:spTree>
+      <p:nvGrpSpPr>
+        <p:cNvPr id="1" name=""/>
+        <p:cNvGrpSpPr/>
+        <p:nvPr/>
+      </p:nvGrpSpPr>
+      <p:grpSpPr>
+        <a:xfrm>
+          <a:off x="0" y="0"/>
+          <a:ext cx="0" cy="0"/>
+          <a:chOff x="0" y="0"/>
+          <a:chExt cx="0" cy="0"/>
+        </a:xfrm>
+      </p:grpSpPr>
+      <p:sp>
+        <p:nvSpPr>
+          <p:cNvPr id="2" name="Espace réservé de l'image des diapositives 1"/>
+          <p:cNvSpPr>
+            <a:spLocks noGrp="1" noRot="1" noChangeAspect="1"/>
+          </p:cNvSpPr>
+          <p:nvPr>
+            <p:ph type="sldImg"/>
+          </p:nvPr>
+        </p:nvSpPr>
+        <p:spPr/>
+      </p:sp>
+      <p:sp>
+        <p:nvSpPr>
+          <p:cNvPr id="3" name="Espace réservé des notes 2"/>
+          <p:cNvSpPr>
+            <a:spLocks noGrp="1"/>
+          </p:cNvSpPr>
+          <p:nvPr>
+            <p:ph type="body" idx="1"/>
+          </p:nvPr>
+        </p:nvSpPr>
+        <p:spPr/>
+        <p:txBody>
+          <a:bodyPr/>
+          <a:lstStyle/>
+          <a:p>
+            <a:r>
+              <a:rPr lang="fr-FR" b="0" dirty="0">
+                <a:solidFill>
+                  <a:srgbClr val="C5C8C6"/>
+                </a:solidFill>
+                <a:effectLst/>
+                <a:latin typeface="Consolas" panose="020B0609020204030204" pitchFamily="49" charset="0"/>
+              </a:rPr>
+              <a:t>Les attaquants exploitent les problèmes de dépassement de mémoire tampon en écrasant la mémoire d'une application. Cela modifie le chemin d'exécution du programme, déclenchant une réponse qui endommage les fichiers ou expose des informations privées. Par exemple, un attaquant peut introduire du code supplémentaire, envoyant de nouvelles instructions à l'application pour accéder aux systèmes informatiques.</a:t>
+            </a:r>
+          </a:p>
+          <a:p>
+            <a:br>
+              <a:rPr lang="fr-FR" b="0" dirty="0">
+                <a:solidFill>
+                  <a:srgbClr val="C5C8C6"/>
+                </a:solidFill>
+                <a:effectLst/>
+                <a:latin typeface="Consolas" panose="020B0609020204030204" pitchFamily="49" charset="0"/>
+              </a:rPr>
+            </a:br>
+            <a:r>
+              <a:rPr lang="fr-FR" b="0" dirty="0">
+                <a:solidFill>
+                  <a:srgbClr val="C5C8C6"/>
+                </a:solidFill>
+                <a:effectLst/>
+                <a:latin typeface="Consolas" panose="020B0609020204030204" pitchFamily="49" charset="0"/>
+              </a:rPr>
+              <a:t>Si les attaquants connaissent la disposition de la mémoire d'un programme, ils peuvent intentionnellement alimenter une entrée que le tampon ne peut pas stocker et écraser les zones qui contiennent du code exécutable, en le remplaçant par leur propre code. Par exemple, un attaquant peut écraser un pointeur (un objet qui pointe vers une autre zone en mémoire) et le pointer vers une charge utile d'exploit, pour prendre le contrôle du programme.</a:t>
+            </a:r>
+          </a:p>
+        </p:txBody>
+      </p:sp>
+      <p:sp>
+        <p:nvSpPr>
+          <p:cNvPr id="4" name="Espace réservé du numéro de diapositive 3"/>
+          <p:cNvSpPr>
+            <a:spLocks noGrp="1"/>
+          </p:cNvSpPr>
+          <p:nvPr>
+            <p:ph type="sldNum" sz="quarter" idx="5"/>
+          </p:nvPr>
+        </p:nvSpPr>
+        <p:spPr/>
+        <p:txBody>
+          <a:bodyPr/>
+          <a:lstStyle/>
+          <a:p>
+            <a:fld id="{818F9C92-BB2B-4794-9A12-2784E76C5D4C}" type="slidenum">
+              <a:rPr lang="fr-RE" smtClean="0"/>
+              <a:t>10</a:t>
+            </a:fld>
+            <a:endParaRPr lang="fr-RE"/>
+          </a:p>
+        </p:txBody>
+      </p:sp>
+    </p:spTree>
+    <p:extLst>
+      <p:ext uri="{BB962C8B-B14F-4D97-AF65-F5344CB8AC3E}">
+        <p14:creationId xmlns:p14="http://schemas.microsoft.com/office/powerpoint/2010/main" val="1211961744"/>
+      </p:ext>
+    </p:extLst>
+  </p:cSld>
+  <p:clrMapOvr>
+    <a:masterClrMapping/>
+  </p:clrMapOvr>
+</p:notes>
+</file>
+
+<file path=ppt/notesSlides/notesSlide11.xml><?xml version="1.0" encoding="utf-8"?>
+<p:notes xmlns:a="http://schemas.openxmlformats.org/drawingml/2006/main" xmlns:r="http://schemas.openxmlformats.org/officeDocument/2006/relationships" xmlns:p="http://schemas.openxmlformats.org/presentationml/2006/main">
+  <p:cSld>
+    <p:spTree>
+      <p:nvGrpSpPr>
+        <p:cNvPr id="1" name=""/>
+        <p:cNvGrpSpPr/>
+        <p:nvPr/>
+      </p:nvGrpSpPr>
+      <p:grpSpPr>
+        <a:xfrm>
+          <a:off x="0" y="0"/>
+          <a:ext cx="0" cy="0"/>
+          <a:chOff x="0" y="0"/>
+          <a:chExt cx="0" cy="0"/>
+        </a:xfrm>
+      </p:grpSpPr>
+      <p:sp>
+        <p:nvSpPr>
+          <p:cNvPr id="2" name="Espace réservé de l'image des diapositives 1"/>
+          <p:cNvSpPr>
+            <a:spLocks noGrp="1" noRot="1" noChangeAspect="1"/>
+          </p:cNvSpPr>
+          <p:nvPr>
+            <p:ph type="sldImg"/>
+          </p:nvPr>
+        </p:nvSpPr>
+        <p:spPr/>
+      </p:sp>
+      <p:sp>
+        <p:nvSpPr>
+          <p:cNvPr id="3" name="Espace réservé des notes 2"/>
+          <p:cNvSpPr>
+            <a:spLocks noGrp="1"/>
+          </p:cNvSpPr>
+          <p:nvPr>
+            <p:ph type="body" idx="1"/>
+          </p:nvPr>
+        </p:nvSpPr>
+        <p:spPr/>
+        <p:txBody>
+          <a:bodyPr/>
+          <a:lstStyle/>
+          <a:p>
+            <a:pPr marL="0" lvl="0" indent="0" algn="l" rtl="0">
+              <a:spcBef>
+                <a:spcPts val="0"/>
+              </a:spcBef>
+              <a:spcAft>
+                <a:spcPts val="0"/>
+              </a:spcAft>
+              <a:buNone/>
+            </a:pPr>
+            <a:endParaRPr lang="fr-FR" dirty="0"/>
+          </a:p>
+        </p:txBody>
+      </p:sp>
+      <p:sp>
+        <p:nvSpPr>
+          <p:cNvPr id="4" name="Espace réservé du numéro de diapositive 3"/>
+          <p:cNvSpPr>
+            <a:spLocks noGrp="1"/>
+          </p:cNvSpPr>
+          <p:nvPr>
+            <p:ph type="sldNum" sz="quarter" idx="5"/>
+          </p:nvPr>
+        </p:nvSpPr>
+        <p:spPr/>
+        <p:txBody>
+          <a:bodyPr/>
+          <a:lstStyle/>
+          <a:p>
+            <a:fld id="{818F9C92-BB2B-4794-9A12-2784E76C5D4C}" type="slidenum">
+              <a:rPr lang="fr-RE" smtClean="0"/>
+              <a:t>11</a:t>
+            </a:fld>
+            <a:endParaRPr lang="fr-RE"/>
+          </a:p>
+        </p:txBody>
+      </p:sp>
+    </p:spTree>
+    <p:extLst>
+      <p:ext uri="{BB962C8B-B14F-4D97-AF65-F5344CB8AC3E}">
+        <p14:creationId xmlns:p14="http://schemas.microsoft.com/office/powerpoint/2010/main" val="4224823066"/>
+      </p:ext>
+    </p:extLst>
+  </p:cSld>
+  <p:clrMapOvr>
+    <a:masterClrMapping/>
+  </p:clrMapOvr>
+</p:notes>
+</file>
+
+<file path=ppt/notesSlides/notesSlide12.xml><?xml version="1.0" encoding="utf-8"?>
+<p:notes xmlns:a="http://schemas.openxmlformats.org/drawingml/2006/main" xmlns:r="http://schemas.openxmlformats.org/officeDocument/2006/relationships" xmlns:p="http://schemas.openxmlformats.org/presentationml/2006/main">
+  <p:cSld>
+    <p:spTree>
+      <p:nvGrpSpPr>
+        <p:cNvPr id="1" name=""/>
+        <p:cNvGrpSpPr/>
+        <p:nvPr/>
+      </p:nvGrpSpPr>
+      <p:grpSpPr>
+        <a:xfrm>
+          <a:off x="0" y="0"/>
+          <a:ext cx="0" cy="0"/>
+          <a:chOff x="0" y="0"/>
+          <a:chExt cx="0" cy="0"/>
+        </a:xfrm>
+      </p:grpSpPr>
+      <p:sp>
+        <p:nvSpPr>
+          <p:cNvPr id="2" name="Espace réservé de l'image des diapositives 1"/>
+          <p:cNvSpPr>
+            <a:spLocks noGrp="1" noRot="1" noChangeAspect="1"/>
+          </p:cNvSpPr>
+          <p:nvPr>
+            <p:ph type="sldImg"/>
+          </p:nvPr>
+        </p:nvSpPr>
+        <p:spPr/>
+      </p:sp>
+      <p:sp>
+        <p:nvSpPr>
+          <p:cNvPr id="3" name="Espace réservé des notes 2"/>
+          <p:cNvSpPr>
+            <a:spLocks noGrp="1"/>
+          </p:cNvSpPr>
+          <p:nvPr>
+            <p:ph type="body" idx="1"/>
+          </p:nvPr>
+        </p:nvSpPr>
+        <p:spPr/>
+        <p:txBody>
+          <a:bodyPr/>
+          <a:lstStyle/>
+          <a:p>
+            <a:pPr marL="0" lvl="0" indent="0" algn="l" rtl="0">
+              <a:spcBef>
+                <a:spcPts val="0"/>
+              </a:spcBef>
+              <a:spcAft>
+                <a:spcPts val="0"/>
+              </a:spcAft>
+              <a:buNone/>
+            </a:pPr>
+            <a:endParaRPr lang="fr-FR" dirty="0"/>
+          </a:p>
+        </p:txBody>
+      </p:sp>
+      <p:sp>
+        <p:nvSpPr>
+          <p:cNvPr id="4" name="Espace réservé du numéro de diapositive 3"/>
+          <p:cNvSpPr>
+            <a:spLocks noGrp="1"/>
+          </p:cNvSpPr>
+          <p:nvPr>
+            <p:ph type="sldNum" sz="quarter" idx="5"/>
+          </p:nvPr>
+        </p:nvSpPr>
+        <p:spPr/>
+        <p:txBody>
+          <a:bodyPr/>
+          <a:lstStyle/>
+          <a:p>
+            <a:fld id="{818F9C92-BB2B-4794-9A12-2784E76C5D4C}" type="slidenum">
+              <a:rPr lang="fr-RE" smtClean="0"/>
+              <a:t>12</a:t>
+            </a:fld>
+            <a:endParaRPr lang="fr-RE"/>
+          </a:p>
+        </p:txBody>
+      </p:sp>
+    </p:spTree>
+    <p:extLst>
+      <p:ext uri="{BB962C8B-B14F-4D97-AF65-F5344CB8AC3E}">
+        <p14:creationId xmlns:p14="http://schemas.microsoft.com/office/powerpoint/2010/main" val="3534918775"/>
+      </p:ext>
+    </p:extLst>
+  </p:cSld>
+  <p:clrMapOvr>
+    <a:masterClrMapping/>
+  </p:clrMapOvr>
+</p:notes>
+</file>
+
 <file path=ppt/notesSlides/notesSlide2.xml><?xml version="1.0" encoding="utf-8"?>
 <p:notes xmlns:a="http://schemas.openxmlformats.org/drawingml/2006/main" xmlns:r="http://schemas.openxmlformats.org/officeDocument/2006/relationships" xmlns:p="http://schemas.openxmlformats.org/presentationml/2006/main">
   <p:cSld>
@@ -5083,6 +5586,138 @@
               </a:spcAft>
               <a:buNone/>
             </a:pPr>
+            <a:r>
+              <a:rPr lang="fr-FR" dirty="0"/>
+              <a:t>L’activité consistait à faire des test de pénétration d’un site utilisant le CMS </a:t>
+            </a:r>
+            <a:r>
+              <a:rPr lang="fr-FR" dirty="0" err="1"/>
+              <a:t>wordpress</a:t>
+            </a:r>
+            <a:r>
+              <a:rPr lang="fr-FR" dirty="0"/>
+              <a:t>.</a:t>
+            </a:r>
+          </a:p>
+          <a:p>
+            <a:pPr marL="0" lvl="0" indent="0" algn="l" rtl="0">
+              <a:spcBef>
+                <a:spcPts val="0"/>
+              </a:spcBef>
+              <a:spcAft>
+                <a:spcPts val="0"/>
+              </a:spcAft>
+              <a:buNone/>
+            </a:pPr>
+            <a:endParaRPr lang="fr-FR" dirty="0"/>
+          </a:p>
+          <a:p>
+            <a:pPr marL="0" lvl="0" indent="0" algn="l" rtl="0">
+              <a:spcBef>
+                <a:spcPts val="0"/>
+              </a:spcBef>
+              <a:spcAft>
+                <a:spcPts val="0"/>
+              </a:spcAft>
+              <a:buNone/>
+            </a:pPr>
+            <a:r>
+              <a:rPr lang="fr-FR" dirty="0"/>
+              <a:t>On se met dans la peau d’un attaquant en suivant 4 étapes :</a:t>
+            </a:r>
+            <a:br>
+              <a:rPr lang="fr-FR" dirty="0"/>
+            </a:br>
+            <a:endParaRPr lang="fr-FR" dirty="0"/>
+          </a:p>
+          <a:p>
+            <a:pPr marL="171450" lvl="0" indent="-171450" algn="l" rtl="0">
+              <a:spcBef>
+                <a:spcPts val="0"/>
+              </a:spcBef>
+              <a:spcAft>
+                <a:spcPts val="0"/>
+              </a:spcAft>
+              <a:buFontTx/>
+              <a:buChar char="-"/>
+            </a:pPr>
+            <a:r>
+              <a:rPr lang="fr-FR" dirty="0"/>
+              <a:t>Reconnaissance</a:t>
+            </a:r>
+          </a:p>
+          <a:p>
+            <a:pPr marL="171450" lvl="0" indent="-171450" algn="l" rtl="0">
+              <a:spcBef>
+                <a:spcPts val="0"/>
+              </a:spcBef>
+              <a:spcAft>
+                <a:spcPts val="0"/>
+              </a:spcAft>
+              <a:buFontTx/>
+              <a:buChar char="-"/>
+            </a:pPr>
+            <a:r>
+              <a:rPr lang="fr-FR" dirty="0"/>
+              <a:t>Enumération</a:t>
+            </a:r>
+          </a:p>
+          <a:p>
+            <a:pPr marL="171450" lvl="0" indent="-171450" algn="l" rtl="0">
+              <a:spcBef>
+                <a:spcPts val="0"/>
+              </a:spcBef>
+              <a:spcAft>
+                <a:spcPts val="0"/>
+              </a:spcAft>
+              <a:buFontTx/>
+              <a:buChar char="-"/>
+            </a:pPr>
+            <a:r>
+              <a:rPr lang="fr-FR" dirty="0"/>
+              <a:t>Implantation initiale </a:t>
+            </a:r>
+          </a:p>
+          <a:p>
+            <a:pPr marL="171450" lvl="0" indent="-171450" algn="l" rtl="0">
+              <a:spcBef>
+                <a:spcPts val="0"/>
+              </a:spcBef>
+              <a:spcAft>
+                <a:spcPts val="0"/>
+              </a:spcAft>
+              <a:buFontTx/>
+              <a:buChar char="-"/>
+            </a:pPr>
+            <a:r>
+              <a:rPr lang="fr-FR" dirty="0"/>
+              <a:t>Escalade de privilège</a:t>
+            </a:r>
+          </a:p>
+          <a:p>
+            <a:pPr marL="0" lvl="0" indent="0" algn="l" rtl="0">
+              <a:spcBef>
+                <a:spcPts val="0"/>
+              </a:spcBef>
+              <a:spcAft>
+                <a:spcPts val="0"/>
+              </a:spcAft>
+              <a:buFontTx/>
+              <a:buNone/>
+            </a:pPr>
+            <a:endParaRPr lang="fr-FR" dirty="0"/>
+          </a:p>
+          <a:p>
+            <a:pPr marL="171450" lvl="0" indent="-171450" algn="l" rtl="0">
+              <a:spcBef>
+                <a:spcPts val="0"/>
+              </a:spcBef>
+              <a:spcAft>
+                <a:spcPts val="0"/>
+              </a:spcAft>
+              <a:buFontTx/>
+              <a:buChar char="-"/>
+            </a:pPr>
             <a:endParaRPr lang="fr-FR" dirty="0"/>
           </a:p>
         </p:txBody>
@@ -5176,7 +5811,18 @@
               </a:spcAft>
               <a:buNone/>
             </a:pPr>
-            <a:endParaRPr lang="fr-FR" dirty="0"/>
+            <a:r>
+              <a:rPr lang="fr-FR" dirty="0"/>
+              <a:t>Lors de la phase de reconnaissance, j’ai identifié toutes les informations relatives à notre victime. J’ai utilisé l’outil </a:t>
+            </a:r>
+            <a:r>
+              <a:rPr lang="fr-FR" dirty="0" err="1"/>
+              <a:t>nmap</a:t>
+            </a:r>
+            <a:r>
+              <a:rPr lang="fr-FR" dirty="0"/>
+              <a:t> pour identifier les ports et services qui fonctionne sur la machine.</a:t>
+            </a:r>
           </a:p>
         </p:txBody>
       </p:sp>
@@ -5206,7 +5852,7 @@
     </p:spTree>
     <p:extLst>
       <p:ext uri="{BB962C8B-B14F-4D97-AF65-F5344CB8AC3E}">
-        <p14:creationId xmlns:p14="http://schemas.microsoft.com/office/powerpoint/2010/main" val="220338627"/>
+        <p14:creationId xmlns:p14="http://schemas.microsoft.com/office/powerpoint/2010/main" val="2173661970"/>
       </p:ext>
     </p:extLst>
   </p:cSld>
@@ -5260,7 +5906,43 @@
           <a:bodyPr/>
           <a:lstStyle/>
           <a:p>
-            <a:endParaRPr lang="fr-FR" dirty="0"/>
+            <a:pPr marL="0" marR="0" lvl="0" indent="0" algn="l" defTabSz="914400" rtl="0" eaLnBrk="1" fontAlgn="auto" latinLnBrk="0" hangingPunct="1">
+              <a:lnSpc>
+                <a:spcPct val="100000"/>
+              </a:lnSpc>
+              <a:spcBef>
+                <a:spcPts val="0"/>
+              </a:spcBef>
+              <a:spcAft>
+                <a:spcPts val="0"/>
+              </a:spcAft>
+              <a:buClrTx/>
+              <a:buSzTx/>
+              <a:buFontTx/>
+              <a:buNone/>
+              <a:tabLst/>
+              <a:defRPr/>
+            </a:pPr>
+            <a:r>
+              <a:rPr lang="fr-FR" dirty="0"/>
+              <a:t>Lors de la phase d’énumération, j’ai navigué sur le site utilisant le CMS WordPress puis par curiosité j’ai tester la visibilité des dossiers. Et comme on peut voir le dossier n’</a:t>
+            </a:r>
+            <a:r>
+              <a:rPr lang="fr-FR" dirty="0" err="1"/>
+              <a:t>etait</a:t>
+            </a:r>
+            <a:r>
+              <a:rPr lang="fr-FR" dirty="0"/>
+              <a:t> pas protégé en lecture. Puis j’ai utiliser l’outil </a:t>
+            </a:r>
+            <a:r>
+              <a:rPr lang="fr-FR" dirty="0" err="1"/>
+              <a:t>wpscan</a:t>
+            </a:r>
+            <a:r>
+              <a:rPr lang="fr-FR" dirty="0"/>
+              <a:t> qui m’a permis d’avoir plus d’information comme par exemple les identifiants des utilisateurs de WordPress.</a:t>
+            </a:r>
           </a:p>
         </p:txBody>
       </p:sp>
@@ -5290,7 +5972,7 @@
     </p:spTree>
     <p:extLst>
       <p:ext uri="{BB962C8B-B14F-4D97-AF65-F5344CB8AC3E}">
-        <p14:creationId xmlns:p14="http://schemas.microsoft.com/office/powerpoint/2010/main" val="1211961744"/>
+        <p14:creationId xmlns:p14="http://schemas.microsoft.com/office/powerpoint/2010/main" val="1397907780"/>
       </p:ext>
     </p:extLst>
   </p:cSld>
@@ -5344,18 +6026,42 @@
           <a:bodyPr/>
           <a:lstStyle/>
           <a:p>
-            <a:pPr marL="0" lvl="0" indent="0" algn="l" rtl="0">
+            <a:pPr marL="0" marR="0" lvl="0" indent="0" algn="l" defTabSz="914400" rtl="0" eaLnBrk="1" fontAlgn="auto" latinLnBrk="0" hangingPunct="1">
+              <a:lnSpc>
+                <a:spcPct val="100000"/>
+              </a:lnSpc>
               <a:spcBef>
                 <a:spcPts val="0"/>
               </a:spcBef>
               <a:spcAft>
                 <a:spcPts val="0"/>
               </a:spcAft>
+              <a:buClrTx/>
+              <a:buSzTx/>
+              <a:buFontTx/>
               <a:buNone/>
+              <a:tabLst/>
+              <a:defRPr/>
             </a:pPr>
             <a:r>
               <a:rPr lang="fr-FR" dirty="0"/>
-              <a:t>Toutes les maquettes que je vais vous présenter concerne la partie web mais nous avons</a:t>
+              <a:t>Lors de la phase d’implémentation initiale, j’ai rechercher s’il existait une faille connue et comme vous pouvez le voir, il en existait un qui permettait d’envoyer une fausse image qui était en faite la porte nous permettant de prendre la main sur la machine de la victime une fois qu’elle était téléversé. Mais celui-ci nécessite d’avoir un identifiant et un mot de passe. J’ai donc brut force l’identifiant </a:t>
+            </a:r>
+            <a:r>
+              <a:rPr lang="fr-FR" dirty="0" err="1"/>
+              <a:t>kwheel</a:t>
+            </a:r>
+            <a:r>
+              <a:rPr lang="fr-FR" dirty="0"/>
+              <a:t> avec l’outil </a:t>
+            </a:r>
+            <a:r>
+              <a:rPr lang="fr-FR" dirty="0" err="1"/>
+              <a:t>hydra</a:t>
+            </a:r>
+            <a:r>
+              <a:rPr lang="fr-FR" dirty="0"/>
+              <a:t> qui utilise un mot de passe faible connu des bibliothèque rockyou.txt.</a:t>
             </a:r>
           </a:p>
         </p:txBody>
@@ -5386,7 +6092,7 @@
     </p:spTree>
     <p:extLst>
       <p:ext uri="{BB962C8B-B14F-4D97-AF65-F5344CB8AC3E}">
-        <p14:creationId xmlns:p14="http://schemas.microsoft.com/office/powerpoint/2010/main" val="4224823066"/>
+        <p14:creationId xmlns:p14="http://schemas.microsoft.com/office/powerpoint/2010/main" val="1432157921"/>
       </p:ext>
     </p:extLst>
   </p:cSld>
@@ -5440,6 +6146,126 @@
           <a:bodyPr/>
           <a:lstStyle/>
           <a:p>
+            <a:pPr marL="0" marR="0" lvl="0" indent="0" algn="l" defTabSz="914400" rtl="0" eaLnBrk="1" fontAlgn="auto" latinLnBrk="0" hangingPunct="1">
+              <a:lnSpc>
+                <a:spcPct val="100000"/>
+              </a:lnSpc>
+              <a:spcBef>
+                <a:spcPts val="0"/>
+              </a:spcBef>
+              <a:spcAft>
+                <a:spcPts val="0"/>
+              </a:spcAft>
+              <a:buClrTx/>
+              <a:buSzTx/>
+              <a:buFontTx/>
+              <a:buNone/>
+              <a:tabLst/>
+              <a:defRPr/>
+            </a:pPr>
+            <a:r>
+              <a:rPr lang="fr-FR" dirty="0"/>
+              <a:t>Lors de la phase d’escalade de privilège, j’ai rechercher les fichiers ayant un </a:t>
+            </a:r>
+            <a:r>
+              <a:rPr lang="fr-FR" dirty="0" err="1"/>
+              <a:t>setuid</a:t>
+            </a:r>
+            <a:r>
+              <a:rPr lang="fr-FR" dirty="0"/>
+              <a:t> en tant qu’utilisateur root, me permettant d’exécuter le fichier comme si j’étais connecter en tant que root alors que mon utilisateur courant c’est toto. J’en ai retrouver un qui me semblait bizarre car ce fichier n’est pas native. En testant d’exécuter le fichier en mode </a:t>
+            </a:r>
+            <a:r>
+              <a:rPr lang="fr-FR" dirty="0" err="1"/>
+              <a:t>debug</a:t>
+            </a:r>
+            <a:r>
+              <a:rPr lang="fr-FR" dirty="0"/>
+              <a:t>, j’ai vu qu’il fallait modifier une variable d’environnement pour s’octroyer les droits de super-utilisateur et avoir la main mise sur tout le système. A partir de là j’ai pu faire ce que je voulais sur le système.</a:t>
+            </a:r>
+          </a:p>
+        </p:txBody>
+      </p:sp>
+      <p:sp>
+        <p:nvSpPr>
+          <p:cNvPr id="4" name="Espace réservé du numéro de diapositive 3"/>
+          <p:cNvSpPr>
+            <a:spLocks noGrp="1"/>
+          </p:cNvSpPr>
+          <p:nvPr>
+            <p:ph type="sldNum" sz="quarter" idx="5"/>
+          </p:nvPr>
+        </p:nvSpPr>
+        <p:spPr/>
+        <p:txBody>
+          <a:bodyPr/>
+          <a:lstStyle/>
+          <a:p>
+            <a:fld id="{818F9C92-BB2B-4794-9A12-2784E76C5D4C}" type="slidenum">
+              <a:rPr lang="fr-RE" smtClean="0"/>
+              <a:t>7</a:t>
+            </a:fld>
+            <a:endParaRPr lang="fr-RE"/>
+          </a:p>
+        </p:txBody>
+      </p:sp>
+    </p:spTree>
+    <p:extLst>
+      <p:ext uri="{BB962C8B-B14F-4D97-AF65-F5344CB8AC3E}">
+        <p14:creationId xmlns:p14="http://schemas.microsoft.com/office/powerpoint/2010/main" val="3087968184"/>
+      </p:ext>
+    </p:extLst>
+  </p:cSld>
+  <p:clrMapOvr>
+    <a:masterClrMapping/>
+  </p:clrMapOvr>
+</p:notes>
+</file>
+
+<file path=ppt/notesSlides/notesSlide8.xml><?xml version="1.0" encoding="utf-8"?>
+<p:notes xmlns:a="http://schemas.openxmlformats.org/drawingml/2006/main" xmlns:r="http://schemas.openxmlformats.org/officeDocument/2006/relationships" xmlns:p="http://schemas.openxmlformats.org/presentationml/2006/main">
+  <p:cSld>
+    <p:spTree>
+      <p:nvGrpSpPr>
+        <p:cNvPr id="1" name=""/>
+        <p:cNvGrpSpPr/>
+        <p:nvPr/>
+      </p:nvGrpSpPr>
+      <p:grpSpPr>
+        <a:xfrm>
+          <a:off x="0" y="0"/>
+          <a:ext cx="0" cy="0"/>
+          <a:chOff x="0" y="0"/>
+          <a:chExt cx="0" cy="0"/>
+        </a:xfrm>
+      </p:grpSpPr>
+      <p:sp>
+        <p:nvSpPr>
+          <p:cNvPr id="2" name="Espace réservé de l'image des diapositives 1"/>
+          <p:cNvSpPr>
+            <a:spLocks noGrp="1" noRot="1" noChangeAspect="1"/>
+          </p:cNvSpPr>
+          <p:nvPr>
+            <p:ph type="sldImg"/>
+          </p:nvPr>
+        </p:nvSpPr>
+        <p:spPr/>
+      </p:sp>
+      <p:sp>
+        <p:nvSpPr>
+          <p:cNvPr id="3" name="Espace réservé des notes 2"/>
+          <p:cNvSpPr>
+            <a:spLocks noGrp="1"/>
+          </p:cNvSpPr>
+          <p:nvPr>
+            <p:ph type="body" idx="1"/>
+          </p:nvPr>
+        </p:nvSpPr>
+        <p:spPr/>
+        <p:txBody>
+          <a:bodyPr/>
+          <a:lstStyle/>
+          <a:p>
             <a:pPr marL="0" lvl="0" indent="0" algn="l" rtl="0">
               <a:spcBef>
                 <a:spcPts val="0"/>
@@ -5470,7 +6296,7 @@
           <a:p>
             <a:fld id="{818F9C92-BB2B-4794-9A12-2784E76C5D4C}" type="slidenum">
               <a:rPr lang="fr-RE" smtClean="0"/>
-              <a:t>7</a:t>
+              <a:t>8</a:t>
             </a:fld>
             <a:endParaRPr lang="fr-RE"/>
           </a:p>
@@ -5479,7 +6305,100 @@
     </p:spTree>
     <p:extLst>
       <p:ext uri="{BB962C8B-B14F-4D97-AF65-F5344CB8AC3E}">
-        <p14:creationId xmlns:p14="http://schemas.microsoft.com/office/powerpoint/2010/main" val="3534918775"/>
+        <p14:creationId xmlns:p14="http://schemas.microsoft.com/office/powerpoint/2010/main" val="220338627"/>
+      </p:ext>
+    </p:extLst>
+  </p:cSld>
+  <p:clrMapOvr>
+    <a:masterClrMapping/>
+  </p:clrMapOvr>
+</p:notes>
+</file>
+
+<file path=ppt/notesSlides/notesSlide9.xml><?xml version="1.0" encoding="utf-8"?>
+<p:notes xmlns:a="http://schemas.openxmlformats.org/drawingml/2006/main" xmlns:r="http://schemas.openxmlformats.org/officeDocument/2006/relationships" xmlns:p="http://schemas.openxmlformats.org/presentationml/2006/main">
+  <p:cSld>
+    <p:spTree>
+      <p:nvGrpSpPr>
+        <p:cNvPr id="1" name=""/>
+        <p:cNvGrpSpPr/>
+        <p:nvPr/>
+      </p:nvGrpSpPr>
+      <p:grpSpPr>
+        <a:xfrm>
+          <a:off x="0" y="0"/>
+          <a:ext cx="0" cy="0"/>
+          <a:chOff x="0" y="0"/>
+          <a:chExt cx="0" cy="0"/>
+        </a:xfrm>
+      </p:grpSpPr>
+      <p:sp>
+        <p:nvSpPr>
+          <p:cNvPr id="2" name="Espace réservé de l'image des diapositives 1"/>
+          <p:cNvSpPr>
+            <a:spLocks noGrp="1" noRot="1" noChangeAspect="1"/>
+          </p:cNvSpPr>
+          <p:nvPr>
+            <p:ph type="sldImg"/>
+          </p:nvPr>
+        </p:nvSpPr>
+        <p:spPr/>
+      </p:sp>
+      <p:sp>
+        <p:nvSpPr>
+          <p:cNvPr id="3" name="Espace réservé des notes 2"/>
+          <p:cNvSpPr>
+            <a:spLocks noGrp="1"/>
+          </p:cNvSpPr>
+          <p:nvPr>
+            <p:ph type="body" idx="1"/>
+          </p:nvPr>
+        </p:nvSpPr>
+        <p:spPr/>
+        <p:txBody>
+          <a:bodyPr/>
+          <a:lstStyle/>
+          <a:p>
+            <a:pPr marL="0" lvl="0" indent="0" algn="l" rtl="0">
+              <a:spcBef>
+                <a:spcPts val="0"/>
+              </a:spcBef>
+              <a:spcAft>
+                <a:spcPts val="0"/>
+              </a:spcAft>
+              <a:buNone/>
+            </a:pPr>
+            <a:endParaRPr lang="fr-FR" dirty="0"/>
+          </a:p>
+        </p:txBody>
+      </p:sp>
+      <p:sp>
+        <p:nvSpPr>
+          <p:cNvPr id="4" name="Espace réservé du numéro de diapositive 3"/>
+          <p:cNvSpPr>
+            <a:spLocks noGrp="1"/>
+          </p:cNvSpPr>
+          <p:nvPr>
+            <p:ph type="sldNum" sz="quarter" idx="5"/>
+          </p:nvPr>
+        </p:nvSpPr>
+        <p:spPr/>
+        <p:txBody>
+          <a:bodyPr/>
+          <a:lstStyle/>
+          <a:p>
+            <a:fld id="{818F9C92-BB2B-4794-9A12-2784E76C5D4C}" type="slidenum">
+              <a:rPr lang="fr-RE" smtClean="0"/>
+              <a:t>9</a:t>
+            </a:fld>
+            <a:endParaRPr lang="fr-RE"/>
+          </a:p>
+        </p:txBody>
+      </p:sp>
+    </p:spTree>
+    <p:extLst>
+      <p:ext uri="{BB962C8B-B14F-4D97-AF65-F5344CB8AC3E}">
+        <p14:creationId xmlns:p14="http://schemas.microsoft.com/office/powerpoint/2010/main" val="567852641"/>
       </p:ext>
     </p:extLst>
   </p:cSld>
@@ -5636,7 +6555,7 @@
           <a:p>
             <a:fld id="{9E930371-97C5-4688-BB82-915A48E8D299}" type="datetime1">
               <a:rPr lang="en-US" smtClean="0"/>
-              <a:t>12/27/2021</a:t>
+              <a:t>1/3/2022</a:t>
             </a:fld>
             <a:endParaRPr lang="en-US" dirty="0"/>
           </a:p>
@@ -5835,7 +6754,7 @@
           <a:p>
             <a:fld id="{C13DF8A8-33B6-4A6B-ABDB-0C28B3DCED6C}" type="datetime1">
               <a:rPr lang="en-US" smtClean="0"/>
-              <a:t>12/27/2021</a:t>
+              <a:t>1/3/2022</a:t>
             </a:fld>
             <a:endParaRPr lang="en-US" dirty="0"/>
           </a:p>
@@ -6043,7 +6962,7 @@
           <a:p>
             <a:fld id="{BC93C174-6EBC-45A5-9EB8-153A124605E6}" type="datetime1">
               <a:rPr lang="en-US" smtClean="0"/>
-              <a:t>12/27/2021</a:t>
+              <a:t>1/3/2022</a:t>
             </a:fld>
             <a:endParaRPr lang="en-US" dirty="0"/>
           </a:p>
@@ -6241,7 +7160,7 @@
           <a:p>
             <a:fld id="{EFB28C93-7075-4E76-B45C-B9FF0322A90E}" type="datetime1">
               <a:rPr lang="en-US" smtClean="0"/>
-              <a:t>12/27/2021</a:t>
+              <a:t>1/3/2022</a:t>
             </a:fld>
             <a:endParaRPr lang="en-US" dirty="0"/>
           </a:p>
@@ -6517,7 +7436,7 @@
           <a:p>
             <a:fld id="{47DEBC2F-0F34-41B0-BD15-4030B3C80711}" type="datetime1">
               <a:rPr lang="en-US" smtClean="0"/>
-              <a:t>12/27/2021</a:t>
+              <a:t>1/3/2022</a:t>
             </a:fld>
             <a:endParaRPr lang="en-US" dirty="0"/>
           </a:p>
@@ -6783,7 +7702,7 @@
           <a:p>
             <a:fld id="{8C2C56FC-4377-4EFD-BB99-CB27C7D9BCD5}" type="datetime1">
               <a:rPr lang="en-US" smtClean="0"/>
-              <a:t>12/27/2021</a:t>
+              <a:t>1/3/2022</a:t>
             </a:fld>
             <a:endParaRPr lang="en-US" dirty="0"/>
           </a:p>
@@ -7195,7 +8114,7 @@
           <a:p>
             <a:fld id="{83DFAC24-BE89-40F1-B8A1-6CF560A3CA4C}" type="datetime1">
               <a:rPr lang="en-US" smtClean="0"/>
-              <a:t>12/27/2021</a:t>
+              <a:t>1/3/2022</a:t>
             </a:fld>
             <a:endParaRPr lang="en-US" dirty="0"/>
           </a:p>
@@ -7338,7 +8257,7 @@
           <a:p>
             <a:fld id="{76FCCAEA-B3F0-45A8-A8EC-650E5501C20E}" type="datetime1">
               <a:rPr lang="en-US" smtClean="0"/>
-              <a:t>12/27/2021</a:t>
+              <a:t>1/3/2022</a:t>
             </a:fld>
             <a:endParaRPr lang="en-US" dirty="0"/>
           </a:p>
@@ -7451,7 +8370,7 @@
           <a:p>
             <a:fld id="{4E754737-5192-4A80-9BDD-8A617DF183E3}" type="datetime1">
               <a:rPr lang="en-US" smtClean="0"/>
-              <a:t>12/27/2021</a:t>
+              <a:t>1/3/2022</a:t>
             </a:fld>
             <a:endParaRPr lang="en-US" dirty="0"/>
           </a:p>
@@ -7762,7 +8681,7 @@
           <a:p>
             <a:fld id="{C428BA53-2944-48FA-B706-BEE0070E76BA}" type="datetime1">
               <a:rPr lang="en-US" smtClean="0"/>
-              <a:t>12/27/2021</a:t>
+              <a:t>1/3/2022</a:t>
             </a:fld>
             <a:endParaRPr lang="en-US" dirty="0"/>
           </a:p>
@@ -8050,7 +8969,7 @@
           <a:p>
             <a:fld id="{BDAFE1A4-27BD-4653-85B1-F875F6DFCFFC}" type="datetime1">
               <a:rPr lang="en-US" smtClean="0"/>
-              <a:t>12/27/2021</a:t>
+              <a:t>1/3/2022</a:t>
             </a:fld>
             <a:endParaRPr lang="en-US" dirty="0"/>
           </a:p>
@@ -8291,7 +9210,7 @@
           <a:p>
             <a:fld id="{83DFAC24-BE89-40F1-B8A1-6CF560A3CA4C}" type="datetime1">
               <a:rPr lang="en-US" smtClean="0"/>
-              <a:t>12/27/2021</a:t>
+              <a:t>1/3/2022</a:t>
             </a:fld>
             <a:endParaRPr lang="en-US" dirty="0"/>
           </a:p>
@@ -8935,7 +9854,7 @@
             </a:fld>
             <a:r>
               <a:rPr lang="en-US" sz="1600" b="1" dirty="0"/>
-              <a:t> / 23</a:t>
+              <a:t> / 12</a:t>
             </a:r>
             <a:endParaRPr lang="en-US" sz="1800" b="1" dirty="0"/>
           </a:p>
@@ -8945,6 +9864,808 @@
     <p:extLst>
       <p:ext uri="{BB962C8B-B14F-4D97-AF65-F5344CB8AC3E}">
         <p14:creationId xmlns:p14="http://schemas.microsoft.com/office/powerpoint/2010/main" val="2907729230"/>
+      </p:ext>
+    </p:extLst>
+  </p:cSld>
+  <p:clrMapOvr>
+    <a:masterClrMapping/>
+  </p:clrMapOvr>
+</p:sld>
+</file>
+
+<file path=ppt/slides/slide10.xml><?xml version="1.0" encoding="utf-8"?>
+<p:sld xmlns:a="http://schemas.openxmlformats.org/drawingml/2006/main" xmlns:r="http://schemas.openxmlformats.org/officeDocument/2006/relationships" xmlns:p="http://schemas.openxmlformats.org/presentationml/2006/main">
+  <p:cSld>
+    <p:spTree>
+      <p:nvGrpSpPr>
+        <p:cNvPr id="1" name=""/>
+        <p:cNvGrpSpPr/>
+        <p:nvPr/>
+      </p:nvGrpSpPr>
+      <p:grpSpPr>
+        <a:xfrm>
+          <a:off x="0" y="0"/>
+          <a:ext cx="0" cy="0"/>
+          <a:chOff x="0" y="0"/>
+          <a:chExt cx="0" cy="0"/>
+        </a:xfrm>
+      </p:grpSpPr>
+      <p:sp>
+        <p:nvSpPr>
+          <p:cNvPr id="2" name="Titre 1">
+            <a:extLst>
+              <a:ext uri="{FF2B5EF4-FFF2-40B4-BE49-F238E27FC236}">
+                <a16:creationId xmlns:a16="http://schemas.microsoft.com/office/drawing/2014/main" id="{E7AE68B5-76A2-4C7E-8E39-968F614FD602}"/>
+              </a:ext>
+            </a:extLst>
+          </p:cNvPr>
+          <p:cNvSpPr>
+            <a:spLocks noGrp="1"/>
+          </p:cNvSpPr>
+          <p:nvPr>
+            <p:ph type="title"/>
+          </p:nvPr>
+        </p:nvSpPr>
+        <p:spPr/>
+        <p:txBody>
+          <a:bodyPr/>
+          <a:lstStyle/>
+          <a:p>
+            <a:pPr algn="ctr"/>
+            <a:r>
+              <a:rPr lang="fr-FR" dirty="0">
+                <a:latin typeface="Arial Rounded MT Bold" panose="020F0704030504030204" pitchFamily="34" charset="0"/>
+              </a:rPr>
+              <a:t>Sujet de veille</a:t>
+            </a:r>
+            <a:endParaRPr lang="fr-FR" dirty="0"/>
+          </a:p>
+        </p:txBody>
+      </p:sp>
+      <p:sp>
+        <p:nvSpPr>
+          <p:cNvPr id="4" name="Espace réservé du numéro de diapositive 3">
+            <a:extLst>
+              <a:ext uri="{FF2B5EF4-FFF2-40B4-BE49-F238E27FC236}">
+                <a16:creationId xmlns:a16="http://schemas.microsoft.com/office/drawing/2014/main" id="{9573D945-7E0F-4265-B283-78F4C9D7B4E3}"/>
+              </a:ext>
+            </a:extLst>
+          </p:cNvPr>
+          <p:cNvSpPr>
+            <a:spLocks noGrp="1"/>
+          </p:cNvSpPr>
+          <p:nvPr>
+            <p:ph type="sldNum" sz="quarter" idx="12"/>
+          </p:nvPr>
+        </p:nvSpPr>
+        <p:spPr/>
+        <p:txBody>
+          <a:bodyPr/>
+          <a:lstStyle/>
+          <a:p>
+            <a:fld id="{8A7A6979-0714-4377-B894-6BE4C2D6E202}" type="slidenum">
+              <a:rPr lang="en-US" sz="1600" b="1" smtClean="0"/>
+              <a:pPr/>
+              <a:t>10</a:t>
+            </a:fld>
+            <a:r>
+              <a:rPr lang="en-US" sz="1600" b="1" dirty="0"/>
+              <a:t> / 12</a:t>
+            </a:r>
+          </a:p>
+        </p:txBody>
+      </p:sp>
+      <p:pic>
+        <p:nvPicPr>
+          <p:cNvPr id="7" name="Image 6">
+            <a:extLst>
+              <a:ext uri="{FF2B5EF4-FFF2-40B4-BE49-F238E27FC236}">
+                <a16:creationId xmlns:a16="http://schemas.microsoft.com/office/drawing/2014/main" id="{98820620-191A-447D-8D6D-BF6433B44B24}"/>
+              </a:ext>
+            </a:extLst>
+          </p:cNvPr>
+          <p:cNvPicPr>
+            <a:picLocks noChangeAspect="1"/>
+          </p:cNvPicPr>
+          <p:nvPr/>
+        </p:nvPicPr>
+        <p:blipFill>
+          <a:blip r:embed="rId3"/>
+          <a:stretch>
+            <a:fillRect/>
+          </a:stretch>
+        </p:blipFill>
+        <p:spPr>
+          <a:xfrm>
+            <a:off x="128954" y="164122"/>
+            <a:ext cx="2879848" cy="2899241"/>
+          </a:xfrm>
+          <a:prstGeom prst="rect">
+            <a:avLst/>
+          </a:prstGeom>
+        </p:spPr>
+      </p:pic>
+      <p:pic>
+        <p:nvPicPr>
+          <p:cNvPr id="8" name="Image 7">
+            <a:extLst>
+              <a:ext uri="{FF2B5EF4-FFF2-40B4-BE49-F238E27FC236}">
+                <a16:creationId xmlns:a16="http://schemas.microsoft.com/office/drawing/2014/main" id="{6E85B7BF-2069-4D8B-8015-A8E22C312D6C}"/>
+              </a:ext>
+            </a:extLst>
+          </p:cNvPr>
+          <p:cNvPicPr>
+            <a:picLocks noChangeAspect="1"/>
+          </p:cNvPicPr>
+          <p:nvPr/>
+        </p:nvPicPr>
+        <p:blipFill>
+          <a:blip r:embed="rId3"/>
+          <a:stretch>
+            <a:fillRect/>
+          </a:stretch>
+        </p:blipFill>
+        <p:spPr>
+          <a:xfrm>
+            <a:off x="9584746" y="3918525"/>
+            <a:ext cx="2348645" cy="2364461"/>
+          </a:xfrm>
+          <a:prstGeom prst="rect">
+            <a:avLst/>
+          </a:prstGeom>
+        </p:spPr>
+      </p:pic>
+      <p:sp>
+        <p:nvSpPr>
+          <p:cNvPr id="6" name="ZoneTexte 5">
+            <a:extLst>
+              <a:ext uri="{FF2B5EF4-FFF2-40B4-BE49-F238E27FC236}">
+                <a16:creationId xmlns:a16="http://schemas.microsoft.com/office/drawing/2014/main" id="{A157DFA3-3848-4BCE-86CA-70692E5C87AD}"/>
+              </a:ext>
+            </a:extLst>
+          </p:cNvPr>
+          <p:cNvSpPr txBox="1"/>
+          <p:nvPr/>
+        </p:nvSpPr>
+        <p:spPr>
+          <a:xfrm>
+            <a:off x="650889" y="1982820"/>
+            <a:ext cx="5198923" cy="968470"/>
+          </a:xfrm>
+          <a:prstGeom prst="rect">
+            <a:avLst/>
+          </a:prstGeom>
+          <a:solidFill>
+            <a:schemeClr val="bg1"/>
+          </a:solidFill>
+        </p:spPr>
+        <p:txBody>
+          <a:bodyPr wrap="square" rtlCol="0">
+            <a:spAutoFit/>
+          </a:bodyPr>
+          <a:lstStyle/>
+          <a:p>
+            <a:pPr>
+              <a:lnSpc>
+                <a:spcPct val="90000"/>
+              </a:lnSpc>
+              <a:spcBef>
+                <a:spcPts val="1000"/>
+              </a:spcBef>
+            </a:pPr>
+            <a:r>
+              <a:rPr lang="fr-FR" b="1" dirty="0">
+                <a:latin typeface="Arial" panose="020B0604020202020204" pitchFamily="34" charset="0"/>
+                <a:cs typeface="Arial" panose="020B0604020202020204" pitchFamily="34" charset="0"/>
+              </a:rPr>
+              <a:t>CVE-2021-22908 : </a:t>
+            </a:r>
+          </a:p>
+          <a:p>
+            <a:pPr>
+              <a:lnSpc>
+                <a:spcPct val="90000"/>
+              </a:lnSpc>
+              <a:spcBef>
+                <a:spcPts val="1000"/>
+              </a:spcBef>
+            </a:pPr>
+            <a:r>
+              <a:rPr lang="fr-FR" dirty="0">
+                <a:latin typeface="Arial" panose="020B0604020202020204" pitchFamily="34" charset="0"/>
+                <a:cs typeface="Arial" panose="020B0604020202020204" pitchFamily="34" charset="0"/>
+              </a:rPr>
+              <a:t>Exploit dépassement mémoire tampon via partage SMB</a:t>
+            </a:r>
+          </a:p>
+        </p:txBody>
+      </p:sp>
+      <p:pic>
+        <p:nvPicPr>
+          <p:cNvPr id="9" name="Image 8">
+            <a:extLst>
+              <a:ext uri="{FF2B5EF4-FFF2-40B4-BE49-F238E27FC236}">
+                <a16:creationId xmlns:a16="http://schemas.microsoft.com/office/drawing/2014/main" id="{6A259AC2-D12D-4E7D-954A-01AF0645CD35}"/>
+              </a:ext>
+            </a:extLst>
+          </p:cNvPr>
+          <p:cNvPicPr>
+            <a:picLocks noChangeAspect="1"/>
+          </p:cNvPicPr>
+          <p:nvPr/>
+        </p:nvPicPr>
+        <p:blipFill>
+          <a:blip r:embed="rId4"/>
+          <a:stretch>
+            <a:fillRect/>
+          </a:stretch>
+        </p:blipFill>
+        <p:spPr>
+          <a:xfrm>
+            <a:off x="8527925" y="3918525"/>
+            <a:ext cx="3656698" cy="2194019"/>
+          </a:xfrm>
+          <a:prstGeom prst="rect">
+            <a:avLst/>
+          </a:prstGeom>
+        </p:spPr>
+      </p:pic>
+      <p:pic>
+        <p:nvPicPr>
+          <p:cNvPr id="10" name="Image 9">
+            <a:extLst>
+              <a:ext uri="{FF2B5EF4-FFF2-40B4-BE49-F238E27FC236}">
+                <a16:creationId xmlns:a16="http://schemas.microsoft.com/office/drawing/2014/main" id="{156DE759-523B-49D6-8F31-16AC305B5E4E}"/>
+              </a:ext>
+            </a:extLst>
+          </p:cNvPr>
+          <p:cNvPicPr>
+            <a:picLocks noChangeAspect="1"/>
+          </p:cNvPicPr>
+          <p:nvPr/>
+        </p:nvPicPr>
+        <p:blipFill>
+          <a:blip r:embed="rId5"/>
+          <a:stretch>
+            <a:fillRect/>
+          </a:stretch>
+        </p:blipFill>
+        <p:spPr>
+          <a:xfrm>
+            <a:off x="650889" y="3630515"/>
+            <a:ext cx="7784986" cy="1931613"/>
+          </a:xfrm>
+          <a:prstGeom prst="rect">
+            <a:avLst/>
+          </a:prstGeom>
+          <a:ln>
+            <a:noFill/>
+          </a:ln>
+          <a:effectLst>
+            <a:outerShdw blurRad="292100" dist="139700" dir="2700000" algn="tl" rotWithShape="0">
+              <a:srgbClr val="333333">
+                <a:alpha val="65000"/>
+              </a:srgbClr>
+            </a:outerShdw>
+          </a:effectLst>
+        </p:spPr>
+      </p:pic>
+    </p:spTree>
+    <p:extLst>
+      <p:ext uri="{BB962C8B-B14F-4D97-AF65-F5344CB8AC3E}">
+        <p14:creationId xmlns:p14="http://schemas.microsoft.com/office/powerpoint/2010/main" val="3048946655"/>
+      </p:ext>
+    </p:extLst>
+  </p:cSld>
+  <p:clrMapOvr>
+    <a:masterClrMapping/>
+  </p:clrMapOvr>
+</p:sld>
+</file>
+
+<file path=ppt/slides/slide11.xml><?xml version="1.0" encoding="utf-8"?>
+<p:sld xmlns:a="http://schemas.openxmlformats.org/drawingml/2006/main" xmlns:r="http://schemas.openxmlformats.org/officeDocument/2006/relationships" xmlns:p="http://schemas.openxmlformats.org/presentationml/2006/main">
+  <p:cSld>
+    <p:spTree>
+      <p:nvGrpSpPr>
+        <p:cNvPr id="1" name=""/>
+        <p:cNvGrpSpPr/>
+        <p:nvPr/>
+      </p:nvGrpSpPr>
+      <p:grpSpPr>
+        <a:xfrm>
+          <a:off x="0" y="0"/>
+          <a:ext cx="0" cy="0"/>
+          <a:chOff x="0" y="0"/>
+          <a:chExt cx="0" cy="0"/>
+        </a:xfrm>
+      </p:grpSpPr>
+      <p:pic>
+        <p:nvPicPr>
+          <p:cNvPr id="6" name="Image 5">
+            <a:extLst>
+              <a:ext uri="{FF2B5EF4-FFF2-40B4-BE49-F238E27FC236}">
+                <a16:creationId xmlns:a16="http://schemas.microsoft.com/office/drawing/2014/main" id="{7B74C971-B67B-40CA-89E0-FE393654BA1A}"/>
+              </a:ext>
+            </a:extLst>
+          </p:cNvPr>
+          <p:cNvPicPr>
+            <a:picLocks noChangeAspect="1"/>
+          </p:cNvPicPr>
+          <p:nvPr/>
+        </p:nvPicPr>
+        <p:blipFill>
+          <a:blip r:embed="rId3"/>
+          <a:stretch>
+            <a:fillRect/>
+          </a:stretch>
+        </p:blipFill>
+        <p:spPr>
+          <a:xfrm>
+            <a:off x="9584746" y="3918525"/>
+            <a:ext cx="2348645" cy="2364461"/>
+          </a:xfrm>
+          <a:prstGeom prst="rect">
+            <a:avLst/>
+          </a:prstGeom>
+        </p:spPr>
+      </p:pic>
+      <p:pic>
+        <p:nvPicPr>
+          <p:cNvPr id="5" name="Image 4">
+            <a:extLst>
+              <a:ext uri="{FF2B5EF4-FFF2-40B4-BE49-F238E27FC236}">
+                <a16:creationId xmlns:a16="http://schemas.microsoft.com/office/drawing/2014/main" id="{8B6A95F4-CB6C-4A26-AB25-5E6278E0AB6A}"/>
+              </a:ext>
+            </a:extLst>
+          </p:cNvPr>
+          <p:cNvPicPr>
+            <a:picLocks noChangeAspect="1"/>
+          </p:cNvPicPr>
+          <p:nvPr/>
+        </p:nvPicPr>
+        <p:blipFill>
+          <a:blip r:embed="rId3"/>
+          <a:stretch>
+            <a:fillRect/>
+          </a:stretch>
+        </p:blipFill>
+        <p:spPr>
+          <a:xfrm>
+            <a:off x="128954" y="164122"/>
+            <a:ext cx="2879848" cy="2899241"/>
+          </a:xfrm>
+          <a:prstGeom prst="rect">
+            <a:avLst/>
+          </a:prstGeom>
+        </p:spPr>
+      </p:pic>
+      <p:sp>
+        <p:nvSpPr>
+          <p:cNvPr id="2" name="Titre 1">
+            <a:extLst>
+              <a:ext uri="{FF2B5EF4-FFF2-40B4-BE49-F238E27FC236}">
+                <a16:creationId xmlns:a16="http://schemas.microsoft.com/office/drawing/2014/main" id="{B22C7BE7-F706-4089-BCA5-AF4C275C322E}"/>
+              </a:ext>
+            </a:extLst>
+          </p:cNvPr>
+          <p:cNvSpPr>
+            <a:spLocks noGrp="1"/>
+          </p:cNvSpPr>
+          <p:nvPr>
+            <p:ph type="title"/>
+          </p:nvPr>
+        </p:nvSpPr>
+        <p:spPr/>
+        <p:txBody>
+          <a:bodyPr/>
+          <a:lstStyle/>
+          <a:p>
+            <a:pPr algn="ctr"/>
+            <a:r>
+              <a:rPr lang="fr-FR" sz="4000" dirty="0">
+                <a:latin typeface="Arial Rounded MT Bold" panose="020F0704030504030204" pitchFamily="34" charset="0"/>
+              </a:rPr>
+              <a:t>Référentiel</a:t>
+            </a:r>
+            <a:endParaRPr lang="fr-RE" sz="4000" dirty="0">
+              <a:latin typeface="Arial Rounded MT Bold" panose="020F0704030504030204" pitchFamily="34" charset="0"/>
+            </a:endParaRPr>
+          </a:p>
+        </p:txBody>
+      </p:sp>
+      <p:sp>
+        <p:nvSpPr>
+          <p:cNvPr id="4" name="Espace réservé du numéro de diapositive 3">
+            <a:extLst>
+              <a:ext uri="{FF2B5EF4-FFF2-40B4-BE49-F238E27FC236}">
+                <a16:creationId xmlns:a16="http://schemas.microsoft.com/office/drawing/2014/main" id="{6828EA4A-30ED-4BE2-BB9E-FF832223FF7B}"/>
+              </a:ext>
+            </a:extLst>
+          </p:cNvPr>
+          <p:cNvSpPr>
+            <a:spLocks noGrp="1"/>
+          </p:cNvSpPr>
+          <p:nvPr>
+            <p:ph type="sldNum" sz="quarter" idx="12"/>
+          </p:nvPr>
+        </p:nvSpPr>
+        <p:spPr/>
+        <p:txBody>
+          <a:bodyPr/>
+          <a:lstStyle/>
+          <a:p>
+            <a:r>
+              <a:rPr lang="en-US" sz="1600" b="1" dirty="0"/>
+              <a:t> </a:t>
+            </a:r>
+            <a:fld id="{8A7A6979-0714-4377-B894-6BE4C2D6E202}" type="slidenum">
+              <a:rPr lang="en-US" sz="1600" b="1" smtClean="0"/>
+              <a:pPr/>
+              <a:t>11</a:t>
+            </a:fld>
+            <a:r>
+              <a:rPr lang="en-US" sz="1600" b="1" dirty="0"/>
+              <a:t> / 12</a:t>
+            </a:r>
+          </a:p>
+        </p:txBody>
+      </p:sp>
+      <p:sp>
+        <p:nvSpPr>
+          <p:cNvPr id="7" name="ZoneTexte 6">
+            <a:extLst>
+              <a:ext uri="{FF2B5EF4-FFF2-40B4-BE49-F238E27FC236}">
+                <a16:creationId xmlns:a16="http://schemas.microsoft.com/office/drawing/2014/main" id="{CCBC3F39-C0B3-4002-8A11-6779F3684D0A}"/>
+              </a:ext>
+            </a:extLst>
+          </p:cNvPr>
+          <p:cNvSpPr txBox="1"/>
+          <p:nvPr/>
+        </p:nvSpPr>
+        <p:spPr>
+          <a:xfrm>
+            <a:off x="1817075" y="2377909"/>
+            <a:ext cx="8604739" cy="646331"/>
+          </a:xfrm>
+          <a:prstGeom prst="rect">
+            <a:avLst/>
+          </a:prstGeom>
+          <a:solidFill>
+            <a:schemeClr val="bg1"/>
+          </a:solidFill>
+        </p:spPr>
+        <p:txBody>
+          <a:bodyPr wrap="square">
+            <a:spAutoFit/>
+          </a:bodyPr>
+          <a:lstStyle/>
+          <a:p>
+            <a:pPr algn="just"/>
+            <a:r>
+              <a:rPr lang="fr-FR" dirty="0">
+                <a:latin typeface="Arial" panose="020B0604020202020204" pitchFamily="34" charset="0"/>
+                <a:cs typeface="Arial" panose="020B0604020202020204" pitchFamily="34" charset="0"/>
+              </a:rPr>
+              <a:t>Evaluer la criticité des risques liés aux métiers du commanditaire sur le système d'information.</a:t>
+            </a:r>
+          </a:p>
+        </p:txBody>
+      </p:sp>
+      <p:sp>
+        <p:nvSpPr>
+          <p:cNvPr id="9" name="ZoneTexte 8">
+            <a:extLst>
+              <a:ext uri="{FF2B5EF4-FFF2-40B4-BE49-F238E27FC236}">
+                <a16:creationId xmlns:a16="http://schemas.microsoft.com/office/drawing/2014/main" id="{02D0E547-0031-47B9-82B5-428BDBB4E668}"/>
+              </a:ext>
+            </a:extLst>
+          </p:cNvPr>
+          <p:cNvSpPr txBox="1"/>
+          <p:nvPr/>
+        </p:nvSpPr>
+        <p:spPr>
+          <a:xfrm>
+            <a:off x="1817075" y="3297201"/>
+            <a:ext cx="8604739" cy="646331"/>
+          </a:xfrm>
+          <a:prstGeom prst="rect">
+            <a:avLst/>
+          </a:prstGeom>
+          <a:solidFill>
+            <a:schemeClr val="bg1"/>
+          </a:solidFill>
+        </p:spPr>
+        <p:txBody>
+          <a:bodyPr wrap="square">
+            <a:spAutoFit/>
+          </a:bodyPr>
+          <a:lstStyle/>
+          <a:p>
+            <a:pPr algn="just"/>
+            <a:r>
+              <a:rPr lang="fr-FR" dirty="0">
+                <a:latin typeface="Arial" panose="020B0604020202020204" pitchFamily="34" charset="0"/>
+                <a:cs typeface="Arial" panose="020B0604020202020204" pitchFamily="34" charset="0"/>
+              </a:rPr>
+              <a:t>Analyser l’architecture d’un système d'information et des protocoles de sécurité du commanditaire afin d'évaluer les risques de sécurité.</a:t>
+            </a:r>
+          </a:p>
+        </p:txBody>
+      </p:sp>
+      <p:sp>
+        <p:nvSpPr>
+          <p:cNvPr id="11" name="ZoneTexte 10">
+            <a:extLst>
+              <a:ext uri="{FF2B5EF4-FFF2-40B4-BE49-F238E27FC236}">
+                <a16:creationId xmlns:a16="http://schemas.microsoft.com/office/drawing/2014/main" id="{45B8DFFE-7477-4284-A7AE-97269059E983}"/>
+              </a:ext>
+            </a:extLst>
+          </p:cNvPr>
+          <p:cNvSpPr txBox="1"/>
+          <p:nvPr/>
+        </p:nvSpPr>
+        <p:spPr>
+          <a:xfrm>
+            <a:off x="1817075" y="4198709"/>
+            <a:ext cx="8604739" cy="646331"/>
+          </a:xfrm>
+          <a:prstGeom prst="rect">
+            <a:avLst/>
+          </a:prstGeom>
+          <a:solidFill>
+            <a:schemeClr val="bg1"/>
+          </a:solidFill>
+        </p:spPr>
+        <p:txBody>
+          <a:bodyPr wrap="square">
+            <a:spAutoFit/>
+          </a:bodyPr>
+          <a:lstStyle/>
+          <a:p>
+            <a:pPr algn="just"/>
+            <a:r>
+              <a:rPr lang="fr-FR" dirty="0">
+                <a:latin typeface="Arial" panose="020B0604020202020204" pitchFamily="34" charset="0"/>
+                <a:cs typeface="Arial" panose="020B0604020202020204" pitchFamily="34" charset="0"/>
+              </a:rPr>
+              <a:t>Qualifier un incident de sécurité détecté sur la base d’une analyse des impacts sur l'organisation de manière à apporter une réponse adaptée.</a:t>
+            </a:r>
+          </a:p>
+        </p:txBody>
+      </p:sp>
+      <p:sp>
+        <p:nvSpPr>
+          <p:cNvPr id="13" name="ZoneTexte 12">
+            <a:extLst>
+              <a:ext uri="{FF2B5EF4-FFF2-40B4-BE49-F238E27FC236}">
+                <a16:creationId xmlns:a16="http://schemas.microsoft.com/office/drawing/2014/main" id="{980512A8-3EC5-4B3D-AA4B-46E8C95B5E54}"/>
+              </a:ext>
+            </a:extLst>
+          </p:cNvPr>
+          <p:cNvSpPr txBox="1"/>
+          <p:nvPr/>
+        </p:nvSpPr>
+        <p:spPr>
+          <a:xfrm>
+            <a:off x="1817075" y="5138460"/>
+            <a:ext cx="8604739" cy="646331"/>
+          </a:xfrm>
+          <a:prstGeom prst="rect">
+            <a:avLst/>
+          </a:prstGeom>
+          <a:solidFill>
+            <a:schemeClr val="bg1"/>
+          </a:solidFill>
+        </p:spPr>
+        <p:txBody>
+          <a:bodyPr wrap="square">
+            <a:spAutoFit/>
+          </a:bodyPr>
+          <a:lstStyle/>
+          <a:p>
+            <a:pPr algn="just"/>
+            <a:r>
+              <a:rPr lang="fr-FR" dirty="0">
+                <a:latin typeface="Arial" panose="020B0604020202020204" pitchFamily="34" charset="0"/>
+                <a:cs typeface="Arial" panose="020B0604020202020204" pitchFamily="34" charset="0"/>
+              </a:rPr>
+              <a:t>Identifier les tactiques et techniques d’attaques ainsi que les objectifs de l'attaquant de manière à proposer des préconisations adaptées au mode opératoire utilisé.</a:t>
+            </a:r>
+          </a:p>
+        </p:txBody>
+      </p:sp>
+    </p:spTree>
+    <p:extLst>
+      <p:ext uri="{BB962C8B-B14F-4D97-AF65-F5344CB8AC3E}">
+        <p14:creationId xmlns:p14="http://schemas.microsoft.com/office/powerpoint/2010/main" val="2260241738"/>
+      </p:ext>
+    </p:extLst>
+  </p:cSld>
+  <p:clrMapOvr>
+    <a:masterClrMapping/>
+  </p:clrMapOvr>
+</p:sld>
+</file>
+
+<file path=ppt/slides/slide12.xml><?xml version="1.0" encoding="utf-8"?>
+<p:sld xmlns:a="http://schemas.openxmlformats.org/drawingml/2006/main" xmlns:r="http://schemas.openxmlformats.org/officeDocument/2006/relationships" xmlns:p="http://schemas.openxmlformats.org/presentationml/2006/main">
+  <p:cSld>
+    <p:spTree>
+      <p:nvGrpSpPr>
+        <p:cNvPr id="1" name=""/>
+        <p:cNvGrpSpPr/>
+        <p:nvPr/>
+      </p:nvGrpSpPr>
+      <p:grpSpPr>
+        <a:xfrm>
+          <a:off x="0" y="0"/>
+          <a:ext cx="0" cy="0"/>
+          <a:chOff x="0" y="0"/>
+          <a:chExt cx="0" cy="0"/>
+        </a:xfrm>
+      </p:grpSpPr>
+      <p:pic>
+        <p:nvPicPr>
+          <p:cNvPr id="6" name="Image 5">
+            <a:extLst>
+              <a:ext uri="{FF2B5EF4-FFF2-40B4-BE49-F238E27FC236}">
+                <a16:creationId xmlns:a16="http://schemas.microsoft.com/office/drawing/2014/main" id="{7B74C971-B67B-40CA-89E0-FE393654BA1A}"/>
+              </a:ext>
+            </a:extLst>
+          </p:cNvPr>
+          <p:cNvPicPr>
+            <a:picLocks noChangeAspect="1"/>
+          </p:cNvPicPr>
+          <p:nvPr/>
+        </p:nvPicPr>
+        <p:blipFill>
+          <a:blip r:embed="rId3"/>
+          <a:stretch>
+            <a:fillRect/>
+          </a:stretch>
+        </p:blipFill>
+        <p:spPr>
+          <a:xfrm>
+            <a:off x="9584746" y="3918525"/>
+            <a:ext cx="2348645" cy="2364461"/>
+          </a:xfrm>
+          <a:prstGeom prst="rect">
+            <a:avLst/>
+          </a:prstGeom>
+        </p:spPr>
+      </p:pic>
+      <p:pic>
+        <p:nvPicPr>
+          <p:cNvPr id="5" name="Image 4">
+            <a:extLst>
+              <a:ext uri="{FF2B5EF4-FFF2-40B4-BE49-F238E27FC236}">
+                <a16:creationId xmlns:a16="http://schemas.microsoft.com/office/drawing/2014/main" id="{8B6A95F4-CB6C-4A26-AB25-5E6278E0AB6A}"/>
+              </a:ext>
+            </a:extLst>
+          </p:cNvPr>
+          <p:cNvPicPr>
+            <a:picLocks noChangeAspect="1"/>
+          </p:cNvPicPr>
+          <p:nvPr/>
+        </p:nvPicPr>
+        <p:blipFill>
+          <a:blip r:embed="rId3"/>
+          <a:stretch>
+            <a:fillRect/>
+          </a:stretch>
+        </p:blipFill>
+        <p:spPr>
+          <a:xfrm>
+            <a:off x="128954" y="164122"/>
+            <a:ext cx="2879848" cy="2899241"/>
+          </a:xfrm>
+          <a:prstGeom prst="rect">
+            <a:avLst/>
+          </a:prstGeom>
+        </p:spPr>
+      </p:pic>
+      <p:sp>
+        <p:nvSpPr>
+          <p:cNvPr id="2" name="Titre 1">
+            <a:extLst>
+              <a:ext uri="{FF2B5EF4-FFF2-40B4-BE49-F238E27FC236}">
+                <a16:creationId xmlns:a16="http://schemas.microsoft.com/office/drawing/2014/main" id="{B22C7BE7-F706-4089-BCA5-AF4C275C322E}"/>
+              </a:ext>
+            </a:extLst>
+          </p:cNvPr>
+          <p:cNvSpPr>
+            <a:spLocks noGrp="1"/>
+          </p:cNvSpPr>
+          <p:nvPr>
+            <p:ph type="title"/>
+          </p:nvPr>
+        </p:nvSpPr>
+        <p:spPr/>
+        <p:txBody>
+          <a:bodyPr/>
+          <a:lstStyle/>
+          <a:p>
+            <a:pPr algn="ctr"/>
+            <a:r>
+              <a:rPr lang="fr-FR" sz="4000" dirty="0">
+                <a:latin typeface="Arial Rounded MT Bold" panose="020F0704030504030204" pitchFamily="34" charset="0"/>
+              </a:rPr>
+              <a:t>Questions</a:t>
+            </a:r>
+            <a:endParaRPr lang="fr-RE" sz="4000" dirty="0">
+              <a:latin typeface="Arial Rounded MT Bold" panose="020F0704030504030204" pitchFamily="34" charset="0"/>
+            </a:endParaRPr>
+          </a:p>
+        </p:txBody>
+      </p:sp>
+      <p:sp>
+        <p:nvSpPr>
+          <p:cNvPr id="4" name="Espace réservé du numéro de diapositive 3">
+            <a:extLst>
+              <a:ext uri="{FF2B5EF4-FFF2-40B4-BE49-F238E27FC236}">
+                <a16:creationId xmlns:a16="http://schemas.microsoft.com/office/drawing/2014/main" id="{6828EA4A-30ED-4BE2-BB9E-FF832223FF7B}"/>
+              </a:ext>
+            </a:extLst>
+          </p:cNvPr>
+          <p:cNvSpPr>
+            <a:spLocks noGrp="1"/>
+          </p:cNvSpPr>
+          <p:nvPr>
+            <p:ph type="sldNum" sz="quarter" idx="12"/>
+          </p:nvPr>
+        </p:nvSpPr>
+        <p:spPr/>
+        <p:txBody>
+          <a:bodyPr/>
+          <a:lstStyle/>
+          <a:p>
+            <a:fld id="{8A7A6979-0714-4377-B894-6BE4C2D6E202}" type="slidenum">
+              <a:rPr lang="en-US" sz="1600" b="1" smtClean="0"/>
+              <a:pPr/>
+              <a:t>12</a:t>
+            </a:fld>
+            <a:r>
+              <a:rPr lang="en-US" sz="1600" b="1" dirty="0"/>
+              <a:t> / 12</a:t>
+            </a:r>
+          </a:p>
+        </p:txBody>
+      </p:sp>
+      <p:pic>
+        <p:nvPicPr>
+          <p:cNvPr id="8" name="Image 7">
+            <a:extLst>
+              <a:ext uri="{FF2B5EF4-FFF2-40B4-BE49-F238E27FC236}">
+                <a16:creationId xmlns:a16="http://schemas.microsoft.com/office/drawing/2014/main" id="{103BCE22-DE44-4C72-9AF6-014DC1EC45B0}"/>
+              </a:ext>
+            </a:extLst>
+          </p:cNvPr>
+          <p:cNvPicPr>
+            <a:picLocks noChangeAspect="1"/>
+          </p:cNvPicPr>
+          <p:nvPr/>
+        </p:nvPicPr>
+        <p:blipFill>
+          <a:blip r:embed="rId4"/>
+          <a:stretch>
+            <a:fillRect/>
+          </a:stretch>
+        </p:blipFill>
+        <p:spPr>
+          <a:xfrm>
+            <a:off x="2760754" y="1915137"/>
+            <a:ext cx="6823992" cy="4517482"/>
+          </a:xfrm>
+          <a:prstGeom prst="rect">
+            <a:avLst/>
+          </a:prstGeom>
+        </p:spPr>
+      </p:pic>
+    </p:spTree>
+    <p:extLst>
+      <p:ext uri="{BB962C8B-B14F-4D97-AF65-F5344CB8AC3E}">
+        <p14:creationId xmlns:p14="http://schemas.microsoft.com/office/powerpoint/2010/main" val="2001073525"/>
       </p:ext>
     </p:extLst>
   </p:cSld>
@@ -9063,7 +10784,7 @@
             </a:fld>
             <a:r>
               <a:rPr lang="en-US" sz="1600" b="1" dirty="0"/>
-              <a:t> / 23</a:t>
+              <a:t> / 12</a:t>
             </a:r>
           </a:p>
         </p:txBody>
@@ -9081,7 +10802,7 @@
           <p:nvPr>
             <p:extLst>
               <p:ext uri="{D42A27DB-BD31-4B8C-83A1-F6EECF244321}">
-                <p14:modId xmlns:p14="http://schemas.microsoft.com/office/powerpoint/2010/main" val="3139709810"/>
+                <p14:modId xmlns:p14="http://schemas.microsoft.com/office/powerpoint/2010/main" val="2432529424"/>
               </p:ext>
             </p:extLst>
           </p:nvPr>
@@ -9278,17 +10999,17 @@
             </a:fld>
             <a:r>
               <a:rPr lang="en-US" sz="1600" b="1" dirty="0"/>
-              <a:t> / 23</a:t>
+              <a:t> / 12</a:t>
             </a:r>
           </a:p>
         </p:txBody>
       </p:sp>
       <p:pic>
         <p:nvPicPr>
-          <p:cNvPr id="10" name="Image 9">
+          <p:cNvPr id="7" name="Image 6">
             <a:extLst>
               <a:ext uri="{FF2B5EF4-FFF2-40B4-BE49-F238E27FC236}">
-                <a16:creationId xmlns:a16="http://schemas.microsoft.com/office/drawing/2014/main" id="{8EB7B3DE-DB1B-49DA-A3DA-0F1F9AF155C5}"/>
+                <a16:creationId xmlns:a16="http://schemas.microsoft.com/office/drawing/2014/main" id="{BF8D6F1D-3640-4CB5-8F67-9E932BFC83D5}"/>
               </a:ext>
             </a:extLst>
           </p:cNvPr>
@@ -9315,10 +11036,10 @@
       </p:pic>
       <p:sp>
         <p:nvSpPr>
-          <p:cNvPr id="11" name="ZoneTexte 10">
+          <p:cNvPr id="3" name="ZoneTexte 2">
             <a:extLst>
               <a:ext uri="{FF2B5EF4-FFF2-40B4-BE49-F238E27FC236}">
-                <a16:creationId xmlns:a16="http://schemas.microsoft.com/office/drawing/2014/main" id="{49DAEBE0-BED2-4417-BD5D-6B50F7D2B6F5}"/>
+                <a16:creationId xmlns:a16="http://schemas.microsoft.com/office/drawing/2014/main" id="{533225E9-78B9-480F-BFEA-7F9A6F85DA8F}"/>
               </a:ext>
             </a:extLst>
           </p:cNvPr>
@@ -9385,7 +11106,7 @@
                 <a:latin typeface="Arial" panose="020B0604020202020204" pitchFamily="34" charset="0"/>
                 <a:cs typeface="Arial" panose="020B0604020202020204" pitchFamily="34" charset="0"/>
               </a:rPr>
-              <a:t>xxx</a:t>
+              <a:t>Effectuer des tests de pénétration d’un site Wordpress</a:t>
             </a:r>
           </a:p>
         </p:txBody>
@@ -9506,7 +11227,7 @@
               <a:rPr lang="fr-FR" sz="4000" dirty="0">
                 <a:latin typeface="Arial Rounded MT Bold" panose="020F0704030504030204" pitchFamily="34" charset="0"/>
               </a:rPr>
-              <a:t>Tableau de criticité</a:t>
+              <a:t>Présentation de l’activité</a:t>
             </a:r>
             <a:endParaRPr lang="fr-RE" sz="4000" dirty="0">
               <a:latin typeface="Arial Rounded MT Bold" panose="020F0704030504030204" pitchFamily="34" charset="0"/>
@@ -9542,15 +11263,150 @@
             </a:fld>
             <a:r>
               <a:rPr lang="en-US" sz="1600" b="1" dirty="0"/>
-              <a:t> / 23</a:t>
+              <a:t> / 12</a:t>
             </a:r>
           </a:p>
         </p:txBody>
       </p:sp>
+      <p:pic>
+        <p:nvPicPr>
+          <p:cNvPr id="7" name="Image 6">
+            <a:extLst>
+              <a:ext uri="{FF2B5EF4-FFF2-40B4-BE49-F238E27FC236}">
+                <a16:creationId xmlns:a16="http://schemas.microsoft.com/office/drawing/2014/main" id="{D5F22C69-1EB3-49BB-804A-6AB05165CE7C}"/>
+              </a:ext>
+            </a:extLst>
+          </p:cNvPr>
+          <p:cNvPicPr>
+            <a:picLocks noChangeAspect="1"/>
+          </p:cNvPicPr>
+          <p:nvPr/>
+        </p:nvPicPr>
+        <p:blipFill>
+          <a:blip r:embed="rId4"/>
+          <a:stretch>
+            <a:fillRect/>
+          </a:stretch>
+        </p:blipFill>
+        <p:spPr>
+          <a:xfrm>
+            <a:off x="8527925" y="3918525"/>
+            <a:ext cx="3656698" cy="2194019"/>
+          </a:xfrm>
+          <a:prstGeom prst="rect">
+            <a:avLst/>
+          </a:prstGeom>
+        </p:spPr>
+      </p:pic>
+      <p:sp>
+        <p:nvSpPr>
+          <p:cNvPr id="11" name="ZoneTexte 10">
+            <a:extLst>
+              <a:ext uri="{FF2B5EF4-FFF2-40B4-BE49-F238E27FC236}">
+                <a16:creationId xmlns:a16="http://schemas.microsoft.com/office/drawing/2014/main" id="{8581C00D-65E9-445D-96DD-4B5FFCD8EAA1}"/>
+              </a:ext>
+            </a:extLst>
+          </p:cNvPr>
+          <p:cNvSpPr txBox="1"/>
+          <p:nvPr/>
+        </p:nvSpPr>
+        <p:spPr>
+          <a:xfrm>
+            <a:off x="8235720" y="3838773"/>
+            <a:ext cx="1928187" cy="719171"/>
+          </a:xfrm>
+          <a:prstGeom prst="rect">
+            <a:avLst/>
+          </a:prstGeom>
+          <a:solidFill>
+            <a:schemeClr val="bg1"/>
+          </a:solidFill>
+        </p:spPr>
+        <p:txBody>
+          <a:bodyPr wrap="square" rtlCol="0">
+            <a:spAutoFit/>
+          </a:bodyPr>
+          <a:lstStyle/>
+          <a:p>
+            <a:pPr>
+              <a:lnSpc>
+                <a:spcPct val="90000"/>
+              </a:lnSpc>
+              <a:spcBef>
+                <a:spcPts val="1000"/>
+              </a:spcBef>
+            </a:pPr>
+            <a:r>
+              <a:rPr lang="fr-FR" b="1" dirty="0">
+                <a:latin typeface="Arial" panose="020B0604020202020204" pitchFamily="34" charset="0"/>
+                <a:cs typeface="Arial" panose="020B0604020202020204" pitchFamily="34" charset="0"/>
+              </a:rPr>
+              <a:t>Phase : </a:t>
+            </a:r>
+          </a:p>
+          <a:p>
+            <a:pPr>
+              <a:lnSpc>
+                <a:spcPct val="90000"/>
+              </a:lnSpc>
+              <a:spcBef>
+                <a:spcPts val="1000"/>
+              </a:spcBef>
+            </a:pPr>
+            <a:r>
+              <a:rPr lang="fr-FR" dirty="0">
+                <a:latin typeface="Arial" panose="020B0604020202020204" pitchFamily="34" charset="0"/>
+                <a:cs typeface="Arial" panose="020B0604020202020204" pitchFamily="34" charset="0"/>
+              </a:rPr>
+              <a:t>Reconnaissance</a:t>
+            </a:r>
+          </a:p>
+        </p:txBody>
+      </p:sp>
+      <p:pic>
+        <p:nvPicPr>
+          <p:cNvPr id="9" name="Image 8">
+            <a:extLst>
+              <a:ext uri="{FF2B5EF4-FFF2-40B4-BE49-F238E27FC236}">
+                <a16:creationId xmlns:a16="http://schemas.microsoft.com/office/drawing/2014/main" id="{DE286CF2-B2D1-416E-816A-DD139767CC3D}"/>
+              </a:ext>
+            </a:extLst>
+          </p:cNvPr>
+          <p:cNvPicPr>
+            <a:picLocks noChangeAspect="1"/>
+          </p:cNvPicPr>
+          <p:nvPr/>
+        </p:nvPicPr>
+        <p:blipFill>
+          <a:blip r:embed="rId5"/>
+          <a:stretch>
+            <a:fillRect/>
+          </a:stretch>
+        </p:blipFill>
+        <p:spPr>
+          <a:xfrm>
+            <a:off x="627261" y="1690688"/>
+            <a:ext cx="6665710" cy="4798116"/>
+          </a:xfrm>
+          <a:prstGeom prst="rect">
+            <a:avLst/>
+          </a:prstGeom>
+          <a:ln>
+            <a:noFill/>
+          </a:ln>
+          <a:effectLst>
+            <a:outerShdw blurRad="292100" dist="139700" dir="2700000" algn="tl" rotWithShape="0">
+              <a:srgbClr val="333333">
+                <a:alpha val="65000"/>
+              </a:srgbClr>
+            </a:outerShdw>
+          </a:effectLst>
+        </p:spPr>
+      </p:pic>
     </p:spTree>
     <p:extLst>
       <p:ext uri="{BB962C8B-B14F-4D97-AF65-F5344CB8AC3E}">
-        <p14:creationId xmlns:p14="http://schemas.microsoft.com/office/powerpoint/2010/main" val="374667423"/>
+        <p14:creationId xmlns:p14="http://schemas.microsoft.com/office/powerpoint/2010/main" val="752839032"/>
       </p:ext>
     </p:extLst>
   </p:cSld>
@@ -9577,107 +11433,12 @@
           <a:chExt cx="0" cy="0"/>
         </a:xfrm>
       </p:grpSpPr>
-      <p:sp>
-        <p:nvSpPr>
-          <p:cNvPr id="2" name="Titre 1">
+      <p:pic>
+        <p:nvPicPr>
+          <p:cNvPr id="6" name="Image 5">
             <a:extLst>
               <a:ext uri="{FF2B5EF4-FFF2-40B4-BE49-F238E27FC236}">
-                <a16:creationId xmlns:a16="http://schemas.microsoft.com/office/drawing/2014/main" id="{E7AE68B5-76A2-4C7E-8E39-968F614FD602}"/>
-              </a:ext>
-            </a:extLst>
-          </p:cNvPr>
-          <p:cNvSpPr>
-            <a:spLocks noGrp="1"/>
-          </p:cNvSpPr>
-          <p:nvPr>
-            <p:ph type="title"/>
-          </p:nvPr>
-        </p:nvSpPr>
-        <p:spPr/>
-        <p:txBody>
-          <a:bodyPr/>
-          <a:lstStyle/>
-          <a:p>
-            <a:pPr algn="ctr"/>
-            <a:r>
-              <a:rPr lang="fr-FR" dirty="0">
-                <a:latin typeface="Arial Rounded MT Bold" panose="020F0704030504030204" pitchFamily="34" charset="0"/>
-              </a:rPr>
-              <a:t>Sujet de veille</a:t>
-            </a:r>
-            <a:endParaRPr lang="fr-FR" dirty="0"/>
-          </a:p>
-        </p:txBody>
-      </p:sp>
-      <p:sp>
-        <p:nvSpPr>
-          <p:cNvPr id="4" name="Espace réservé du numéro de diapositive 3">
-            <a:extLst>
-              <a:ext uri="{FF2B5EF4-FFF2-40B4-BE49-F238E27FC236}">
-                <a16:creationId xmlns:a16="http://schemas.microsoft.com/office/drawing/2014/main" id="{9573D945-7E0F-4265-B283-78F4C9D7B4E3}"/>
-              </a:ext>
-            </a:extLst>
-          </p:cNvPr>
-          <p:cNvSpPr>
-            <a:spLocks noGrp="1"/>
-          </p:cNvSpPr>
-          <p:nvPr>
-            <p:ph type="sldNum" sz="quarter" idx="12"/>
-          </p:nvPr>
-        </p:nvSpPr>
-        <p:spPr/>
-        <p:txBody>
-          <a:bodyPr/>
-          <a:lstStyle/>
-          <a:p>
-            <a:fld id="{8A7A6979-0714-4377-B894-6BE4C2D6E202}" type="slidenum">
-              <a:rPr lang="en-US" sz="1600" b="1" smtClean="0"/>
-              <a:pPr/>
-              <a:t>5</a:t>
-            </a:fld>
-            <a:r>
-              <a:rPr lang="en-US" sz="1600" b="1" dirty="0"/>
-              <a:t> / 23</a:t>
-            </a:r>
-          </a:p>
-        </p:txBody>
-      </p:sp>
-      <p:pic>
-        <p:nvPicPr>
-          <p:cNvPr id="7" name="Image 6">
-            <a:extLst>
-              <a:ext uri="{FF2B5EF4-FFF2-40B4-BE49-F238E27FC236}">
-                <a16:creationId xmlns:a16="http://schemas.microsoft.com/office/drawing/2014/main" id="{98820620-191A-447D-8D6D-BF6433B44B24}"/>
-              </a:ext>
-            </a:extLst>
-          </p:cNvPr>
-          <p:cNvPicPr>
-            <a:picLocks noChangeAspect="1"/>
-          </p:cNvPicPr>
-          <p:nvPr/>
-        </p:nvPicPr>
-        <p:blipFill>
-          <a:blip r:embed="rId3"/>
-          <a:stretch>
-            <a:fillRect/>
-          </a:stretch>
-        </p:blipFill>
-        <p:spPr>
-          <a:xfrm>
-            <a:off x="128954" y="164122"/>
-            <a:ext cx="2879848" cy="2899241"/>
-          </a:xfrm>
-          <a:prstGeom prst="rect">
-            <a:avLst/>
-          </a:prstGeom>
-        </p:spPr>
-      </p:pic>
-      <p:pic>
-        <p:nvPicPr>
-          <p:cNvPr id="8" name="Image 7">
-            <a:extLst>
-              <a:ext uri="{FF2B5EF4-FFF2-40B4-BE49-F238E27FC236}">
-                <a16:creationId xmlns:a16="http://schemas.microsoft.com/office/drawing/2014/main" id="{6E85B7BF-2069-4D8B-8015-A8E22C312D6C}"/>
+                <a16:creationId xmlns:a16="http://schemas.microsoft.com/office/drawing/2014/main" id="{7B74C971-B67B-40CA-89E0-FE393654BA1A}"/>
               </a:ext>
             </a:extLst>
           </p:cNvPr>
@@ -9702,10 +11463,242 @@
           </a:prstGeom>
         </p:spPr>
       </p:pic>
+      <p:pic>
+        <p:nvPicPr>
+          <p:cNvPr id="5" name="Image 4">
+            <a:extLst>
+              <a:ext uri="{FF2B5EF4-FFF2-40B4-BE49-F238E27FC236}">
+                <a16:creationId xmlns:a16="http://schemas.microsoft.com/office/drawing/2014/main" id="{8B6A95F4-CB6C-4A26-AB25-5E6278E0AB6A}"/>
+              </a:ext>
+            </a:extLst>
+          </p:cNvPr>
+          <p:cNvPicPr>
+            <a:picLocks noChangeAspect="1"/>
+          </p:cNvPicPr>
+          <p:nvPr/>
+        </p:nvPicPr>
+        <p:blipFill>
+          <a:blip r:embed="rId3"/>
+          <a:stretch>
+            <a:fillRect/>
+          </a:stretch>
+        </p:blipFill>
+        <p:spPr>
+          <a:xfrm>
+            <a:off x="128954" y="199291"/>
+            <a:ext cx="2879848" cy="2899241"/>
+          </a:xfrm>
+          <a:prstGeom prst="rect">
+            <a:avLst/>
+          </a:prstGeom>
+        </p:spPr>
+      </p:pic>
+      <p:sp>
+        <p:nvSpPr>
+          <p:cNvPr id="2" name="Titre 1">
+            <a:extLst>
+              <a:ext uri="{FF2B5EF4-FFF2-40B4-BE49-F238E27FC236}">
+                <a16:creationId xmlns:a16="http://schemas.microsoft.com/office/drawing/2014/main" id="{B22C7BE7-F706-4089-BCA5-AF4C275C322E}"/>
+              </a:ext>
+            </a:extLst>
+          </p:cNvPr>
+          <p:cNvSpPr>
+            <a:spLocks noGrp="1"/>
+          </p:cNvSpPr>
+          <p:nvPr>
+            <p:ph type="title"/>
+          </p:nvPr>
+        </p:nvSpPr>
+        <p:spPr/>
+        <p:txBody>
+          <a:bodyPr/>
+          <a:lstStyle/>
+          <a:p>
+            <a:pPr algn="ctr"/>
+            <a:r>
+              <a:rPr lang="fr-FR" sz="4000" dirty="0">
+                <a:latin typeface="Arial Rounded MT Bold" panose="020F0704030504030204" pitchFamily="34" charset="0"/>
+              </a:rPr>
+              <a:t>Présentation de l’activité</a:t>
+            </a:r>
+            <a:endParaRPr lang="fr-RE" sz="4000" dirty="0">
+              <a:latin typeface="Arial Rounded MT Bold" panose="020F0704030504030204" pitchFamily="34" charset="0"/>
+            </a:endParaRPr>
+          </a:p>
+        </p:txBody>
+      </p:sp>
+      <p:sp>
+        <p:nvSpPr>
+          <p:cNvPr id="4" name="Espace réservé du numéro de diapositive 3">
+            <a:extLst>
+              <a:ext uri="{FF2B5EF4-FFF2-40B4-BE49-F238E27FC236}">
+                <a16:creationId xmlns:a16="http://schemas.microsoft.com/office/drawing/2014/main" id="{6828EA4A-30ED-4BE2-BB9E-FF832223FF7B}"/>
+              </a:ext>
+            </a:extLst>
+          </p:cNvPr>
+          <p:cNvSpPr>
+            <a:spLocks noGrp="1"/>
+          </p:cNvSpPr>
+          <p:nvPr>
+            <p:ph type="sldNum" sz="quarter" idx="12"/>
+          </p:nvPr>
+        </p:nvSpPr>
+        <p:spPr/>
+        <p:txBody>
+          <a:bodyPr/>
+          <a:lstStyle/>
+          <a:p>
+            <a:fld id="{8A7A6979-0714-4377-B894-6BE4C2D6E202}" type="slidenum">
+              <a:rPr lang="en-US" sz="1600" b="1" smtClean="0"/>
+              <a:pPr/>
+              <a:t>5</a:t>
+            </a:fld>
+            <a:r>
+              <a:rPr lang="en-US" sz="1600" b="1" dirty="0"/>
+              <a:t> / 12</a:t>
+            </a:r>
+          </a:p>
+        </p:txBody>
+      </p:sp>
+      <p:pic>
+        <p:nvPicPr>
+          <p:cNvPr id="7" name="Image 6">
+            <a:extLst>
+              <a:ext uri="{FF2B5EF4-FFF2-40B4-BE49-F238E27FC236}">
+                <a16:creationId xmlns:a16="http://schemas.microsoft.com/office/drawing/2014/main" id="{B8EFB68A-ED34-438B-A2C3-F836A9020137}"/>
+              </a:ext>
+            </a:extLst>
+          </p:cNvPr>
+          <p:cNvPicPr>
+            <a:picLocks noChangeAspect="1"/>
+          </p:cNvPicPr>
+          <p:nvPr/>
+        </p:nvPicPr>
+        <p:blipFill>
+          <a:blip r:embed="rId4"/>
+          <a:stretch>
+            <a:fillRect/>
+          </a:stretch>
+        </p:blipFill>
+        <p:spPr>
+          <a:xfrm>
+            <a:off x="8096882" y="3467447"/>
+            <a:ext cx="4543852" cy="2888903"/>
+          </a:xfrm>
+          <a:prstGeom prst="rect">
+            <a:avLst/>
+          </a:prstGeom>
+        </p:spPr>
+      </p:pic>
+      <p:sp>
+        <p:nvSpPr>
+          <p:cNvPr id="9" name="ZoneTexte 8">
+            <a:extLst>
+              <a:ext uri="{FF2B5EF4-FFF2-40B4-BE49-F238E27FC236}">
+                <a16:creationId xmlns:a16="http://schemas.microsoft.com/office/drawing/2014/main" id="{2B00171F-8E50-495F-AD72-29D754749BCC}"/>
+              </a:ext>
+            </a:extLst>
+          </p:cNvPr>
+          <p:cNvSpPr txBox="1"/>
+          <p:nvPr/>
+        </p:nvSpPr>
+        <p:spPr>
+          <a:xfrm>
+            <a:off x="8505093" y="3199354"/>
+            <a:ext cx="1553307" cy="719171"/>
+          </a:xfrm>
+          <a:prstGeom prst="rect">
+            <a:avLst/>
+          </a:prstGeom>
+          <a:solidFill>
+            <a:schemeClr val="bg1"/>
+          </a:solidFill>
+        </p:spPr>
+        <p:txBody>
+          <a:bodyPr wrap="square" rtlCol="0">
+            <a:spAutoFit/>
+          </a:bodyPr>
+          <a:lstStyle/>
+          <a:p>
+            <a:pPr>
+              <a:lnSpc>
+                <a:spcPct val="90000"/>
+              </a:lnSpc>
+              <a:spcBef>
+                <a:spcPts val="1000"/>
+              </a:spcBef>
+            </a:pPr>
+            <a:r>
+              <a:rPr lang="fr-FR" b="1" dirty="0">
+                <a:latin typeface="Arial" panose="020B0604020202020204" pitchFamily="34" charset="0"/>
+                <a:cs typeface="Arial" panose="020B0604020202020204" pitchFamily="34" charset="0"/>
+              </a:rPr>
+              <a:t>Phase :</a:t>
+            </a:r>
+          </a:p>
+          <a:p>
+            <a:pPr>
+              <a:lnSpc>
+                <a:spcPct val="90000"/>
+              </a:lnSpc>
+              <a:spcBef>
+                <a:spcPts val="1000"/>
+              </a:spcBef>
+            </a:pPr>
+            <a:r>
+              <a:rPr lang="fr-FR" dirty="0">
+                <a:latin typeface="Arial" panose="020B0604020202020204" pitchFamily="34" charset="0"/>
+                <a:cs typeface="Arial" panose="020B0604020202020204" pitchFamily="34" charset="0"/>
+              </a:rPr>
+              <a:t>Enumération</a:t>
+            </a:r>
+          </a:p>
+        </p:txBody>
+      </p:sp>
+      <p:pic>
+        <p:nvPicPr>
+          <p:cNvPr id="10" name="Image 9">
+            <a:extLst>
+              <a:ext uri="{FF2B5EF4-FFF2-40B4-BE49-F238E27FC236}">
+                <a16:creationId xmlns:a16="http://schemas.microsoft.com/office/drawing/2014/main" id="{1A36CD45-EAB1-4A2A-8A94-4E17C35BBF1A}"/>
+              </a:ext>
+            </a:extLst>
+          </p:cNvPr>
+          <p:cNvPicPr>
+            <a:picLocks noChangeAspect="1"/>
+          </p:cNvPicPr>
+          <p:nvPr/>
+        </p:nvPicPr>
+        <p:blipFill>
+          <a:blip r:embed="rId5"/>
+          <a:stretch>
+            <a:fillRect/>
+          </a:stretch>
+        </p:blipFill>
+        <p:spPr>
+          <a:xfrm>
+            <a:off x="580279" y="1740791"/>
+            <a:ext cx="7016351" cy="4752083"/>
+          </a:xfrm>
+          <a:prstGeom prst="rect">
+            <a:avLst/>
+          </a:prstGeom>
+          <a:ln>
+            <a:noFill/>
+          </a:ln>
+          <a:effectLst>
+            <a:outerShdw blurRad="292100" dist="139700" dir="2700000" algn="tl" rotWithShape="0">
+              <a:srgbClr val="333333">
+                <a:alpha val="65000"/>
+              </a:srgbClr>
+            </a:outerShdw>
+          </a:effectLst>
+        </p:spPr>
+      </p:pic>
     </p:spTree>
     <p:extLst>
       <p:ext uri="{BB962C8B-B14F-4D97-AF65-F5344CB8AC3E}">
-        <p14:creationId xmlns:p14="http://schemas.microsoft.com/office/powerpoint/2010/main" val="3048946655"/>
+        <p14:creationId xmlns:p14="http://schemas.microsoft.com/office/powerpoint/2010/main" val="2093502548"/>
       </p:ext>
     </p:extLst>
   </p:cSld>
@@ -9784,7 +11777,7 @@
         </p:blipFill>
         <p:spPr>
           <a:xfrm>
-            <a:off x="128954" y="164122"/>
+            <a:off x="128954" y="199291"/>
             <a:ext cx="2879848" cy="2899241"/>
           </a:xfrm>
           <a:prstGeom prst="rect">
@@ -9818,7 +11811,7 @@
               <a:rPr lang="fr-FR" sz="4000" dirty="0">
                 <a:latin typeface="Arial Rounded MT Bold" panose="020F0704030504030204" pitchFamily="34" charset="0"/>
               </a:rPr>
-              <a:t>Référentiel</a:t>
+              <a:t>Présentation de l’activité</a:t>
             </a:r>
             <a:endParaRPr lang="fr-RE" sz="4000" dirty="0">
               <a:latin typeface="Arial Rounded MT Bold" panose="020F0704030504030204" pitchFamily="34" charset="0"/>
@@ -9847,10 +11840,6 @@
           <a:bodyPr/>
           <a:lstStyle/>
           <a:p>
-            <a:r>
-              <a:rPr lang="en-US" sz="1600" b="1" dirty="0"/>
-              <a:t> </a:t>
-            </a:r>
             <a:fld id="{8A7A6979-0714-4377-B894-6BE4C2D6E202}" type="slidenum">
               <a:rPr lang="en-US" sz="1600" b="1" smtClean="0"/>
               <a:pPr/>
@@ -9858,15 +11847,170 @@
             </a:fld>
             <a:r>
               <a:rPr lang="en-US" sz="1600" b="1" dirty="0"/>
-              <a:t> / 23</a:t>
+              <a:t> / 12</a:t>
             </a:r>
           </a:p>
         </p:txBody>
       </p:sp>
+      <p:pic>
+        <p:nvPicPr>
+          <p:cNvPr id="7" name="Image 6">
+            <a:extLst>
+              <a:ext uri="{FF2B5EF4-FFF2-40B4-BE49-F238E27FC236}">
+                <a16:creationId xmlns:a16="http://schemas.microsoft.com/office/drawing/2014/main" id="{027DEFB1-F044-4484-B151-9AAB05E30094}"/>
+              </a:ext>
+            </a:extLst>
+          </p:cNvPr>
+          <p:cNvPicPr>
+            <a:picLocks noChangeAspect="1"/>
+          </p:cNvPicPr>
+          <p:nvPr/>
+        </p:nvPicPr>
+        <p:blipFill>
+          <a:blip r:embed="rId4"/>
+          <a:stretch>
+            <a:fillRect/>
+          </a:stretch>
+        </p:blipFill>
+        <p:spPr>
+          <a:xfrm>
+            <a:off x="8988617" y="3591599"/>
+            <a:ext cx="3111079" cy="2764751"/>
+          </a:xfrm>
+          <a:prstGeom prst="rect">
+            <a:avLst/>
+          </a:prstGeom>
+        </p:spPr>
+      </p:pic>
+      <p:sp>
+        <p:nvSpPr>
+          <p:cNvPr id="9" name="ZoneTexte 8">
+            <a:extLst>
+              <a:ext uri="{FF2B5EF4-FFF2-40B4-BE49-F238E27FC236}">
+                <a16:creationId xmlns:a16="http://schemas.microsoft.com/office/drawing/2014/main" id="{61EACFC4-E455-4407-8CFB-C32C80CFBDAA}"/>
+              </a:ext>
+            </a:extLst>
+          </p:cNvPr>
+          <p:cNvSpPr txBox="1"/>
+          <p:nvPr/>
+        </p:nvSpPr>
+        <p:spPr>
+          <a:xfrm>
+            <a:off x="8441436" y="2928017"/>
+            <a:ext cx="2188679" cy="719171"/>
+          </a:xfrm>
+          <a:prstGeom prst="rect">
+            <a:avLst/>
+          </a:prstGeom>
+          <a:solidFill>
+            <a:schemeClr val="bg1"/>
+          </a:solidFill>
+        </p:spPr>
+        <p:txBody>
+          <a:bodyPr wrap="square" rtlCol="0">
+            <a:spAutoFit/>
+          </a:bodyPr>
+          <a:lstStyle/>
+          <a:p>
+            <a:pPr>
+              <a:lnSpc>
+                <a:spcPct val="90000"/>
+              </a:lnSpc>
+              <a:spcBef>
+                <a:spcPts val="1000"/>
+              </a:spcBef>
+            </a:pPr>
+            <a:r>
+              <a:rPr lang="fr-FR" b="1" dirty="0">
+                <a:latin typeface="Arial" panose="020B0604020202020204" pitchFamily="34" charset="0"/>
+                <a:cs typeface="Arial" panose="020B0604020202020204" pitchFamily="34" charset="0"/>
+              </a:rPr>
+              <a:t>Phase : </a:t>
+            </a:r>
+          </a:p>
+          <a:p>
+            <a:pPr>
+              <a:lnSpc>
+                <a:spcPct val="90000"/>
+              </a:lnSpc>
+              <a:spcBef>
+                <a:spcPts val="1000"/>
+              </a:spcBef>
+            </a:pPr>
+            <a:r>
+              <a:rPr lang="fr-FR" dirty="0">
+                <a:latin typeface="Arial" panose="020B0604020202020204" pitchFamily="34" charset="0"/>
+                <a:cs typeface="Arial" panose="020B0604020202020204" pitchFamily="34" charset="0"/>
+              </a:rPr>
+              <a:t>Implantation initiale </a:t>
+            </a:r>
+          </a:p>
+        </p:txBody>
+      </p:sp>
+      <p:pic>
+        <p:nvPicPr>
+          <p:cNvPr id="11" name="Image 10">
+            <a:extLst>
+              <a:ext uri="{FF2B5EF4-FFF2-40B4-BE49-F238E27FC236}">
+                <a16:creationId xmlns:a16="http://schemas.microsoft.com/office/drawing/2014/main" id="{77C797C0-044D-4FD2-AD00-8733E4626633}"/>
+              </a:ext>
+            </a:extLst>
+          </p:cNvPr>
+          <p:cNvPicPr>
+            <a:picLocks noChangeAspect="1"/>
+          </p:cNvPicPr>
+          <p:nvPr/>
+        </p:nvPicPr>
+        <p:blipFill>
+          <a:blip r:embed="rId5"/>
+          <a:stretch>
+            <a:fillRect/>
+          </a:stretch>
+        </p:blipFill>
+        <p:spPr>
+          <a:xfrm>
+            <a:off x="615361" y="4971802"/>
+            <a:ext cx="6846077" cy="1637983"/>
+          </a:xfrm>
+          <a:prstGeom prst="rect">
+            <a:avLst/>
+          </a:prstGeom>
+        </p:spPr>
+      </p:pic>
+      <p:pic>
+        <p:nvPicPr>
+          <p:cNvPr id="12" name="Image 11">
+            <a:extLst>
+              <a:ext uri="{FF2B5EF4-FFF2-40B4-BE49-F238E27FC236}">
+                <a16:creationId xmlns:a16="http://schemas.microsoft.com/office/drawing/2014/main" id="{9C8B24DE-7625-4E05-99EA-92B1105D40F9}"/>
+              </a:ext>
+            </a:extLst>
+          </p:cNvPr>
+          <p:cNvPicPr>
+            <a:picLocks noChangeAspect="1"/>
+          </p:cNvPicPr>
+          <p:nvPr/>
+        </p:nvPicPr>
+        <p:blipFill>
+          <a:blip r:embed="rId6"/>
+          <a:stretch>
+            <a:fillRect/>
+          </a:stretch>
+        </p:blipFill>
+        <p:spPr>
+          <a:xfrm>
+            <a:off x="615362" y="1747633"/>
+            <a:ext cx="6846076" cy="3237924"/>
+          </a:xfrm>
+          <a:prstGeom prst="rect">
+            <a:avLst/>
+          </a:prstGeom>
+        </p:spPr>
+      </p:pic>
     </p:spTree>
     <p:extLst>
       <p:ext uri="{BB962C8B-B14F-4D97-AF65-F5344CB8AC3E}">
-        <p14:creationId xmlns:p14="http://schemas.microsoft.com/office/powerpoint/2010/main" val="2260241738"/>
+        <p14:creationId xmlns:p14="http://schemas.microsoft.com/office/powerpoint/2010/main" val="623338134"/>
       </p:ext>
     </p:extLst>
   </p:cSld>
@@ -9945,7 +12089,7 @@
         </p:blipFill>
         <p:spPr>
           <a:xfrm>
-            <a:off x="128954" y="164122"/>
+            <a:off x="128954" y="199291"/>
             <a:ext cx="2879848" cy="2899241"/>
           </a:xfrm>
           <a:prstGeom prst="rect">
@@ -9979,7 +12123,7 @@
               <a:rPr lang="fr-FR" sz="4000" dirty="0">
                 <a:latin typeface="Arial Rounded MT Bold" panose="020F0704030504030204" pitchFamily="34" charset="0"/>
               </a:rPr>
-              <a:t>Question</a:t>
+              <a:t>Présentation de l’activité</a:t>
             </a:r>
             <a:endParaRPr lang="fr-RE" sz="4000" dirty="0">
               <a:latin typeface="Arial Rounded MT Bold" panose="020F0704030504030204" pitchFamily="34" charset="0"/>
@@ -10015,15 +12159,1087 @@
             </a:fld>
             <a:r>
               <a:rPr lang="en-US" sz="1600" b="1" dirty="0"/>
-              <a:t> / 23</a:t>
+              <a:t> / 12</a:t>
             </a:r>
           </a:p>
         </p:txBody>
       </p:sp>
+      <p:pic>
+        <p:nvPicPr>
+          <p:cNvPr id="7" name="Image 6">
+            <a:extLst>
+              <a:ext uri="{FF2B5EF4-FFF2-40B4-BE49-F238E27FC236}">
+                <a16:creationId xmlns:a16="http://schemas.microsoft.com/office/drawing/2014/main" id="{3A2E9E7A-C825-4B8D-84C9-26C7D35E781C}"/>
+              </a:ext>
+            </a:extLst>
+          </p:cNvPr>
+          <p:cNvPicPr>
+            <a:picLocks noChangeAspect="1"/>
+          </p:cNvPicPr>
+          <p:nvPr/>
+        </p:nvPicPr>
+        <p:blipFill>
+          <a:blip r:embed="rId4"/>
+          <a:stretch>
+            <a:fillRect/>
+          </a:stretch>
+        </p:blipFill>
+        <p:spPr>
+          <a:xfrm>
+            <a:off x="9645789" y="3344333"/>
+            <a:ext cx="2362770" cy="3148542"/>
+          </a:xfrm>
+          <a:prstGeom prst="rect">
+            <a:avLst/>
+          </a:prstGeom>
+        </p:spPr>
+      </p:pic>
+      <p:sp>
+        <p:nvSpPr>
+          <p:cNvPr id="9" name="ZoneTexte 8">
+            <a:extLst>
+              <a:ext uri="{FF2B5EF4-FFF2-40B4-BE49-F238E27FC236}">
+                <a16:creationId xmlns:a16="http://schemas.microsoft.com/office/drawing/2014/main" id="{6954C8E2-D633-4C2E-8D2E-D58D281267D4}"/>
+              </a:ext>
+            </a:extLst>
+          </p:cNvPr>
+          <p:cNvSpPr txBox="1"/>
+          <p:nvPr/>
+        </p:nvSpPr>
+        <p:spPr>
+          <a:xfrm>
+            <a:off x="8727834" y="2677225"/>
+            <a:ext cx="2502615" cy="719171"/>
+          </a:xfrm>
+          <a:prstGeom prst="rect">
+            <a:avLst/>
+          </a:prstGeom>
+          <a:solidFill>
+            <a:schemeClr val="bg1"/>
+          </a:solidFill>
+        </p:spPr>
+        <p:txBody>
+          <a:bodyPr wrap="square" rtlCol="0">
+            <a:spAutoFit/>
+          </a:bodyPr>
+          <a:lstStyle/>
+          <a:p>
+            <a:pPr>
+              <a:lnSpc>
+                <a:spcPct val="90000"/>
+              </a:lnSpc>
+              <a:spcBef>
+                <a:spcPts val="1000"/>
+              </a:spcBef>
+            </a:pPr>
+            <a:r>
+              <a:rPr lang="fr-FR" b="1" dirty="0">
+                <a:latin typeface="Arial" panose="020B0604020202020204" pitchFamily="34" charset="0"/>
+                <a:cs typeface="Arial" panose="020B0604020202020204" pitchFamily="34" charset="0"/>
+              </a:rPr>
+              <a:t>Phase : </a:t>
+            </a:r>
+          </a:p>
+          <a:p>
+            <a:pPr>
+              <a:lnSpc>
+                <a:spcPct val="90000"/>
+              </a:lnSpc>
+              <a:spcBef>
+                <a:spcPts val="1000"/>
+              </a:spcBef>
+            </a:pPr>
+            <a:r>
+              <a:rPr lang="fr-FR" dirty="0">
+                <a:latin typeface="Arial" panose="020B0604020202020204" pitchFamily="34" charset="0"/>
+                <a:cs typeface="Arial" panose="020B0604020202020204" pitchFamily="34" charset="0"/>
+              </a:rPr>
+              <a:t>Escalade de privilège</a:t>
+            </a:r>
+          </a:p>
+        </p:txBody>
+      </p:sp>
+      <p:pic>
+        <p:nvPicPr>
+          <p:cNvPr id="11" name="Image 10">
+            <a:extLst>
+              <a:ext uri="{FF2B5EF4-FFF2-40B4-BE49-F238E27FC236}">
+                <a16:creationId xmlns:a16="http://schemas.microsoft.com/office/drawing/2014/main" id="{D93478DC-57FF-4BB3-AEDD-97E064704CBB}"/>
+              </a:ext>
+            </a:extLst>
+          </p:cNvPr>
+          <p:cNvPicPr>
+            <a:picLocks noChangeAspect="1"/>
+          </p:cNvPicPr>
+          <p:nvPr/>
+        </p:nvPicPr>
+        <p:blipFill>
+          <a:blip r:embed="rId5"/>
+          <a:stretch>
+            <a:fillRect/>
+          </a:stretch>
+        </p:blipFill>
+        <p:spPr>
+          <a:xfrm>
+            <a:off x="627784" y="1748962"/>
+            <a:ext cx="6077816" cy="4797994"/>
+          </a:xfrm>
+          <a:prstGeom prst="rect">
+            <a:avLst/>
+          </a:prstGeom>
+          <a:ln>
+            <a:noFill/>
+          </a:ln>
+          <a:effectLst>
+            <a:outerShdw blurRad="292100" dist="139700" dir="2700000" algn="tl" rotWithShape="0">
+              <a:srgbClr val="333333">
+                <a:alpha val="65000"/>
+              </a:srgbClr>
+            </a:outerShdw>
+          </a:effectLst>
+        </p:spPr>
+      </p:pic>
     </p:spTree>
     <p:extLst>
       <p:ext uri="{BB962C8B-B14F-4D97-AF65-F5344CB8AC3E}">
-        <p14:creationId xmlns:p14="http://schemas.microsoft.com/office/powerpoint/2010/main" val="2001073525"/>
+        <p14:creationId xmlns:p14="http://schemas.microsoft.com/office/powerpoint/2010/main" val="451195966"/>
+      </p:ext>
+    </p:extLst>
+  </p:cSld>
+  <p:clrMapOvr>
+    <a:masterClrMapping/>
+  </p:clrMapOvr>
+</p:sld>
+</file>
+
+<file path=ppt/slides/slide8.xml><?xml version="1.0" encoding="utf-8"?>
+<p:sld xmlns:a="http://schemas.openxmlformats.org/drawingml/2006/main" xmlns:r="http://schemas.openxmlformats.org/officeDocument/2006/relationships" xmlns:p="http://schemas.openxmlformats.org/presentationml/2006/main">
+  <p:cSld>
+    <p:spTree>
+      <p:nvGrpSpPr>
+        <p:cNvPr id="1" name=""/>
+        <p:cNvGrpSpPr/>
+        <p:nvPr/>
+      </p:nvGrpSpPr>
+      <p:grpSpPr>
+        <a:xfrm>
+          <a:off x="0" y="0"/>
+          <a:ext cx="0" cy="0"/>
+          <a:chOff x="0" y="0"/>
+          <a:chExt cx="0" cy="0"/>
+        </a:xfrm>
+      </p:grpSpPr>
+      <p:pic>
+        <p:nvPicPr>
+          <p:cNvPr id="6" name="Image 5">
+            <a:extLst>
+              <a:ext uri="{FF2B5EF4-FFF2-40B4-BE49-F238E27FC236}">
+                <a16:creationId xmlns:a16="http://schemas.microsoft.com/office/drawing/2014/main" id="{7B74C971-B67B-40CA-89E0-FE393654BA1A}"/>
+              </a:ext>
+            </a:extLst>
+          </p:cNvPr>
+          <p:cNvPicPr>
+            <a:picLocks noChangeAspect="1"/>
+          </p:cNvPicPr>
+          <p:nvPr/>
+        </p:nvPicPr>
+        <p:blipFill>
+          <a:blip r:embed="rId3"/>
+          <a:stretch>
+            <a:fillRect/>
+          </a:stretch>
+        </p:blipFill>
+        <p:spPr>
+          <a:xfrm>
+            <a:off x="9584746" y="3918525"/>
+            <a:ext cx="2348645" cy="2364461"/>
+          </a:xfrm>
+          <a:prstGeom prst="rect">
+            <a:avLst/>
+          </a:prstGeom>
+        </p:spPr>
+      </p:pic>
+      <p:pic>
+        <p:nvPicPr>
+          <p:cNvPr id="5" name="Image 4">
+            <a:extLst>
+              <a:ext uri="{FF2B5EF4-FFF2-40B4-BE49-F238E27FC236}">
+                <a16:creationId xmlns:a16="http://schemas.microsoft.com/office/drawing/2014/main" id="{8B6A95F4-CB6C-4A26-AB25-5E6278E0AB6A}"/>
+              </a:ext>
+            </a:extLst>
+          </p:cNvPr>
+          <p:cNvPicPr>
+            <a:picLocks noChangeAspect="1"/>
+          </p:cNvPicPr>
+          <p:nvPr/>
+        </p:nvPicPr>
+        <p:blipFill>
+          <a:blip r:embed="rId3"/>
+          <a:stretch>
+            <a:fillRect/>
+          </a:stretch>
+        </p:blipFill>
+        <p:spPr>
+          <a:xfrm>
+            <a:off x="128954" y="199291"/>
+            <a:ext cx="2879848" cy="2899241"/>
+          </a:xfrm>
+          <a:prstGeom prst="rect">
+            <a:avLst/>
+          </a:prstGeom>
+        </p:spPr>
+      </p:pic>
+      <p:sp>
+        <p:nvSpPr>
+          <p:cNvPr id="2" name="Titre 1">
+            <a:extLst>
+              <a:ext uri="{FF2B5EF4-FFF2-40B4-BE49-F238E27FC236}">
+                <a16:creationId xmlns:a16="http://schemas.microsoft.com/office/drawing/2014/main" id="{B22C7BE7-F706-4089-BCA5-AF4C275C322E}"/>
+              </a:ext>
+            </a:extLst>
+          </p:cNvPr>
+          <p:cNvSpPr>
+            <a:spLocks noGrp="1"/>
+          </p:cNvSpPr>
+          <p:nvPr>
+            <p:ph type="title"/>
+          </p:nvPr>
+        </p:nvSpPr>
+        <p:spPr/>
+        <p:txBody>
+          <a:bodyPr/>
+          <a:lstStyle/>
+          <a:p>
+            <a:pPr algn="ctr"/>
+            <a:r>
+              <a:rPr lang="fr-FR" sz="4000" dirty="0">
+                <a:latin typeface="Arial Rounded MT Bold" panose="020F0704030504030204" pitchFamily="34" charset="0"/>
+              </a:rPr>
+              <a:t>Bilan / Recommandations</a:t>
+            </a:r>
+            <a:endParaRPr lang="fr-RE" sz="4000" dirty="0">
+              <a:latin typeface="Arial Rounded MT Bold" panose="020F0704030504030204" pitchFamily="34" charset="0"/>
+            </a:endParaRPr>
+          </a:p>
+        </p:txBody>
+      </p:sp>
+      <p:sp>
+        <p:nvSpPr>
+          <p:cNvPr id="4" name="Espace réservé du numéro de diapositive 3">
+            <a:extLst>
+              <a:ext uri="{FF2B5EF4-FFF2-40B4-BE49-F238E27FC236}">
+                <a16:creationId xmlns:a16="http://schemas.microsoft.com/office/drawing/2014/main" id="{6828EA4A-30ED-4BE2-BB9E-FF832223FF7B}"/>
+              </a:ext>
+            </a:extLst>
+          </p:cNvPr>
+          <p:cNvSpPr>
+            <a:spLocks noGrp="1"/>
+          </p:cNvSpPr>
+          <p:nvPr>
+            <p:ph type="sldNum" sz="quarter" idx="12"/>
+          </p:nvPr>
+        </p:nvSpPr>
+        <p:spPr/>
+        <p:txBody>
+          <a:bodyPr/>
+          <a:lstStyle/>
+          <a:p>
+            <a:fld id="{8A7A6979-0714-4377-B894-6BE4C2D6E202}" type="slidenum">
+              <a:rPr lang="en-US" sz="1600" b="1" smtClean="0"/>
+              <a:pPr/>
+              <a:t>8</a:t>
+            </a:fld>
+            <a:r>
+              <a:rPr lang="en-US" sz="1600" b="1" dirty="0"/>
+              <a:t> / 12</a:t>
+            </a:r>
+          </a:p>
+        </p:txBody>
+      </p:sp>
+      <p:graphicFrame>
+        <p:nvGraphicFramePr>
+          <p:cNvPr id="7" name="Tableau 7">
+            <a:extLst>
+              <a:ext uri="{FF2B5EF4-FFF2-40B4-BE49-F238E27FC236}">
+                <a16:creationId xmlns:a16="http://schemas.microsoft.com/office/drawing/2014/main" id="{82874B99-B782-42BD-8501-58D33E317505}"/>
+              </a:ext>
+            </a:extLst>
+          </p:cNvPr>
+          <p:cNvGraphicFramePr>
+            <a:graphicFrameLocks noGrp="1"/>
+          </p:cNvGraphicFramePr>
+          <p:nvPr>
+            <p:extLst>
+              <p:ext uri="{D42A27DB-BD31-4B8C-83A1-F6EECF244321}">
+                <p14:modId xmlns:p14="http://schemas.microsoft.com/office/powerpoint/2010/main" val="3481609156"/>
+              </p:ext>
+            </p:extLst>
+          </p:nvPr>
+        </p:nvGraphicFramePr>
+        <p:xfrm>
+          <a:off x="803031" y="2397094"/>
+          <a:ext cx="10738338" cy="3691547"/>
+        </p:xfrm>
+        <a:graphic>
+          <a:graphicData uri="http://schemas.openxmlformats.org/drawingml/2006/table">
+            <a:tbl>
+              <a:tblPr firstRow="1" bandRow="1">
+                <a:effectLst>
+                  <a:outerShdw blurRad="50800" dist="38100" dir="8100000" algn="tr" rotWithShape="0">
+                    <a:prstClr val="black">
+                      <a:alpha val="40000"/>
+                    </a:prstClr>
+                  </a:outerShdw>
+                </a:effectLst>
+                <a:tableStyleId>{5202B0CA-FC54-4496-8BCA-5EF66A818D29}</a:tableStyleId>
+              </a:tblPr>
+              <a:tblGrid>
+                <a:gridCol w="5229777">
+                  <a:extLst>
+                    <a:ext uri="{9D8B030D-6E8A-4147-A177-3AD203B41FA5}">
+                      <a16:colId xmlns:a16="http://schemas.microsoft.com/office/drawing/2014/main" val="51031025"/>
+                    </a:ext>
+                  </a:extLst>
+                </a:gridCol>
+                <a:gridCol w="5508561">
+                  <a:extLst>
+                    <a:ext uri="{9D8B030D-6E8A-4147-A177-3AD203B41FA5}">
+                      <a16:colId xmlns:a16="http://schemas.microsoft.com/office/drawing/2014/main" val="1107216242"/>
+                    </a:ext>
+                  </a:extLst>
+                </a:gridCol>
+              </a:tblGrid>
+              <a:tr h="551878">
+                <a:tc>
+                  <a:txBody>
+                    <a:bodyPr/>
+                    <a:lstStyle/>
+                    <a:p>
+                      <a:pPr algn="ctr"/>
+                      <a:r>
+                        <a:rPr lang="fr-FR" sz="2000" dirty="0"/>
+                        <a:t>Vulnérabilités</a:t>
+                      </a:r>
+                    </a:p>
+                  </a:txBody>
+                  <a:tcPr anchor="ctr"/>
+                </a:tc>
+                <a:tc>
+                  <a:txBody>
+                    <a:bodyPr/>
+                    <a:lstStyle/>
+                    <a:p>
+                      <a:pPr algn="ctr"/>
+                      <a:r>
+                        <a:rPr lang="fr-FR" sz="2000" dirty="0"/>
+                        <a:t>Solutions</a:t>
+                      </a:r>
+                    </a:p>
+                  </a:txBody>
+                  <a:tcPr anchor="ctr"/>
+                </a:tc>
+                <a:extLst>
+                  <a:ext uri="{0D108BD9-81ED-4DB2-BD59-A6C34878D82A}">
+                    <a16:rowId xmlns:a16="http://schemas.microsoft.com/office/drawing/2014/main" val="3186800991"/>
+                  </a:ext>
+                </a:extLst>
+              </a:tr>
+              <a:tr h="551878">
+                <a:tc>
+                  <a:txBody>
+                    <a:bodyPr/>
+                    <a:lstStyle/>
+                    <a:p>
+                      <a:r>
+                        <a:rPr lang="fr-FR"/>
+                        <a:t>Application qui n’est pas à jour</a:t>
+                      </a:r>
+                      <a:endParaRPr lang="fr-FR" dirty="0"/>
+                    </a:p>
+                  </a:txBody>
+                  <a:tcPr anchor="ctr"/>
+                </a:tc>
+                <a:tc>
+                  <a:txBody>
+                    <a:bodyPr/>
+                    <a:lstStyle/>
+                    <a:p>
+                      <a:r>
+                        <a:rPr lang="fr-FR" dirty="0"/>
+                        <a:t>Mettre à jour le CMS Wordpress</a:t>
+                      </a:r>
+                    </a:p>
+                  </a:txBody>
+                  <a:tcPr anchor="ctr"/>
+                </a:tc>
+                <a:extLst>
+                  <a:ext uri="{0D108BD9-81ED-4DB2-BD59-A6C34878D82A}">
+                    <a16:rowId xmlns:a16="http://schemas.microsoft.com/office/drawing/2014/main" val="1552978034"/>
+                  </a:ext>
+                </a:extLst>
+              </a:tr>
+              <a:tr h="551878">
+                <a:tc>
+                  <a:txBody>
+                    <a:bodyPr/>
+                    <a:lstStyle/>
+                    <a:p>
+                      <a:r>
+                        <a:rPr lang="fr-FR" dirty="0"/>
+                        <a:t>Faille de téléversement Wordpress</a:t>
+                      </a:r>
+                    </a:p>
+                  </a:txBody>
+                  <a:tcPr anchor="ctr"/>
+                </a:tc>
+                <a:tc>
+                  <a:txBody>
+                    <a:bodyPr/>
+                    <a:lstStyle/>
+                    <a:p>
+                      <a:r>
+                        <a:rPr lang="fr-FR" dirty="0"/>
+                        <a:t>Mettre à jour le CMS Wordpress</a:t>
+                      </a:r>
+                    </a:p>
+                  </a:txBody>
+                  <a:tcPr anchor="ctr"/>
+                </a:tc>
+                <a:extLst>
+                  <a:ext uri="{0D108BD9-81ED-4DB2-BD59-A6C34878D82A}">
+                    <a16:rowId xmlns:a16="http://schemas.microsoft.com/office/drawing/2014/main" val="2562687705"/>
+                  </a:ext>
+                </a:extLst>
+              </a:tr>
+              <a:tr h="629476">
+                <a:tc>
+                  <a:txBody>
+                    <a:bodyPr/>
+                    <a:lstStyle/>
+                    <a:p>
+                      <a:r>
+                        <a:rPr lang="fr-FR" dirty="0"/>
+                        <a:t>Visibilité des dossiers</a:t>
+                      </a:r>
+                    </a:p>
+                  </a:txBody>
+                  <a:tcPr anchor="ctr"/>
+                </a:tc>
+                <a:tc>
+                  <a:txBody>
+                    <a:bodyPr/>
+                    <a:lstStyle/>
+                    <a:p>
+                      <a:r>
+                        <a:rPr lang="fr-FR" dirty="0"/>
+                        <a:t>Mettre un fichier </a:t>
+                      </a:r>
+                      <a:r>
+                        <a:rPr lang="fr-FR" dirty="0" err="1"/>
+                        <a:t>htaccess</a:t>
+                      </a:r>
+                      <a:r>
+                        <a:rPr lang="fr-FR" dirty="0"/>
+                        <a:t> pour cacher les fichiers</a:t>
+                      </a:r>
+                    </a:p>
+                  </a:txBody>
+                  <a:tcPr anchor="ctr"/>
+                </a:tc>
+                <a:extLst>
+                  <a:ext uri="{0D108BD9-81ED-4DB2-BD59-A6C34878D82A}">
+                    <a16:rowId xmlns:a16="http://schemas.microsoft.com/office/drawing/2014/main" val="2658080140"/>
+                  </a:ext>
+                </a:extLst>
+              </a:tr>
+              <a:tr h="638629">
+                <a:tc>
+                  <a:txBody>
+                    <a:bodyPr/>
+                    <a:lstStyle/>
+                    <a:p>
+                      <a:r>
+                        <a:rPr lang="fr-FR" dirty="0"/>
+                        <a:t>Compte utilisateur : mot de passe faible et connue</a:t>
+                      </a:r>
+                    </a:p>
+                  </a:txBody>
+                  <a:tcPr anchor="ctr"/>
+                </a:tc>
+                <a:tc>
+                  <a:txBody>
+                    <a:bodyPr/>
+                    <a:lstStyle/>
+                    <a:p>
+                      <a:r>
+                        <a:rPr lang="fr-FR" dirty="0"/>
+                        <a:t>Mettre un mot de passe fort personnalisé</a:t>
+                      </a:r>
+                    </a:p>
+                  </a:txBody>
+                  <a:tcPr anchor="ctr"/>
+                </a:tc>
+                <a:extLst>
+                  <a:ext uri="{0D108BD9-81ED-4DB2-BD59-A6C34878D82A}">
+                    <a16:rowId xmlns:a16="http://schemas.microsoft.com/office/drawing/2014/main" val="1486059782"/>
+                  </a:ext>
+                </a:extLst>
+              </a:tr>
+              <a:tr h="767808">
+                <a:tc>
+                  <a:txBody>
+                    <a:bodyPr/>
+                    <a:lstStyle/>
+                    <a:p>
+                      <a:r>
+                        <a:rPr lang="fr-FR" dirty="0"/>
+                        <a:t>Fichier de configuration spécial avec de mauvais droit</a:t>
+                      </a:r>
+                    </a:p>
+                  </a:txBody>
+                  <a:tcPr anchor="ctr"/>
+                </a:tc>
+                <a:tc>
+                  <a:txBody>
+                    <a:bodyPr/>
+                    <a:lstStyle/>
+                    <a:p>
+                      <a:r>
+                        <a:rPr lang="fr-FR" dirty="0"/>
+                        <a:t>Eviter d’avoir des fichiers configuration spéciaux avec les comptes super-utilisateur</a:t>
+                      </a:r>
+                    </a:p>
+                  </a:txBody>
+                  <a:tcPr anchor="ctr"/>
+                </a:tc>
+                <a:extLst>
+                  <a:ext uri="{0D108BD9-81ED-4DB2-BD59-A6C34878D82A}">
+                    <a16:rowId xmlns:a16="http://schemas.microsoft.com/office/drawing/2014/main" val="3087736752"/>
+                  </a:ext>
+                </a:extLst>
+              </a:tr>
+            </a:tbl>
+          </a:graphicData>
+        </a:graphic>
+      </p:graphicFrame>
+    </p:spTree>
+    <p:extLst>
+      <p:ext uri="{BB962C8B-B14F-4D97-AF65-F5344CB8AC3E}">
+        <p14:creationId xmlns:p14="http://schemas.microsoft.com/office/powerpoint/2010/main" val="374667423"/>
+      </p:ext>
+    </p:extLst>
+  </p:cSld>
+  <p:clrMapOvr>
+    <a:masterClrMapping/>
+  </p:clrMapOvr>
+</p:sld>
+</file>
+
+<file path=ppt/slides/slide9.xml><?xml version="1.0" encoding="utf-8"?>
+<p:sld xmlns:a="http://schemas.openxmlformats.org/drawingml/2006/main" xmlns:r="http://schemas.openxmlformats.org/officeDocument/2006/relationships" xmlns:p="http://schemas.openxmlformats.org/presentationml/2006/main">
+  <p:cSld>
+    <p:spTree>
+      <p:nvGrpSpPr>
+        <p:cNvPr id="1" name=""/>
+        <p:cNvGrpSpPr/>
+        <p:nvPr/>
+      </p:nvGrpSpPr>
+      <p:grpSpPr>
+        <a:xfrm>
+          <a:off x="0" y="0"/>
+          <a:ext cx="0" cy="0"/>
+          <a:chOff x="0" y="0"/>
+          <a:chExt cx="0" cy="0"/>
+        </a:xfrm>
+      </p:grpSpPr>
+      <p:pic>
+        <p:nvPicPr>
+          <p:cNvPr id="6" name="Image 5">
+            <a:extLst>
+              <a:ext uri="{FF2B5EF4-FFF2-40B4-BE49-F238E27FC236}">
+                <a16:creationId xmlns:a16="http://schemas.microsoft.com/office/drawing/2014/main" id="{7B74C971-B67B-40CA-89E0-FE393654BA1A}"/>
+              </a:ext>
+            </a:extLst>
+          </p:cNvPr>
+          <p:cNvPicPr>
+            <a:picLocks noChangeAspect="1"/>
+          </p:cNvPicPr>
+          <p:nvPr/>
+        </p:nvPicPr>
+        <p:blipFill>
+          <a:blip r:embed="rId3"/>
+          <a:stretch>
+            <a:fillRect/>
+          </a:stretch>
+        </p:blipFill>
+        <p:spPr>
+          <a:xfrm>
+            <a:off x="9584746" y="3918525"/>
+            <a:ext cx="2348645" cy="2364461"/>
+          </a:xfrm>
+          <a:prstGeom prst="rect">
+            <a:avLst/>
+          </a:prstGeom>
+        </p:spPr>
+      </p:pic>
+      <p:pic>
+        <p:nvPicPr>
+          <p:cNvPr id="5" name="Image 4">
+            <a:extLst>
+              <a:ext uri="{FF2B5EF4-FFF2-40B4-BE49-F238E27FC236}">
+                <a16:creationId xmlns:a16="http://schemas.microsoft.com/office/drawing/2014/main" id="{8B6A95F4-CB6C-4A26-AB25-5E6278E0AB6A}"/>
+              </a:ext>
+            </a:extLst>
+          </p:cNvPr>
+          <p:cNvPicPr>
+            <a:picLocks noChangeAspect="1"/>
+          </p:cNvPicPr>
+          <p:nvPr/>
+        </p:nvPicPr>
+        <p:blipFill>
+          <a:blip r:embed="rId3"/>
+          <a:stretch>
+            <a:fillRect/>
+          </a:stretch>
+        </p:blipFill>
+        <p:spPr>
+          <a:xfrm>
+            <a:off x="128954" y="199291"/>
+            <a:ext cx="2879848" cy="2899241"/>
+          </a:xfrm>
+          <a:prstGeom prst="rect">
+            <a:avLst/>
+          </a:prstGeom>
+        </p:spPr>
+      </p:pic>
+      <p:sp>
+        <p:nvSpPr>
+          <p:cNvPr id="2" name="Titre 1">
+            <a:extLst>
+              <a:ext uri="{FF2B5EF4-FFF2-40B4-BE49-F238E27FC236}">
+                <a16:creationId xmlns:a16="http://schemas.microsoft.com/office/drawing/2014/main" id="{B22C7BE7-F706-4089-BCA5-AF4C275C322E}"/>
+              </a:ext>
+            </a:extLst>
+          </p:cNvPr>
+          <p:cNvSpPr>
+            <a:spLocks noGrp="1"/>
+          </p:cNvSpPr>
+          <p:nvPr>
+            <p:ph type="title"/>
+          </p:nvPr>
+        </p:nvSpPr>
+        <p:spPr/>
+        <p:txBody>
+          <a:bodyPr/>
+          <a:lstStyle/>
+          <a:p>
+            <a:pPr algn="ctr"/>
+            <a:r>
+              <a:rPr lang="fr-FR" sz="4000" dirty="0">
+                <a:latin typeface="Arial Rounded MT Bold" panose="020F0704030504030204" pitchFamily="34" charset="0"/>
+              </a:rPr>
+              <a:t>Tableau de criticité</a:t>
+            </a:r>
+            <a:endParaRPr lang="fr-RE" sz="4000" dirty="0">
+              <a:latin typeface="Arial Rounded MT Bold" panose="020F0704030504030204" pitchFamily="34" charset="0"/>
+            </a:endParaRPr>
+          </a:p>
+        </p:txBody>
+      </p:sp>
+      <p:sp>
+        <p:nvSpPr>
+          <p:cNvPr id="4" name="Espace réservé du numéro de diapositive 3">
+            <a:extLst>
+              <a:ext uri="{FF2B5EF4-FFF2-40B4-BE49-F238E27FC236}">
+                <a16:creationId xmlns:a16="http://schemas.microsoft.com/office/drawing/2014/main" id="{6828EA4A-30ED-4BE2-BB9E-FF832223FF7B}"/>
+              </a:ext>
+            </a:extLst>
+          </p:cNvPr>
+          <p:cNvSpPr>
+            <a:spLocks noGrp="1"/>
+          </p:cNvSpPr>
+          <p:nvPr>
+            <p:ph type="sldNum" sz="quarter" idx="12"/>
+          </p:nvPr>
+        </p:nvSpPr>
+        <p:spPr/>
+        <p:txBody>
+          <a:bodyPr/>
+          <a:lstStyle/>
+          <a:p>
+            <a:fld id="{8A7A6979-0714-4377-B894-6BE4C2D6E202}" type="slidenum">
+              <a:rPr lang="en-US" sz="1600" b="1" smtClean="0"/>
+              <a:pPr/>
+              <a:t>9</a:t>
+            </a:fld>
+            <a:r>
+              <a:rPr lang="en-US" sz="1600" b="1" dirty="0"/>
+              <a:t> / 12</a:t>
+            </a:r>
+          </a:p>
+        </p:txBody>
+      </p:sp>
+      <p:graphicFrame>
+        <p:nvGraphicFramePr>
+          <p:cNvPr id="7" name="Tableau 7">
+            <a:extLst>
+              <a:ext uri="{FF2B5EF4-FFF2-40B4-BE49-F238E27FC236}">
+                <a16:creationId xmlns:a16="http://schemas.microsoft.com/office/drawing/2014/main" id="{37CA7585-8481-4752-9A76-5D194DE86CB4}"/>
+              </a:ext>
+            </a:extLst>
+          </p:cNvPr>
+          <p:cNvGraphicFramePr>
+            <a:graphicFrameLocks noGrp="1"/>
+          </p:cNvGraphicFramePr>
+          <p:nvPr>
+            <p:extLst>
+              <p:ext uri="{D42A27DB-BD31-4B8C-83A1-F6EECF244321}">
+                <p14:modId xmlns:p14="http://schemas.microsoft.com/office/powerpoint/2010/main" val="434774386"/>
+              </p:ext>
+            </p:extLst>
+          </p:nvPr>
+        </p:nvGraphicFramePr>
+        <p:xfrm>
+          <a:off x="838200" y="2479389"/>
+          <a:ext cx="10515600" cy="3370341"/>
+        </p:xfrm>
+        <a:graphic>
+          <a:graphicData uri="http://schemas.openxmlformats.org/drawingml/2006/table">
+            <a:tbl>
+              <a:tblPr firstRow="1" bandRow="1">
+                <a:effectLst>
+                  <a:outerShdw blurRad="50800" dist="38100" dir="8100000" algn="tr" rotWithShape="0">
+                    <a:prstClr val="black">
+                      <a:alpha val="40000"/>
+                    </a:prstClr>
+                  </a:outerShdw>
+                </a:effectLst>
+                <a:tableStyleId>{5202B0CA-FC54-4496-8BCA-5EF66A818D29}</a:tableStyleId>
+              </a:tblPr>
+              <a:tblGrid>
+                <a:gridCol w="4770127">
+                  <a:extLst>
+                    <a:ext uri="{9D8B030D-6E8A-4147-A177-3AD203B41FA5}">
+                      <a16:colId xmlns:a16="http://schemas.microsoft.com/office/drawing/2014/main" val="51031025"/>
+                    </a:ext>
+                  </a:extLst>
+                </a:gridCol>
+                <a:gridCol w="2902627">
+                  <a:extLst>
+                    <a:ext uri="{9D8B030D-6E8A-4147-A177-3AD203B41FA5}">
+                      <a16:colId xmlns:a16="http://schemas.microsoft.com/office/drawing/2014/main" val="1810796728"/>
+                    </a:ext>
+                  </a:extLst>
+                </a:gridCol>
+                <a:gridCol w="2842846">
+                  <a:extLst>
+                    <a:ext uri="{9D8B030D-6E8A-4147-A177-3AD203B41FA5}">
+                      <a16:colId xmlns:a16="http://schemas.microsoft.com/office/drawing/2014/main" val="3894105331"/>
+                    </a:ext>
+                  </a:extLst>
+                </a:gridCol>
+              </a:tblGrid>
+              <a:tr h="601698">
+                <a:tc>
+                  <a:txBody>
+                    <a:bodyPr/>
+                    <a:lstStyle/>
+                    <a:p>
+                      <a:pPr algn="ctr"/>
+                      <a:r>
+                        <a:rPr lang="fr-FR" sz="2000" dirty="0"/>
+                        <a:t>Vulnérabilités</a:t>
+                      </a:r>
+                    </a:p>
+                  </a:txBody>
+                  <a:tcPr anchor="ctr"/>
+                </a:tc>
+                <a:tc>
+                  <a:txBody>
+                    <a:bodyPr/>
+                    <a:lstStyle/>
+                    <a:p>
+                      <a:pPr algn="ctr"/>
+                      <a:r>
+                        <a:rPr lang="fr-FR" sz="2000" dirty="0"/>
+                        <a:t>Probabilités</a:t>
+                      </a:r>
+                    </a:p>
+                  </a:txBody>
+                  <a:tcPr anchor="ctr"/>
+                </a:tc>
+                <a:tc>
+                  <a:txBody>
+                    <a:bodyPr/>
+                    <a:lstStyle/>
+                    <a:p>
+                      <a:pPr algn="ctr"/>
+                      <a:r>
+                        <a:rPr lang="fr-FR" sz="2000" dirty="0"/>
+                        <a:t>Risques</a:t>
+                      </a:r>
+                    </a:p>
+                  </a:txBody>
+                  <a:tcPr anchor="ctr"/>
+                </a:tc>
+                <a:extLst>
+                  <a:ext uri="{0D108BD9-81ED-4DB2-BD59-A6C34878D82A}">
+                    <a16:rowId xmlns:a16="http://schemas.microsoft.com/office/drawing/2014/main" val="3186800991"/>
+                  </a:ext>
+                </a:extLst>
+              </a:tr>
+              <a:tr h="601698">
+                <a:tc>
+                  <a:txBody>
+                    <a:bodyPr/>
+                    <a:lstStyle/>
+                    <a:p>
+                      <a:pPr algn="just"/>
+                      <a:r>
+                        <a:rPr lang="fr-FR" dirty="0"/>
+                        <a:t>Application qui n’est pas à jour</a:t>
+                      </a:r>
+                    </a:p>
+                  </a:txBody>
+                  <a:tcPr anchor="ctr"/>
+                </a:tc>
+                <a:tc>
+                  <a:txBody>
+                    <a:bodyPr/>
+                    <a:lstStyle/>
+                    <a:p>
+                      <a:r>
+                        <a:rPr lang="fr-FR"/>
+                        <a:t>ELEVE –</a:t>
+                      </a:r>
+                    </a:p>
+                    <a:p>
+                      <a:r>
+                        <a:rPr lang="fr-FR"/>
+                        <a:t>Failles de sécurité</a:t>
+                      </a:r>
+                      <a:endParaRPr lang="fr-FR" dirty="0"/>
+                    </a:p>
+                  </a:txBody>
+                  <a:tcPr anchor="ctr"/>
+                </a:tc>
+                <a:tc>
+                  <a:txBody>
+                    <a:bodyPr/>
+                    <a:lstStyle/>
+                    <a:p>
+                      <a:r>
+                        <a:rPr lang="fr-FR"/>
+                        <a:t>ELEVE –</a:t>
+                      </a:r>
+                    </a:p>
+                    <a:p>
+                      <a:r>
+                        <a:rPr lang="fr-FR"/>
+                        <a:t>Corruption du système</a:t>
+                      </a:r>
+                      <a:endParaRPr lang="fr-FR" dirty="0"/>
+                    </a:p>
+                  </a:txBody>
+                  <a:tcPr anchor="ctr"/>
+                </a:tc>
+                <a:extLst>
+                  <a:ext uri="{0D108BD9-81ED-4DB2-BD59-A6C34878D82A}">
+                    <a16:rowId xmlns:a16="http://schemas.microsoft.com/office/drawing/2014/main" val="1552978034"/>
+                  </a:ext>
+                </a:extLst>
+              </a:tr>
+              <a:tr h="686301">
+                <a:tc>
+                  <a:txBody>
+                    <a:bodyPr/>
+                    <a:lstStyle/>
+                    <a:p>
+                      <a:pPr algn="just"/>
+                      <a:r>
+                        <a:rPr lang="fr-FR" dirty="0"/>
+                        <a:t>Faille de téléversement WordPress</a:t>
+                      </a:r>
+                    </a:p>
+                  </a:txBody>
+                  <a:tcPr anchor="ctr"/>
+                </a:tc>
+                <a:tc>
+                  <a:txBody>
+                    <a:bodyPr/>
+                    <a:lstStyle/>
+                    <a:p>
+                      <a:r>
+                        <a:rPr lang="fr-FR" dirty="0"/>
+                        <a:t>ELEVE –</a:t>
+                      </a:r>
+                    </a:p>
+                    <a:p>
+                      <a:r>
+                        <a:rPr lang="fr-FR" dirty="0"/>
+                        <a:t>Envoie de fichier corrompu</a:t>
+                      </a:r>
+                    </a:p>
+                  </a:txBody>
+                  <a:tcPr anchor="ctr"/>
+                </a:tc>
+                <a:tc>
+                  <a:txBody>
+                    <a:bodyPr/>
+                    <a:lstStyle/>
+                    <a:p>
+                      <a:r>
+                        <a:rPr lang="fr-FR" dirty="0"/>
+                        <a:t>ELEVE –</a:t>
+                      </a:r>
+                    </a:p>
+                    <a:p>
+                      <a:r>
+                        <a:rPr lang="fr-FR" dirty="0"/>
+                        <a:t>Prise en main à distance</a:t>
+                      </a:r>
+                    </a:p>
+                  </a:txBody>
+                  <a:tcPr anchor="ctr"/>
+                </a:tc>
+                <a:extLst>
+                  <a:ext uri="{0D108BD9-81ED-4DB2-BD59-A6C34878D82A}">
+                    <a16:rowId xmlns:a16="http://schemas.microsoft.com/office/drawing/2014/main" val="2658080140"/>
+                  </a:ext>
+                </a:extLst>
+              </a:tr>
+              <a:tr h="727235">
+                <a:tc>
+                  <a:txBody>
+                    <a:bodyPr/>
+                    <a:lstStyle/>
+                    <a:p>
+                      <a:r>
+                        <a:rPr lang="fr-FR" dirty="0"/>
+                        <a:t>Compte utilisateur : </a:t>
+                      </a:r>
+                    </a:p>
+                    <a:p>
+                      <a:r>
+                        <a:rPr lang="fr-FR" dirty="0"/>
+                        <a:t>mot de passe faible et connue</a:t>
+                      </a:r>
+                    </a:p>
+                  </a:txBody>
+                  <a:tcPr anchor="ctr"/>
+                </a:tc>
+                <a:tc>
+                  <a:txBody>
+                    <a:bodyPr/>
+                    <a:lstStyle/>
+                    <a:p>
+                      <a:r>
+                        <a:rPr lang="fr-FR" dirty="0"/>
+                        <a:t>ELEVE –</a:t>
+                      </a:r>
+                    </a:p>
+                    <a:p>
+                      <a:r>
+                        <a:rPr lang="fr-FR" dirty="0"/>
+                        <a:t>Prise de contrôle du compte</a:t>
+                      </a:r>
+                    </a:p>
+                  </a:txBody>
+                  <a:tcPr anchor="ctr"/>
+                </a:tc>
+                <a:tc>
+                  <a:txBody>
+                    <a:bodyPr/>
+                    <a:lstStyle/>
+                    <a:p>
+                      <a:r>
+                        <a:rPr lang="fr-FR" dirty="0"/>
+                        <a:t>ELEVE –</a:t>
+                      </a:r>
+                    </a:p>
+                    <a:p>
+                      <a:r>
+                        <a:rPr lang="fr-FR" dirty="0"/>
+                        <a:t>Brut force du mot de passe</a:t>
+                      </a:r>
+                    </a:p>
+                  </a:txBody>
+                  <a:tcPr anchor="ctr"/>
+                </a:tc>
+                <a:extLst>
+                  <a:ext uri="{0D108BD9-81ED-4DB2-BD59-A6C34878D82A}">
+                    <a16:rowId xmlns:a16="http://schemas.microsoft.com/office/drawing/2014/main" val="3087736752"/>
+                  </a:ext>
+                </a:extLst>
+              </a:tr>
+              <a:tr h="715027">
+                <a:tc>
+                  <a:txBody>
+                    <a:bodyPr/>
+                    <a:lstStyle/>
+                    <a:p>
+                      <a:r>
+                        <a:rPr lang="fr-FR" dirty="0"/>
+                        <a:t>Fichier de configuration spécial avec de mauvais droits</a:t>
+                      </a:r>
+                    </a:p>
+                  </a:txBody>
+                  <a:tcPr anchor="ctr"/>
+                </a:tc>
+                <a:tc>
+                  <a:txBody>
+                    <a:bodyPr/>
+                    <a:lstStyle/>
+                    <a:p>
+                      <a:pPr algn="just"/>
+                      <a:r>
+                        <a:rPr lang="fr-FR" dirty="0"/>
+                        <a:t>ELEVE –</a:t>
+                      </a:r>
+                    </a:p>
+                    <a:p>
+                      <a:pPr algn="just"/>
+                      <a:r>
+                        <a:rPr lang="fr-FR" dirty="0"/>
+                        <a:t>Elévation de privilège</a:t>
+                      </a:r>
+                    </a:p>
+                  </a:txBody>
+                  <a:tcPr anchor="ctr"/>
+                </a:tc>
+                <a:tc>
+                  <a:txBody>
+                    <a:bodyPr/>
+                    <a:lstStyle/>
+                    <a:p>
+                      <a:r>
+                        <a:rPr lang="fr-FR" dirty="0"/>
+                        <a:t>ELEVE –</a:t>
+                      </a:r>
+                    </a:p>
+                    <a:p>
+                      <a:r>
+                        <a:rPr lang="fr-FR" dirty="0"/>
+                        <a:t>Corruption du système</a:t>
+                      </a:r>
+                    </a:p>
+                  </a:txBody>
+                  <a:tcPr anchor="ctr"/>
+                </a:tc>
+                <a:extLst>
+                  <a:ext uri="{0D108BD9-81ED-4DB2-BD59-A6C34878D82A}">
+                    <a16:rowId xmlns:a16="http://schemas.microsoft.com/office/drawing/2014/main" val="3076332722"/>
+                  </a:ext>
+                </a:extLst>
+              </a:tr>
+            </a:tbl>
+          </a:graphicData>
+        </a:graphic>
+      </p:graphicFrame>
+    </p:spTree>
+    <p:extLst>
+      <p:ext uri="{BB962C8B-B14F-4D97-AF65-F5344CB8AC3E}">
+        <p14:creationId xmlns:p14="http://schemas.microsoft.com/office/powerpoint/2010/main" val="2473602516"/>
       </p:ext>
     </p:extLst>
   </p:cSld>
